--- a/Help/images/img_sources.pptx
+++ b/Help/images/img_sources.pptx
@@ -6,9 +6,13 @@
   </p:sldMasterIdLst>
   <p:sldIdLst>
     <p:sldId id="256" r:id="rId2"/>
-    <p:sldId id="257" r:id="rId3"/>
-    <p:sldId id="259" r:id="rId4"/>
-    <p:sldId id="258" r:id="rId5"/>
+    <p:sldId id="262" r:id="rId3"/>
+    <p:sldId id="261" r:id="rId4"/>
+    <p:sldId id="263" r:id="rId5"/>
+    <p:sldId id="259" r:id="rId6"/>
+    <p:sldId id="257" r:id="rId7"/>
+    <p:sldId id="258" r:id="rId8"/>
+    <p:sldId id="260" r:id="rId9"/>
   </p:sldIdLst>
   <p:sldSz cx="9144000" cy="6858000" type="screen4x3"/>
   <p:notesSz cx="6858000" cy="9144000"/>
@@ -291,7 +295,7 @@
           <a:p>
             <a:fld id="{54379204-0DE5-4A8F-A5DB-A53F02487498}" type="datetimeFigureOut">
               <a:rPr lang="en-US" smtClean="0"/>
-              <a:t>3/21/2013</a:t>
+              <a:t>3/25/2013</a:t>
             </a:fld>
             <a:endParaRPr lang="en-US"/>
           </a:p>
@@ -461,7 +465,7 @@
           <a:p>
             <a:fld id="{54379204-0DE5-4A8F-A5DB-A53F02487498}" type="datetimeFigureOut">
               <a:rPr lang="en-US" smtClean="0"/>
-              <a:t>3/21/2013</a:t>
+              <a:t>3/25/2013</a:t>
             </a:fld>
             <a:endParaRPr lang="en-US"/>
           </a:p>
@@ -641,7 +645,7 @@
           <a:p>
             <a:fld id="{54379204-0DE5-4A8F-A5DB-A53F02487498}" type="datetimeFigureOut">
               <a:rPr lang="en-US" smtClean="0"/>
-              <a:t>3/21/2013</a:t>
+              <a:t>3/25/2013</a:t>
             </a:fld>
             <a:endParaRPr lang="en-US"/>
           </a:p>
@@ -811,7 +815,7 @@
           <a:p>
             <a:fld id="{54379204-0DE5-4A8F-A5DB-A53F02487498}" type="datetimeFigureOut">
               <a:rPr lang="en-US" smtClean="0"/>
-              <a:t>3/21/2013</a:t>
+              <a:t>3/25/2013</a:t>
             </a:fld>
             <a:endParaRPr lang="en-US"/>
           </a:p>
@@ -1057,7 +1061,7 @@
           <a:p>
             <a:fld id="{54379204-0DE5-4A8F-A5DB-A53F02487498}" type="datetimeFigureOut">
               <a:rPr lang="en-US" smtClean="0"/>
-              <a:t>3/21/2013</a:t>
+              <a:t>3/25/2013</a:t>
             </a:fld>
             <a:endParaRPr lang="en-US"/>
           </a:p>
@@ -1345,7 +1349,7 @@
           <a:p>
             <a:fld id="{54379204-0DE5-4A8F-A5DB-A53F02487498}" type="datetimeFigureOut">
               <a:rPr lang="en-US" smtClean="0"/>
-              <a:t>3/21/2013</a:t>
+              <a:t>3/25/2013</a:t>
             </a:fld>
             <a:endParaRPr lang="en-US"/>
           </a:p>
@@ -1767,7 +1771,7 @@
           <a:p>
             <a:fld id="{54379204-0DE5-4A8F-A5DB-A53F02487498}" type="datetimeFigureOut">
               <a:rPr lang="en-US" smtClean="0"/>
-              <a:t>3/21/2013</a:t>
+              <a:t>3/25/2013</a:t>
             </a:fld>
             <a:endParaRPr lang="en-US"/>
           </a:p>
@@ -1885,7 +1889,7 @@
           <a:p>
             <a:fld id="{54379204-0DE5-4A8F-A5DB-A53F02487498}" type="datetimeFigureOut">
               <a:rPr lang="en-US" smtClean="0"/>
-              <a:t>3/21/2013</a:t>
+              <a:t>3/25/2013</a:t>
             </a:fld>
             <a:endParaRPr lang="en-US"/>
           </a:p>
@@ -1980,7 +1984,7 @@
           <a:p>
             <a:fld id="{54379204-0DE5-4A8F-A5DB-A53F02487498}" type="datetimeFigureOut">
               <a:rPr lang="en-US" smtClean="0"/>
-              <a:t>3/21/2013</a:t>
+              <a:t>3/25/2013</a:t>
             </a:fld>
             <a:endParaRPr lang="en-US"/>
           </a:p>
@@ -2257,7 +2261,7 @@
           <a:p>
             <a:fld id="{54379204-0DE5-4A8F-A5DB-A53F02487498}" type="datetimeFigureOut">
               <a:rPr lang="en-US" smtClean="0"/>
-              <a:t>3/21/2013</a:t>
+              <a:t>3/25/2013</a:t>
             </a:fld>
             <a:endParaRPr lang="en-US"/>
           </a:p>
@@ -2510,7 +2514,7 @@
           <a:p>
             <a:fld id="{54379204-0DE5-4A8F-A5DB-A53F02487498}" type="datetimeFigureOut">
               <a:rPr lang="en-US" smtClean="0"/>
-              <a:t>3/21/2013</a:t>
+              <a:t>3/25/2013</a:t>
             </a:fld>
             <a:endParaRPr lang="en-US"/>
           </a:p>
@@ -2723,7 +2727,7 @@
           <a:p>
             <a:fld id="{54379204-0DE5-4A8F-A5DB-A53F02487498}" type="datetimeFigureOut">
               <a:rPr lang="en-US" smtClean="0"/>
-              <a:t>3/21/2013</a:t>
+              <a:t>3/25/2013</a:t>
             </a:fld>
             <a:endParaRPr lang="en-US"/>
           </a:p>
@@ -3244,15 +3248,7 @@
           <a:p>
             <a:r>
               <a:rPr lang="fi-FI" dirty="0" err="1" smtClean="0"/>
-              <a:t>Ports</a:t>
-            </a:r>
-            <a:r>
-              <a:rPr lang="fi-FI" dirty="0" smtClean="0"/>
-              <a:t> </a:t>
-            </a:r>
-            <a:r>
-              <a:rPr lang="fi-FI" dirty="0" err="1" smtClean="0"/>
-              <a:t>editor</a:t>
+              <a:t>Purpose</a:t>
             </a:r>
             <a:endParaRPr lang="en-US" dirty="0"/>
           </a:p>
@@ -3268,550 +3264,14 @@
             <p:ph idx="1"/>
           </p:nvPr>
         </p:nvSpPr>
-        <p:spPr>
-          <a:xfrm>
-            <a:off x="0" y="1556793"/>
-            <a:ext cx="3779912" cy="2232248"/>
-          </a:xfrm>
-        </p:spPr>
-        <p:txBody>
-          <a:bodyPr>
-            <a:normAutofit/>
-          </a:bodyPr>
+        <p:spPr/>
+        <p:txBody>
+          <a:bodyPr/>
           <a:lstStyle/>
           <a:p>
-            <a:pPr marL="0" indent="0">
-              <a:buNone/>
-            </a:pPr>
-            <a:r>
-              <a:rPr lang="en-US" sz="900" dirty="0" smtClean="0">
-                <a:latin typeface="Courier New" pitchFamily="49" charset="0"/>
-                <a:cs typeface="Courier New" pitchFamily="49" charset="0"/>
-              </a:rPr>
-              <a:t>library </a:t>
-            </a:r>
-            <a:r>
-              <a:rPr lang="en-US" sz="900" dirty="0" err="1" smtClean="0">
-                <a:latin typeface="Courier New" pitchFamily="49" charset="0"/>
-                <a:cs typeface="Courier New" pitchFamily="49" charset="0"/>
-              </a:rPr>
-              <a:t>ieee</a:t>
-            </a:r>
-            <a:r>
-              <a:rPr lang="en-US" sz="900" dirty="0" smtClean="0">
-                <a:latin typeface="Courier New" pitchFamily="49" charset="0"/>
-                <a:cs typeface="Courier New" pitchFamily="49" charset="0"/>
-              </a:rPr>
-              <a:t>;</a:t>
-            </a:r>
-          </a:p>
-          <a:p>
-            <a:pPr marL="0" indent="0">
-              <a:buNone/>
-            </a:pPr>
-            <a:r>
-              <a:rPr lang="en-US" sz="900" dirty="0" smtClean="0">
-                <a:latin typeface="Courier New" pitchFamily="49" charset="0"/>
-                <a:cs typeface="Courier New" pitchFamily="49" charset="0"/>
-              </a:rPr>
-              <a:t>use ieee.std_logic_1164.all;</a:t>
-            </a:r>
-          </a:p>
-          <a:p>
-            <a:pPr marL="0" indent="0">
-              <a:buNone/>
-            </a:pPr>
-            <a:endParaRPr lang="en-US" sz="900" dirty="0" smtClean="0">
-              <a:latin typeface="Courier New" pitchFamily="49" charset="0"/>
-              <a:cs typeface="Courier New" pitchFamily="49" charset="0"/>
-            </a:endParaRPr>
-          </a:p>
-          <a:p>
-            <a:pPr marL="0" indent="0">
-              <a:buNone/>
-            </a:pPr>
-            <a:r>
-              <a:rPr lang="en-US" sz="900" dirty="0" smtClean="0">
-                <a:latin typeface="Courier New" pitchFamily="49" charset="0"/>
-                <a:cs typeface="Courier New" pitchFamily="49" charset="0"/>
-              </a:rPr>
-              <a:t>entity foo is</a:t>
-            </a:r>
-          </a:p>
-          <a:p>
-            <a:pPr marL="0" indent="0">
-              <a:buNone/>
-            </a:pPr>
-            <a:r>
-              <a:rPr lang="en-US" sz="900" dirty="0" smtClean="0">
-                <a:latin typeface="Courier New" pitchFamily="49" charset="0"/>
-                <a:cs typeface="Courier New" pitchFamily="49" charset="0"/>
-              </a:rPr>
-              <a:t>port (</a:t>
-            </a:r>
-          </a:p>
-          <a:p>
-            <a:pPr marL="0" indent="0">
-              <a:buNone/>
-            </a:pPr>
-            <a:r>
-              <a:rPr lang="en-US" sz="900" dirty="0" smtClean="0">
-                <a:latin typeface="Courier New" pitchFamily="49" charset="0"/>
-                <a:cs typeface="Courier New" pitchFamily="49" charset="0"/>
-              </a:rPr>
-              <a:t>    </a:t>
-            </a:r>
-            <a:r>
-              <a:rPr lang="en-US" sz="900" dirty="0" err="1" smtClean="0">
-                <a:latin typeface="Courier New" pitchFamily="49" charset="0"/>
-                <a:cs typeface="Courier New" pitchFamily="49" charset="0"/>
-              </a:rPr>
-              <a:t>clk</a:t>
-            </a:r>
-            <a:r>
-              <a:rPr lang="en-US" sz="900" dirty="0" smtClean="0">
-                <a:latin typeface="Courier New" pitchFamily="49" charset="0"/>
-                <a:cs typeface="Courier New" pitchFamily="49" charset="0"/>
-              </a:rPr>
-              <a:t>   : in </a:t>
-            </a:r>
-            <a:r>
-              <a:rPr lang="en-US" sz="900" dirty="0" err="1" smtClean="0">
-                <a:latin typeface="Courier New" pitchFamily="49" charset="0"/>
-                <a:cs typeface="Courier New" pitchFamily="49" charset="0"/>
-              </a:rPr>
-              <a:t>std_logic</a:t>
-            </a:r>
-            <a:r>
-              <a:rPr lang="en-US" sz="900" dirty="0" smtClean="0">
-                <a:latin typeface="Courier New" pitchFamily="49" charset="0"/>
-                <a:cs typeface="Courier New" pitchFamily="49" charset="0"/>
-              </a:rPr>
-              <a:t>;</a:t>
-            </a:r>
-          </a:p>
-          <a:p>
-            <a:pPr marL="0" indent="0">
-              <a:buNone/>
-            </a:pPr>
-            <a:r>
-              <a:rPr lang="en-US" sz="900" dirty="0" smtClean="0">
-                <a:latin typeface="Courier New" pitchFamily="49" charset="0"/>
-                <a:cs typeface="Courier New" pitchFamily="49" charset="0"/>
-              </a:rPr>
-              <a:t>    </a:t>
-            </a:r>
-            <a:r>
-              <a:rPr lang="en-US" sz="900" dirty="0" err="1" smtClean="0">
-                <a:latin typeface="Courier New" pitchFamily="49" charset="0"/>
-                <a:cs typeface="Courier New" pitchFamily="49" charset="0"/>
-              </a:rPr>
-              <a:t>rst_n</a:t>
-            </a:r>
-            <a:r>
-              <a:rPr lang="en-US" sz="900" dirty="0" smtClean="0">
-                <a:latin typeface="Courier New" pitchFamily="49" charset="0"/>
-                <a:cs typeface="Courier New" pitchFamily="49" charset="0"/>
-              </a:rPr>
-              <a:t> : in </a:t>
-            </a:r>
-            <a:r>
-              <a:rPr lang="en-US" sz="900" dirty="0" err="1" smtClean="0">
-                <a:latin typeface="Courier New" pitchFamily="49" charset="0"/>
-                <a:cs typeface="Courier New" pitchFamily="49" charset="0"/>
-              </a:rPr>
-              <a:t>std_logic</a:t>
-            </a:r>
-            <a:r>
-              <a:rPr lang="en-US" sz="900" dirty="0" smtClean="0">
-                <a:latin typeface="Courier New" pitchFamily="49" charset="0"/>
-                <a:cs typeface="Courier New" pitchFamily="49" charset="0"/>
-              </a:rPr>
-              <a:t>;</a:t>
-            </a:r>
-          </a:p>
-          <a:p>
-            <a:pPr marL="0" indent="0">
-              <a:buNone/>
-            </a:pPr>
-            <a:endParaRPr lang="en-US" sz="900" dirty="0" smtClean="0">
-              <a:latin typeface="Courier New" pitchFamily="49" charset="0"/>
-              <a:cs typeface="Courier New" pitchFamily="49" charset="0"/>
-            </a:endParaRPr>
-          </a:p>
-          <a:p>
-            <a:pPr marL="0" indent="0">
-              <a:buNone/>
-            </a:pPr>
-            <a:r>
-              <a:rPr lang="en-US" sz="900" dirty="0" smtClean="0">
-                <a:latin typeface="Courier New" pitchFamily="49" charset="0"/>
-                <a:cs typeface="Courier New" pitchFamily="49" charset="0"/>
-              </a:rPr>
-              <a:t>    </a:t>
-            </a:r>
-            <a:r>
-              <a:rPr lang="en-US" sz="900" dirty="0" err="1" smtClean="0">
-                <a:latin typeface="Courier New" pitchFamily="49" charset="0"/>
-                <a:cs typeface="Courier New" pitchFamily="49" charset="0"/>
-              </a:rPr>
-              <a:t>data_in</a:t>
-            </a:r>
-            <a:r>
-              <a:rPr lang="en-US" sz="900" dirty="0" smtClean="0">
-                <a:latin typeface="Courier New" pitchFamily="49" charset="0"/>
-                <a:cs typeface="Courier New" pitchFamily="49" charset="0"/>
-              </a:rPr>
-              <a:t>  : in  </a:t>
-            </a:r>
-            <a:r>
-              <a:rPr lang="en-US" sz="900" dirty="0" err="1" smtClean="0">
-                <a:latin typeface="Courier New" pitchFamily="49" charset="0"/>
-                <a:cs typeface="Courier New" pitchFamily="49" charset="0"/>
-              </a:rPr>
-              <a:t>std_logic_vector</a:t>
-            </a:r>
-            <a:r>
-              <a:rPr lang="en-US" sz="900" dirty="0" smtClean="0">
-                <a:latin typeface="Courier New" pitchFamily="49" charset="0"/>
-                <a:cs typeface="Courier New" pitchFamily="49" charset="0"/>
-              </a:rPr>
-              <a:t> (3 </a:t>
-            </a:r>
-            <a:r>
-              <a:rPr lang="en-US" sz="900" dirty="0" err="1" smtClean="0">
-                <a:latin typeface="Courier New" pitchFamily="49" charset="0"/>
-                <a:cs typeface="Courier New" pitchFamily="49" charset="0"/>
-              </a:rPr>
-              <a:t>downto</a:t>
-            </a:r>
-            <a:r>
-              <a:rPr lang="en-US" sz="900" dirty="0" smtClean="0">
-                <a:latin typeface="Courier New" pitchFamily="49" charset="0"/>
-                <a:cs typeface="Courier New" pitchFamily="49" charset="0"/>
-              </a:rPr>
-              <a:t> 0);</a:t>
-            </a:r>
-          </a:p>
-          <a:p>
-            <a:pPr marL="0" indent="0">
-              <a:buNone/>
-            </a:pPr>
-            <a:r>
-              <a:rPr lang="en-US" sz="900" dirty="0" smtClean="0">
-                <a:latin typeface="Courier New" pitchFamily="49" charset="0"/>
-                <a:cs typeface="Courier New" pitchFamily="49" charset="0"/>
-              </a:rPr>
-              <a:t>    </a:t>
-            </a:r>
-            <a:r>
-              <a:rPr lang="en-US" sz="900" dirty="0" err="1" smtClean="0">
-                <a:latin typeface="Courier New" pitchFamily="49" charset="0"/>
-                <a:cs typeface="Courier New" pitchFamily="49" charset="0"/>
-              </a:rPr>
-              <a:t>data_out</a:t>
-            </a:r>
-            <a:r>
-              <a:rPr lang="en-US" sz="900" dirty="0" smtClean="0">
-                <a:latin typeface="Courier New" pitchFamily="49" charset="0"/>
-                <a:cs typeface="Courier New" pitchFamily="49" charset="0"/>
-              </a:rPr>
-              <a:t> : out </a:t>
-            </a:r>
-            <a:r>
-              <a:rPr lang="en-US" sz="900" dirty="0" err="1" smtClean="0">
-                <a:latin typeface="Courier New" pitchFamily="49" charset="0"/>
-                <a:cs typeface="Courier New" pitchFamily="49" charset="0"/>
-              </a:rPr>
-              <a:t>std_logic_vector</a:t>
-            </a:r>
-            <a:r>
-              <a:rPr lang="en-US" sz="900" dirty="0" smtClean="0">
-                <a:latin typeface="Courier New" pitchFamily="49" charset="0"/>
-                <a:cs typeface="Courier New" pitchFamily="49" charset="0"/>
-              </a:rPr>
-              <a:t> (7 </a:t>
-            </a:r>
-            <a:r>
-              <a:rPr lang="en-US" sz="900" dirty="0" err="1" smtClean="0">
-                <a:latin typeface="Courier New" pitchFamily="49" charset="0"/>
-                <a:cs typeface="Courier New" pitchFamily="49" charset="0"/>
-              </a:rPr>
-              <a:t>downto</a:t>
-            </a:r>
-            <a:r>
-              <a:rPr lang="en-US" sz="900" dirty="0" smtClean="0">
-                <a:latin typeface="Courier New" pitchFamily="49" charset="0"/>
-                <a:cs typeface="Courier New" pitchFamily="49" charset="0"/>
-              </a:rPr>
-              <a:t> 0)</a:t>
-            </a:r>
-          </a:p>
-          <a:p>
-            <a:pPr marL="0" indent="0">
-              <a:buNone/>
-            </a:pPr>
-            <a:r>
-              <a:rPr lang="en-US" sz="900" dirty="0" smtClean="0">
-                <a:latin typeface="Courier New" pitchFamily="49" charset="0"/>
-                <a:cs typeface="Courier New" pitchFamily="49" charset="0"/>
-              </a:rPr>
-              <a:t>    );</a:t>
-            </a:r>
-          </a:p>
-          <a:p>
-            <a:pPr marL="0" indent="0">
-              <a:buNone/>
-            </a:pPr>
-            <a:endParaRPr lang="en-US" sz="900" dirty="0" smtClean="0">
-              <a:latin typeface="Courier New" pitchFamily="49" charset="0"/>
-              <a:cs typeface="Courier New" pitchFamily="49" charset="0"/>
-            </a:endParaRPr>
-          </a:p>
-          <a:p>
-            <a:pPr marL="0" indent="0">
-              <a:buNone/>
-            </a:pPr>
-            <a:r>
-              <a:rPr lang="en-US" sz="900" dirty="0" smtClean="0">
-                <a:latin typeface="Courier New" pitchFamily="49" charset="0"/>
-                <a:cs typeface="Courier New" pitchFamily="49" charset="0"/>
-              </a:rPr>
-              <a:t>end foo;</a:t>
-            </a:r>
-            <a:endParaRPr lang="en-US" sz="900" dirty="0">
-              <a:latin typeface="Courier New" pitchFamily="49" charset="0"/>
-              <a:cs typeface="Courier New" pitchFamily="49" charset="0"/>
-            </a:endParaRPr>
-          </a:p>
-        </p:txBody>
-      </p:sp>
-      <p:pic>
-        <p:nvPicPr>
-          <p:cNvPr id="1027" name="Picture 3"/>
-          <p:cNvPicPr>
-            <a:picLocks noChangeAspect="1" noChangeArrowheads="1"/>
-          </p:cNvPicPr>
-          <p:nvPr/>
-        </p:nvPicPr>
-        <p:blipFill>
-          <a:blip r:embed="rId2">
-            <a:extLst>
-              <a:ext uri="{28A0092B-C50C-407E-A947-70E740481C1C}">
-                <a14:useLocalDpi xmlns:a14="http://schemas.microsoft.com/office/drawing/2010/main" val="0"/>
-              </a:ext>
-            </a:extLst>
-          </a:blip>
-          <a:srcRect/>
-          <a:stretch>
-            <a:fillRect/>
-          </a:stretch>
-        </p:blipFill>
-        <p:spPr bwMode="auto">
-          <a:xfrm>
-            <a:off x="3491880" y="2348880"/>
-            <a:ext cx="5179304" cy="1140098"/>
-          </a:xfrm>
-          <a:prstGeom prst="rect">
-            <a:avLst/>
-          </a:prstGeom>
-          <a:noFill/>
-          <a:ln>
-            <a:noFill/>
-          </a:ln>
-          <a:effectLst/>
-          <a:extLst>
-            <a:ext uri="{909E8E84-426E-40DD-AFC4-6F175D3DCCD1}">
-              <a14:hiddenFill xmlns:a14="http://schemas.microsoft.com/office/drawing/2010/main">
-                <a:solidFill>
-                  <a:schemeClr val="accent1"/>
-                </a:solidFill>
-              </a14:hiddenFill>
-            </a:ext>
-            <a:ext uri="{91240B29-F687-4F45-9708-019B960494DF}">
-              <a14:hiddenLine xmlns:a14="http://schemas.microsoft.com/office/drawing/2010/main" w="9525">
-                <a:solidFill>
-                  <a:schemeClr val="tx1"/>
-                </a:solidFill>
-                <a:miter lim="800000"/>
-                <a:headEnd/>
-                <a:tailEnd/>
-              </a14:hiddenLine>
-            </a:ext>
-            <a:ext uri="{AF507438-7753-43E0-B8FC-AC1667EBCBE1}">
-              <a14:hiddenEffects xmlns:a14="http://schemas.microsoft.com/office/drawing/2010/main">
-                <a:effectLst>
-                  <a:outerShdw dist="35921" dir="2700000" algn="ctr" rotWithShape="0">
-                    <a:schemeClr val="bg2"/>
-                  </a:outerShdw>
-                </a:effectLst>
-              </a14:hiddenEffects>
-            </a:ext>
-          </a:extLst>
-        </p:spPr>
-      </p:pic>
-      <p:sp>
-        <p:nvSpPr>
-          <p:cNvPr id="6" name="Content Placeholder 2"/>
-          <p:cNvSpPr txBox="1">
-            <a:spLocks/>
-          </p:cNvSpPr>
-          <p:nvPr/>
-        </p:nvSpPr>
-        <p:spPr>
-          <a:xfrm>
-            <a:off x="457200" y="4365104"/>
-            <a:ext cx="8229600" cy="1761059"/>
-          </a:xfrm>
-          <a:prstGeom prst="rect">
-            <a:avLst/>
-          </a:prstGeom>
-        </p:spPr>
-        <p:txBody>
-          <a:bodyPr vert="horz" lIns="91440" tIns="45720" rIns="91440" bIns="45720" rtlCol="0">
-            <a:normAutofit/>
-          </a:bodyPr>
-          <a:lstStyle>
-            <a:lvl1pPr marL="342900" indent="-342900" algn="l" defTabSz="914400" rtl="0" eaLnBrk="1" latinLnBrk="0" hangingPunct="1">
-              <a:spcBef>
-                <a:spcPct val="20000"/>
-              </a:spcBef>
-              <a:buFont typeface="Arial" pitchFamily="34" charset="0"/>
-              <a:buChar char="•"/>
-              <a:defRPr sz="3200" kern="1200">
-                <a:solidFill>
-                  <a:schemeClr val="tx1"/>
-                </a:solidFill>
-                <a:latin typeface="+mn-lt"/>
-                <a:ea typeface="+mn-ea"/>
-                <a:cs typeface="+mn-cs"/>
-              </a:defRPr>
-            </a:lvl1pPr>
-            <a:lvl2pPr marL="742950" indent="-285750" algn="l" defTabSz="914400" rtl="0" eaLnBrk="1" latinLnBrk="0" hangingPunct="1">
-              <a:spcBef>
-                <a:spcPct val="20000"/>
-              </a:spcBef>
-              <a:buFont typeface="Arial" pitchFamily="34" charset="0"/>
-              <a:buChar char="–"/>
-              <a:defRPr sz="2800" kern="1200">
-                <a:solidFill>
-                  <a:schemeClr val="tx1"/>
-                </a:solidFill>
-                <a:latin typeface="+mn-lt"/>
-                <a:ea typeface="+mn-ea"/>
-                <a:cs typeface="+mn-cs"/>
-              </a:defRPr>
-            </a:lvl2pPr>
-            <a:lvl3pPr marL="1143000" indent="-228600" algn="l" defTabSz="914400" rtl="0" eaLnBrk="1" latinLnBrk="0" hangingPunct="1">
-              <a:spcBef>
-                <a:spcPct val="20000"/>
-              </a:spcBef>
-              <a:buFont typeface="Arial" pitchFamily="34" charset="0"/>
-              <a:buChar char="•"/>
-              <a:defRPr sz="2400" kern="1200">
-                <a:solidFill>
-                  <a:schemeClr val="tx1"/>
-                </a:solidFill>
-                <a:latin typeface="+mn-lt"/>
-                <a:ea typeface="+mn-ea"/>
-                <a:cs typeface="+mn-cs"/>
-              </a:defRPr>
-            </a:lvl3pPr>
-            <a:lvl4pPr marL="1600200" indent="-228600" algn="l" defTabSz="914400" rtl="0" eaLnBrk="1" latinLnBrk="0" hangingPunct="1">
-              <a:spcBef>
-                <a:spcPct val="20000"/>
-              </a:spcBef>
-              <a:buFont typeface="Arial" pitchFamily="34" charset="0"/>
-              <a:buChar char="–"/>
-              <a:defRPr sz="2000" kern="1200">
-                <a:solidFill>
-                  <a:schemeClr val="tx1"/>
-                </a:solidFill>
-                <a:latin typeface="+mn-lt"/>
-                <a:ea typeface="+mn-ea"/>
-                <a:cs typeface="+mn-cs"/>
-              </a:defRPr>
-            </a:lvl4pPr>
-            <a:lvl5pPr marL="2057400" indent="-228600" algn="l" defTabSz="914400" rtl="0" eaLnBrk="1" latinLnBrk="0" hangingPunct="1">
-              <a:spcBef>
-                <a:spcPct val="20000"/>
-              </a:spcBef>
-              <a:buFont typeface="Arial" pitchFamily="34" charset="0"/>
-              <a:buChar char="»"/>
-              <a:defRPr sz="2000" kern="1200">
-                <a:solidFill>
-                  <a:schemeClr val="tx1"/>
-                </a:solidFill>
-                <a:latin typeface="+mn-lt"/>
-                <a:ea typeface="+mn-ea"/>
-                <a:cs typeface="+mn-cs"/>
-              </a:defRPr>
-            </a:lvl5pPr>
-            <a:lvl6pPr marL="2514600" indent="-228600" algn="l" defTabSz="914400" rtl="0" eaLnBrk="1" latinLnBrk="0" hangingPunct="1">
-              <a:spcBef>
-                <a:spcPct val="20000"/>
-              </a:spcBef>
-              <a:buFont typeface="Arial" pitchFamily="34" charset="0"/>
-              <a:buChar char="•"/>
-              <a:defRPr sz="2000" kern="1200">
-                <a:solidFill>
-                  <a:schemeClr val="tx1"/>
-                </a:solidFill>
-                <a:latin typeface="+mn-lt"/>
-                <a:ea typeface="+mn-ea"/>
-                <a:cs typeface="+mn-cs"/>
-              </a:defRPr>
-            </a:lvl6pPr>
-            <a:lvl7pPr marL="2971800" indent="-228600" algn="l" defTabSz="914400" rtl="0" eaLnBrk="1" latinLnBrk="0" hangingPunct="1">
-              <a:spcBef>
-                <a:spcPct val="20000"/>
-              </a:spcBef>
-              <a:buFont typeface="Arial" pitchFamily="34" charset="0"/>
-              <a:buChar char="•"/>
-              <a:defRPr sz="2000" kern="1200">
-                <a:solidFill>
-                  <a:schemeClr val="tx1"/>
-                </a:solidFill>
-                <a:latin typeface="+mn-lt"/>
-                <a:ea typeface="+mn-ea"/>
-                <a:cs typeface="+mn-cs"/>
-              </a:defRPr>
-            </a:lvl7pPr>
-            <a:lvl8pPr marL="3429000" indent="-228600" algn="l" defTabSz="914400" rtl="0" eaLnBrk="1" latinLnBrk="0" hangingPunct="1">
-              <a:spcBef>
-                <a:spcPct val="20000"/>
-              </a:spcBef>
-              <a:buFont typeface="Arial" pitchFamily="34" charset="0"/>
-              <a:buChar char="•"/>
-              <a:defRPr sz="2000" kern="1200">
-                <a:solidFill>
-                  <a:schemeClr val="tx1"/>
-                </a:solidFill>
-                <a:latin typeface="+mn-lt"/>
-                <a:ea typeface="+mn-ea"/>
-                <a:cs typeface="+mn-cs"/>
-              </a:defRPr>
-            </a:lvl8pPr>
-            <a:lvl9pPr marL="3886200" indent="-228600" algn="l" defTabSz="914400" rtl="0" eaLnBrk="1" latinLnBrk="0" hangingPunct="1">
-              <a:spcBef>
-                <a:spcPct val="20000"/>
-              </a:spcBef>
-              <a:buFont typeface="Arial" pitchFamily="34" charset="0"/>
-              <a:buChar char="•"/>
-              <a:defRPr sz="2000" kern="1200">
-                <a:solidFill>
-                  <a:schemeClr val="tx1"/>
-                </a:solidFill>
-                <a:latin typeface="+mn-lt"/>
-                <a:ea typeface="+mn-ea"/>
-                <a:cs typeface="+mn-cs"/>
-              </a:defRPr>
-            </a:lvl9pPr>
-          </a:lstStyle>
-          <a:p>
             <a:r>
               <a:rPr lang="fi-FI" dirty="0" err="1" smtClean="0"/>
-              <a:t>Relation</a:t>
+              <a:t>Images</a:t>
             </a:r>
             <a:r>
               <a:rPr lang="fi-FI" dirty="0" smtClean="0"/>
@@ -3819,7 +3279,7 @@
             </a:r>
             <a:r>
               <a:rPr lang="fi-FI" dirty="0" err="1" smtClean="0"/>
-              <a:t>between</a:t>
+              <a:t>orientate</a:t>
             </a:r>
             <a:r>
               <a:rPr lang="fi-FI" dirty="0" smtClean="0"/>
@@ -3827,15 +3287,7 @@
             </a:r>
             <a:r>
               <a:rPr lang="fi-FI" dirty="0" err="1" smtClean="0"/>
-              <a:t>code</a:t>
-            </a:r>
-            <a:r>
-              <a:rPr lang="fi-FI" dirty="0" smtClean="0"/>
-              <a:t> and </a:t>
-            </a:r>
-            <a:r>
-              <a:rPr lang="fi-FI" dirty="0" err="1" smtClean="0"/>
-              <a:t>Kactus</a:t>
+              <a:t>users</a:t>
             </a:r>
             <a:r>
               <a:rPr lang="fi-FI" dirty="0" smtClean="0"/>
@@ -3843,7 +3295,7 @@
             </a:r>
             <a:r>
               <a:rPr lang="fi-FI" dirty="0" err="1" smtClean="0"/>
-              <a:t>should</a:t>
+              <a:t>better</a:t>
             </a:r>
             <a:r>
               <a:rPr lang="fi-FI" dirty="0" smtClean="0"/>
@@ -3851,7 +3303,7 @@
             </a:r>
             <a:r>
               <a:rPr lang="fi-FI" dirty="0" err="1" smtClean="0"/>
-              <a:t>be</a:t>
+              <a:t>than</a:t>
             </a:r>
             <a:r>
               <a:rPr lang="fi-FI" dirty="0" smtClean="0"/>
@@ -3859,7 +3311,62 @@
             </a:r>
             <a:r>
               <a:rPr lang="fi-FI" dirty="0" err="1" smtClean="0"/>
-              <a:t>obvious</a:t>
+              <a:t>text</a:t>
+            </a:r>
+            <a:endParaRPr lang="fi-FI" dirty="0" smtClean="0"/>
+          </a:p>
+          <a:p>
+            <a:r>
+              <a:rPr lang="fi-FI" dirty="0" err="1" smtClean="0"/>
+              <a:t>They</a:t>
+            </a:r>
+            <a:r>
+              <a:rPr lang="fi-FI" dirty="0" smtClean="0"/>
+              <a:t> </a:t>
+            </a:r>
+            <a:r>
+              <a:rPr lang="fi-FI" dirty="0" err="1" smtClean="0"/>
+              <a:t>provide</a:t>
+            </a:r>
+            <a:r>
+              <a:rPr lang="fi-FI" dirty="0" smtClean="0"/>
+              <a:t> </a:t>
+            </a:r>
+            <a:r>
+              <a:rPr lang="fi-FI" dirty="0" err="1" smtClean="0"/>
+              <a:t>simplified</a:t>
+            </a:r>
+            <a:r>
+              <a:rPr lang="fi-FI" dirty="0" smtClean="0"/>
+              <a:t> </a:t>
+            </a:r>
+            <a:r>
+              <a:rPr lang="fi-FI" dirty="0" err="1" smtClean="0"/>
+              <a:t>overlook</a:t>
+            </a:r>
+            <a:r>
+              <a:rPr lang="fi-FI" dirty="0" smtClean="0"/>
+              <a:t> </a:t>
+            </a:r>
+            <a:r>
+              <a:rPr lang="fi-FI" dirty="0" err="1" smtClean="0"/>
+              <a:t>what</a:t>
+            </a:r>
+            <a:r>
+              <a:rPr lang="fi-FI" dirty="0" smtClean="0"/>
+              <a:t> is the main idea in </a:t>
+            </a:r>
+            <a:r>
+              <a:rPr lang="fi-FI" dirty="0" err="1" smtClean="0"/>
+              <a:t>each</a:t>
+            </a:r>
+            <a:r>
+              <a:rPr lang="fi-FI" dirty="0" smtClean="0"/>
+              <a:t> </a:t>
+            </a:r>
+            <a:r>
+              <a:rPr lang="fi-FI" dirty="0" err="1" smtClean="0"/>
+              <a:t>editor</a:t>
             </a:r>
             <a:endParaRPr lang="en-US" dirty="0"/>
           </a:p>
@@ -3868,7 +3375,7 @@
     </p:spTree>
     <p:extLst>
       <p:ext uri="{BB962C8B-B14F-4D97-AF65-F5344CB8AC3E}">
-        <p14:creationId xmlns:p14="http://schemas.microsoft.com/office/powerpoint/2010/main" val="2399230341"/>
+        <p14:creationId xmlns:p14="http://schemas.microsoft.com/office/powerpoint/2010/main" val="3290916190"/>
       </p:ext>
     </p:extLst>
   </p:cSld>
@@ -3914,10 +3421,1062 @@
         </p:nvSpPr>
         <p:spPr/>
         <p:txBody>
+          <a:bodyPr>
+            <a:normAutofit/>
+          </a:bodyPr>
+          <a:lstStyle/>
+          <a:p>
+            <a:r>
+              <a:rPr lang="fi-FI" dirty="0" err="1" smtClean="0"/>
+              <a:t>Filesets</a:t>
+            </a:r>
+            <a:endParaRPr lang="en-US" dirty="0"/>
+          </a:p>
+        </p:txBody>
+      </p:sp>
+      <p:sp>
+        <p:nvSpPr>
+          <p:cNvPr id="3" name="Content Placeholder 2"/>
+          <p:cNvSpPr>
+            <a:spLocks noGrp="1"/>
+          </p:cNvSpPr>
+          <p:nvPr>
+            <p:ph idx="1"/>
+          </p:nvPr>
+        </p:nvSpPr>
+        <p:spPr/>
+        <p:txBody>
           <a:bodyPr/>
           <a:lstStyle/>
           <a:p>
+            <a:endParaRPr lang="en-US" dirty="0"/>
+          </a:p>
+        </p:txBody>
+      </p:sp>
+      <p:pic>
+        <p:nvPicPr>
+          <p:cNvPr id="1027" name="Picture 3"/>
+          <p:cNvPicPr>
+            <a:picLocks noChangeAspect="1" noChangeArrowheads="1"/>
+          </p:cNvPicPr>
+          <p:nvPr/>
+        </p:nvPicPr>
+        <p:blipFill>
+          <a:blip r:embed="rId2">
+            <a:extLst>
+              <a:ext uri="{28A0092B-C50C-407E-A947-70E740481C1C}">
+                <a14:useLocalDpi xmlns:a14="http://schemas.microsoft.com/office/drawing/2010/main" val="0"/>
+              </a:ext>
+            </a:extLst>
+          </a:blip>
+          <a:srcRect/>
+          <a:stretch>
+            <a:fillRect/>
+          </a:stretch>
+        </p:blipFill>
+        <p:spPr bwMode="auto">
+          <a:xfrm>
+            <a:off x="143508" y="1880828"/>
+            <a:ext cx="5143500" cy="2200275"/>
+          </a:xfrm>
+          <a:prstGeom prst="rect">
+            <a:avLst/>
+          </a:prstGeom>
+          <a:noFill/>
+          <a:ln w="9525">
+            <a:solidFill>
+              <a:schemeClr val="tx1"/>
+            </a:solidFill>
+            <a:miter lim="800000"/>
+            <a:headEnd/>
+            <a:tailEnd/>
+          </a:ln>
+          <a:effectLst/>
+          <a:extLst>
+            <a:ext uri="{909E8E84-426E-40DD-AFC4-6F175D3DCCD1}">
+              <a14:hiddenFill xmlns:a14="http://schemas.microsoft.com/office/drawing/2010/main">
+                <a:solidFill>
+                  <a:schemeClr val="accent1"/>
+                </a:solidFill>
+              </a14:hiddenFill>
+            </a:ext>
+            <a:ext uri="{AF507438-7753-43E0-B8FC-AC1667EBCBE1}">
+              <a14:hiddenEffects xmlns:a14="http://schemas.microsoft.com/office/drawing/2010/main">
+                <a:effectLst>
+                  <a:outerShdw dist="35921" dir="2700000" algn="ctr" rotWithShape="0">
+                    <a:schemeClr val="bg2"/>
+                  </a:outerShdw>
+                </a:effectLst>
+              </a14:hiddenEffects>
+            </a:ext>
+          </a:extLst>
+        </p:spPr>
+      </p:pic>
+      <p:pic>
+        <p:nvPicPr>
+          <p:cNvPr id="1028" name="Picture 4"/>
+          <p:cNvPicPr>
+            <a:picLocks noChangeAspect="1" noChangeArrowheads="1"/>
+          </p:cNvPicPr>
+          <p:nvPr/>
+        </p:nvPicPr>
+        <p:blipFill>
+          <a:blip r:embed="rId3">
+            <a:extLst>
+              <a:ext uri="{28A0092B-C50C-407E-A947-70E740481C1C}">
+                <a14:useLocalDpi xmlns:a14="http://schemas.microsoft.com/office/drawing/2010/main" val="0"/>
+              </a:ext>
+            </a:extLst>
+          </a:blip>
+          <a:srcRect/>
+          <a:stretch>
+            <a:fillRect/>
+          </a:stretch>
+        </p:blipFill>
+        <p:spPr bwMode="auto">
+          <a:xfrm>
+            <a:off x="5364088" y="2228490"/>
+            <a:ext cx="3381375" cy="1504950"/>
+          </a:xfrm>
+          <a:prstGeom prst="rect">
+            <a:avLst/>
+          </a:prstGeom>
+          <a:noFill/>
+          <a:ln w="9525">
+            <a:solidFill>
+              <a:schemeClr val="tx1"/>
+            </a:solidFill>
+            <a:miter lim="800000"/>
+            <a:headEnd/>
+            <a:tailEnd/>
+          </a:ln>
+          <a:effectLst/>
+          <a:extLst>
+            <a:ext uri="{909E8E84-426E-40DD-AFC4-6F175D3DCCD1}">
+              <a14:hiddenFill xmlns:a14="http://schemas.microsoft.com/office/drawing/2010/main">
+                <a:solidFill>
+                  <a:schemeClr val="accent1"/>
+                </a:solidFill>
+              </a14:hiddenFill>
+            </a:ext>
+            <a:ext uri="{AF507438-7753-43E0-B8FC-AC1667EBCBE1}">
+              <a14:hiddenEffects xmlns:a14="http://schemas.microsoft.com/office/drawing/2010/main">
+                <a:effectLst>
+                  <a:outerShdw dist="35921" dir="2700000" algn="ctr" rotWithShape="0">
+                    <a:schemeClr val="bg2"/>
+                  </a:outerShdw>
+                </a:effectLst>
+              </a14:hiddenEffects>
+            </a:ext>
+          </a:extLst>
+        </p:spPr>
+      </p:pic>
+    </p:spTree>
+    <p:extLst>
+      <p:ext uri="{BB962C8B-B14F-4D97-AF65-F5344CB8AC3E}">
+        <p14:creationId xmlns:p14="http://schemas.microsoft.com/office/powerpoint/2010/main" val="2809653947"/>
+      </p:ext>
+    </p:extLst>
+  </p:cSld>
+  <p:clrMapOvr>
+    <a:masterClrMapping/>
+  </p:clrMapOvr>
+  <p:timing>
+    <p:tnLst>
+      <p:par>
+        <p:cTn id="1" dur="indefinite" restart="never" nodeType="tmRoot"/>
+      </p:par>
+    </p:tnLst>
+  </p:timing>
+</p:sld>
+</file>
+
+<file path=ppt/slides/slide4.xml><?xml version="1.0" encoding="utf-8"?>
+<p:sld xmlns:a="http://schemas.openxmlformats.org/drawingml/2006/main" xmlns:r="http://schemas.openxmlformats.org/officeDocument/2006/relationships" xmlns:p="http://schemas.openxmlformats.org/presentationml/2006/main">
+  <p:cSld>
+    <p:spTree>
+      <p:nvGrpSpPr>
+        <p:cNvPr id="1" name=""/>
+        <p:cNvGrpSpPr/>
+        <p:nvPr/>
+      </p:nvGrpSpPr>
+      <p:grpSpPr>
+        <a:xfrm>
+          <a:off x="0" y="0"/>
+          <a:ext cx="0" cy="0"/>
+          <a:chOff x="0" y="0"/>
+          <a:chExt cx="0" cy="0"/>
+        </a:xfrm>
+      </p:grpSpPr>
+      <p:sp>
+        <p:nvSpPr>
+          <p:cNvPr id="2" name="Title 1"/>
+          <p:cNvSpPr>
+            <a:spLocks noGrp="1"/>
+          </p:cNvSpPr>
+          <p:nvPr>
+            <p:ph type="title"/>
+          </p:nvPr>
+        </p:nvSpPr>
+        <p:spPr/>
+        <p:txBody>
+          <a:bodyPr/>
+          <a:lstStyle/>
+          <a:p>
             <a:endParaRPr lang="en-US"/>
+          </a:p>
+        </p:txBody>
+      </p:sp>
+      <p:sp>
+        <p:nvSpPr>
+          <p:cNvPr id="3" name="Content Placeholder 2"/>
+          <p:cNvSpPr>
+            <a:spLocks noGrp="1"/>
+          </p:cNvSpPr>
+          <p:nvPr>
+            <p:ph idx="1"/>
+          </p:nvPr>
+        </p:nvSpPr>
+        <p:spPr>
+          <a:xfrm>
+            <a:off x="457200" y="4041068"/>
+            <a:ext cx="8229600" cy="2085095"/>
+          </a:xfrm>
+        </p:spPr>
+        <p:txBody>
+          <a:bodyPr/>
+          <a:lstStyle/>
+          <a:p>
+            <a:endParaRPr lang="en-US" dirty="0"/>
+          </a:p>
+        </p:txBody>
+      </p:sp>
+      <p:sp>
+        <p:nvSpPr>
+          <p:cNvPr id="6" name="Rectangle 5"/>
+          <p:cNvSpPr/>
+          <p:nvPr/>
+        </p:nvSpPr>
+        <p:spPr>
+          <a:xfrm>
+            <a:off x="1907704" y="1450987"/>
+            <a:ext cx="1222620" cy="1545965"/>
+          </a:xfrm>
+          <a:prstGeom prst="rect">
+            <a:avLst/>
+          </a:prstGeom>
+          <a:solidFill>
+            <a:srgbClr val="C3D0F0"/>
+          </a:solidFill>
+          <a:ln w="12700">
+            <a:solidFill>
+              <a:schemeClr val="tx1"/>
+            </a:solidFill>
+            <a:tailEnd type="none"/>
+          </a:ln>
+          <a:effectLst/>
+        </p:spPr>
+        <p:style>
+          <a:lnRef idx="1">
+            <a:schemeClr val="accent4"/>
+          </a:lnRef>
+          <a:fillRef idx="2">
+            <a:schemeClr val="accent4"/>
+          </a:fillRef>
+          <a:effectRef idx="1">
+            <a:schemeClr val="accent4"/>
+          </a:effectRef>
+          <a:fontRef idx="minor">
+            <a:schemeClr val="dk1"/>
+          </a:fontRef>
+        </p:style>
+        <p:txBody>
+          <a:bodyPr tIns="0" bIns="0" anchor="t" anchorCtr="0">
+            <a:noAutofit/>
+          </a:bodyPr>
+          <a:lstStyle>
+            <a:defPPr>
+              <a:defRPr lang="en-US"/>
+            </a:defPPr>
+            <a:lvl1pPr marL="0" algn="l" defTabSz="914400" rtl="0" eaLnBrk="1" latinLnBrk="0" hangingPunct="1">
+              <a:defRPr sz="1800" kern="1200">
+                <a:solidFill>
+                  <a:schemeClr val="dk1"/>
+                </a:solidFill>
+                <a:latin typeface="+mn-lt"/>
+                <a:ea typeface="+mn-ea"/>
+                <a:cs typeface="+mn-cs"/>
+              </a:defRPr>
+            </a:lvl1pPr>
+            <a:lvl2pPr marL="457200" algn="l" defTabSz="914400" rtl="0" eaLnBrk="1" latinLnBrk="0" hangingPunct="1">
+              <a:defRPr sz="1800" kern="1200">
+                <a:solidFill>
+                  <a:schemeClr val="dk1"/>
+                </a:solidFill>
+                <a:latin typeface="+mn-lt"/>
+                <a:ea typeface="+mn-ea"/>
+                <a:cs typeface="+mn-cs"/>
+              </a:defRPr>
+            </a:lvl2pPr>
+            <a:lvl3pPr marL="914400" algn="l" defTabSz="914400" rtl="0" eaLnBrk="1" latinLnBrk="0" hangingPunct="1">
+              <a:defRPr sz="1800" kern="1200">
+                <a:solidFill>
+                  <a:schemeClr val="dk1"/>
+                </a:solidFill>
+                <a:latin typeface="+mn-lt"/>
+                <a:ea typeface="+mn-ea"/>
+                <a:cs typeface="+mn-cs"/>
+              </a:defRPr>
+            </a:lvl3pPr>
+            <a:lvl4pPr marL="1371600" algn="l" defTabSz="914400" rtl="0" eaLnBrk="1" latinLnBrk="0" hangingPunct="1">
+              <a:defRPr sz="1800" kern="1200">
+                <a:solidFill>
+                  <a:schemeClr val="dk1"/>
+                </a:solidFill>
+                <a:latin typeface="+mn-lt"/>
+                <a:ea typeface="+mn-ea"/>
+                <a:cs typeface="+mn-cs"/>
+              </a:defRPr>
+            </a:lvl4pPr>
+            <a:lvl5pPr marL="1828800" algn="l" defTabSz="914400" rtl="0" eaLnBrk="1" latinLnBrk="0" hangingPunct="1">
+              <a:defRPr sz="1800" kern="1200">
+                <a:solidFill>
+                  <a:schemeClr val="dk1"/>
+                </a:solidFill>
+                <a:latin typeface="+mn-lt"/>
+                <a:ea typeface="+mn-ea"/>
+                <a:cs typeface="+mn-cs"/>
+              </a:defRPr>
+            </a:lvl5pPr>
+            <a:lvl6pPr marL="2286000" algn="l" defTabSz="914400" rtl="0" eaLnBrk="1" latinLnBrk="0" hangingPunct="1">
+              <a:defRPr sz="1800" kern="1200">
+                <a:solidFill>
+                  <a:schemeClr val="dk1"/>
+                </a:solidFill>
+                <a:latin typeface="+mn-lt"/>
+                <a:ea typeface="+mn-ea"/>
+                <a:cs typeface="+mn-cs"/>
+              </a:defRPr>
+            </a:lvl6pPr>
+            <a:lvl7pPr marL="2743200" algn="l" defTabSz="914400" rtl="0" eaLnBrk="1" latinLnBrk="0" hangingPunct="1">
+              <a:defRPr sz="1800" kern="1200">
+                <a:solidFill>
+                  <a:schemeClr val="dk1"/>
+                </a:solidFill>
+                <a:latin typeface="+mn-lt"/>
+                <a:ea typeface="+mn-ea"/>
+                <a:cs typeface="+mn-cs"/>
+              </a:defRPr>
+            </a:lvl7pPr>
+            <a:lvl8pPr marL="3200400" algn="l" defTabSz="914400" rtl="0" eaLnBrk="1" latinLnBrk="0" hangingPunct="1">
+              <a:defRPr sz="1800" kern="1200">
+                <a:solidFill>
+                  <a:schemeClr val="dk1"/>
+                </a:solidFill>
+                <a:latin typeface="+mn-lt"/>
+                <a:ea typeface="+mn-ea"/>
+                <a:cs typeface="+mn-cs"/>
+              </a:defRPr>
+            </a:lvl8pPr>
+            <a:lvl9pPr marL="3657600" algn="l" defTabSz="914400" rtl="0" eaLnBrk="1" latinLnBrk="0" hangingPunct="1">
+              <a:defRPr sz="1800" kern="1200">
+                <a:solidFill>
+                  <a:schemeClr val="dk1"/>
+                </a:solidFill>
+                <a:latin typeface="+mn-lt"/>
+                <a:ea typeface="+mn-ea"/>
+                <a:cs typeface="+mn-cs"/>
+              </a:defRPr>
+            </a:lvl9pPr>
+          </a:lstStyle>
+          <a:p>
+            <a:pPr algn="ctr" fontAlgn="base">
+              <a:spcBef>
+                <a:spcPct val="0"/>
+              </a:spcBef>
+              <a:spcAft>
+                <a:spcPct val="0"/>
+              </a:spcAft>
+            </a:pPr>
+            <a:r>
+              <a:rPr lang="fi-FI" sz="1000" b="1" i="1" dirty="0" smtClean="0">
+                <a:solidFill>
+                  <a:prstClr val="black"/>
+                </a:solidFill>
+                <a:latin typeface="Calibri" pitchFamily="34" charset="0"/>
+                <a:cs typeface="Calibri" pitchFamily="34" charset="0"/>
+              </a:rPr>
+              <a:t>component</a:t>
+            </a:r>
+            <a:r>
+              <a:rPr lang="fi-FI" sz="1000" b="1" dirty="0" smtClean="0">
+                <a:solidFill>
+                  <a:prstClr val="black"/>
+                </a:solidFill>
+                <a:latin typeface="Calibri" pitchFamily="34" charset="0"/>
+                <a:cs typeface="Calibri" pitchFamily="34" charset="0"/>
+              </a:rPr>
+              <a:t> </a:t>
+            </a:r>
+            <a:r>
+              <a:rPr lang="fi-FI" sz="1000" b="1" dirty="0" err="1" smtClean="0">
+                <a:solidFill>
+                  <a:prstClr val="black"/>
+                </a:solidFill>
+                <a:latin typeface="Calibri" pitchFamily="34" charset="0"/>
+                <a:cs typeface="Calibri" pitchFamily="34" charset="0"/>
+              </a:rPr>
+              <a:t>AccelA</a:t>
+            </a:r>
+            <a:endParaRPr lang="fi-FI" sz="1000" b="1" dirty="0" smtClean="0">
+              <a:solidFill>
+                <a:prstClr val="black"/>
+              </a:solidFill>
+              <a:latin typeface="Calibri" pitchFamily="34" charset="0"/>
+              <a:cs typeface="Calibri" pitchFamily="34" charset="0"/>
+            </a:endParaRPr>
+          </a:p>
+        </p:txBody>
+      </p:sp>
+      <p:sp>
+        <p:nvSpPr>
+          <p:cNvPr id="8" name="TextBox 7"/>
+          <p:cNvSpPr txBox="1"/>
+          <p:nvPr/>
+        </p:nvSpPr>
+        <p:spPr>
+          <a:xfrm>
+            <a:off x="2079593" y="1556792"/>
+            <a:ext cx="696024" cy="400110"/>
+          </a:xfrm>
+          <a:prstGeom prst="rect">
+            <a:avLst/>
+          </a:prstGeom>
+          <a:noFill/>
+        </p:spPr>
+        <p:txBody>
+          <a:bodyPr wrap="none" rtlCol="0">
+            <a:spAutoFit/>
+          </a:bodyPr>
+          <a:lstStyle/>
+          <a:p>
+            <a:r>
+              <a:rPr lang="fi-FI" sz="1000" i="1" dirty="0" err="1" smtClean="0"/>
+              <a:t>View</a:t>
+            </a:r>
+            <a:r>
+              <a:rPr lang="fi-FI" sz="1000" dirty="0" smtClean="0"/>
+              <a:t> V0 </a:t>
+            </a:r>
+          </a:p>
+          <a:p>
+            <a:r>
+              <a:rPr lang="fi-FI" sz="1000" dirty="0" smtClean="0"/>
+              <a:t>(</a:t>
+            </a:r>
+            <a:r>
+              <a:rPr lang="fi-FI" sz="1000" i="1" dirty="0" err="1" smtClean="0"/>
+              <a:t>non-hier</a:t>
+            </a:r>
+            <a:r>
+              <a:rPr lang="fi-FI" sz="1000" dirty="0" smtClean="0"/>
+              <a:t>)</a:t>
+            </a:r>
+            <a:endParaRPr lang="en-US" sz="1000" dirty="0"/>
+          </a:p>
+        </p:txBody>
+      </p:sp>
+      <p:sp>
+        <p:nvSpPr>
+          <p:cNvPr id="10" name="Flowchart: Process 9"/>
+          <p:cNvSpPr/>
+          <p:nvPr/>
+        </p:nvSpPr>
+        <p:spPr>
+          <a:xfrm>
+            <a:off x="2123808" y="1916872"/>
+            <a:ext cx="720000" cy="360000"/>
+          </a:xfrm>
+          <a:prstGeom prst="flowChartProcess">
+            <a:avLst/>
+          </a:prstGeom>
+          <a:solidFill>
+            <a:schemeClr val="bg1"/>
+          </a:solidFill>
+        </p:spPr>
+        <p:style>
+          <a:lnRef idx="2">
+            <a:schemeClr val="accent1">
+              <a:shade val="50000"/>
+            </a:schemeClr>
+          </a:lnRef>
+          <a:fillRef idx="1">
+            <a:schemeClr val="accent1"/>
+          </a:fillRef>
+          <a:effectRef idx="0">
+            <a:schemeClr val="accent1"/>
+          </a:effectRef>
+          <a:fontRef idx="minor">
+            <a:schemeClr val="lt1"/>
+          </a:fontRef>
+        </p:style>
+        <p:txBody>
+          <a:bodyPr rtlCol="0" anchor="ctr"/>
+          <a:lstStyle/>
+          <a:p>
+            <a:pPr algn="ctr"/>
+            <a:r>
+              <a:rPr lang="fi-FI" sz="1000" dirty="0" err="1" smtClean="0">
+                <a:solidFill>
+                  <a:schemeClr val="tx1"/>
+                </a:solidFill>
+              </a:rPr>
+              <a:t>Fileset</a:t>
+            </a:r>
+            <a:r>
+              <a:rPr lang="fi-FI" sz="1000" dirty="0" smtClean="0">
+                <a:solidFill>
+                  <a:schemeClr val="tx1"/>
+                </a:solidFill>
+              </a:rPr>
+              <a:t> </a:t>
+            </a:r>
+            <a:r>
+              <a:rPr lang="fi-FI" sz="1000" dirty="0" err="1" smtClean="0">
+                <a:solidFill>
+                  <a:schemeClr val="tx1"/>
+                </a:solidFill>
+              </a:rPr>
+              <a:t>ref</a:t>
+            </a:r>
+            <a:r>
+              <a:rPr lang="fi-FI" sz="1000" dirty="0" smtClean="0">
+                <a:solidFill>
+                  <a:schemeClr val="tx1"/>
+                </a:solidFill>
+              </a:rPr>
+              <a:t>.</a:t>
+            </a:r>
+            <a:endParaRPr lang="en-US" sz="1000" dirty="0">
+              <a:solidFill>
+                <a:schemeClr val="tx1"/>
+              </a:solidFill>
+            </a:endParaRPr>
+          </a:p>
+        </p:txBody>
+      </p:sp>
+      <p:sp>
+        <p:nvSpPr>
+          <p:cNvPr id="16" name="TextBox 15"/>
+          <p:cNvSpPr txBox="1"/>
+          <p:nvPr/>
+        </p:nvSpPr>
+        <p:spPr>
+          <a:xfrm>
+            <a:off x="1979712" y="2348880"/>
+            <a:ext cx="1122098" cy="246221"/>
+          </a:xfrm>
+          <a:prstGeom prst="rect">
+            <a:avLst/>
+          </a:prstGeom>
+          <a:noFill/>
+        </p:spPr>
+        <p:txBody>
+          <a:bodyPr wrap="square" rtlCol="0">
+            <a:spAutoFit/>
+          </a:bodyPr>
+          <a:lstStyle/>
+          <a:p>
+            <a:r>
+              <a:rPr lang="fi-FI" sz="1000" i="1" dirty="0" err="1" smtClean="0"/>
+              <a:t>View</a:t>
+            </a:r>
+            <a:r>
+              <a:rPr lang="fi-FI" sz="1000" dirty="0" smtClean="0"/>
+              <a:t> V1 (</a:t>
+            </a:r>
+            <a:r>
+              <a:rPr lang="fi-FI" sz="1000" i="1" dirty="0" err="1" smtClean="0"/>
+              <a:t>hier</a:t>
+            </a:r>
+            <a:r>
+              <a:rPr lang="fi-FI" sz="1000" dirty="0" smtClean="0"/>
+              <a:t>)</a:t>
+            </a:r>
+            <a:endParaRPr lang="en-US" sz="1000" dirty="0"/>
+          </a:p>
+        </p:txBody>
+      </p:sp>
+      <p:sp>
+        <p:nvSpPr>
+          <p:cNvPr id="18" name="Flowchart: Process 17"/>
+          <p:cNvSpPr/>
+          <p:nvPr/>
+        </p:nvSpPr>
+        <p:spPr>
+          <a:xfrm>
+            <a:off x="2123728" y="2564944"/>
+            <a:ext cx="720000" cy="360000"/>
+          </a:xfrm>
+          <a:prstGeom prst="flowChartProcess">
+            <a:avLst/>
+          </a:prstGeom>
+          <a:solidFill>
+            <a:schemeClr val="bg1"/>
+          </a:solidFill>
+        </p:spPr>
+        <p:style>
+          <a:lnRef idx="2">
+            <a:schemeClr val="accent1">
+              <a:shade val="50000"/>
+            </a:schemeClr>
+          </a:lnRef>
+          <a:fillRef idx="1">
+            <a:schemeClr val="accent1"/>
+          </a:fillRef>
+          <a:effectRef idx="0">
+            <a:schemeClr val="accent1"/>
+          </a:effectRef>
+          <a:fontRef idx="minor">
+            <a:schemeClr val="lt1"/>
+          </a:fontRef>
+        </p:style>
+        <p:txBody>
+          <a:bodyPr rtlCol="0" anchor="ctr"/>
+          <a:lstStyle/>
+          <a:p>
+            <a:pPr algn="ctr"/>
+            <a:r>
+              <a:rPr lang="fi-FI" sz="1000" dirty="0" err="1" smtClean="0">
+                <a:solidFill>
+                  <a:schemeClr val="tx1"/>
+                </a:solidFill>
+              </a:rPr>
+              <a:t>Hier</a:t>
+            </a:r>
+            <a:r>
+              <a:rPr lang="fi-FI" sz="1000" dirty="0" smtClean="0">
+                <a:solidFill>
+                  <a:schemeClr val="tx1"/>
+                </a:solidFill>
+              </a:rPr>
+              <a:t>. </a:t>
+            </a:r>
+            <a:r>
+              <a:rPr lang="fi-FI" sz="1000" dirty="0" err="1" smtClean="0">
+                <a:solidFill>
+                  <a:schemeClr val="tx1"/>
+                </a:solidFill>
+              </a:rPr>
+              <a:t>ref</a:t>
+            </a:r>
+            <a:r>
+              <a:rPr lang="fi-FI" sz="1000" dirty="0" smtClean="0">
+                <a:solidFill>
+                  <a:schemeClr val="tx1"/>
+                </a:solidFill>
+              </a:rPr>
+              <a:t>.</a:t>
+            </a:r>
+            <a:endParaRPr lang="en-US" sz="1000" dirty="0">
+              <a:solidFill>
+                <a:schemeClr val="tx1"/>
+              </a:solidFill>
+            </a:endParaRPr>
+          </a:p>
+        </p:txBody>
+      </p:sp>
+      <p:pic>
+        <p:nvPicPr>
+          <p:cNvPr id="2052" name="Picture 4"/>
+          <p:cNvPicPr>
+            <a:picLocks noChangeAspect="1" noChangeArrowheads="1"/>
+          </p:cNvPicPr>
+          <p:nvPr/>
+        </p:nvPicPr>
+        <p:blipFill>
+          <a:blip r:embed="rId2" cstate="print">
+            <a:extLst>
+              <a:ext uri="{28A0092B-C50C-407E-A947-70E740481C1C}">
+                <a14:useLocalDpi xmlns:a14="http://schemas.microsoft.com/office/drawing/2010/main" val="0"/>
+              </a:ext>
+            </a:extLst>
+          </a:blip>
+          <a:srcRect/>
+          <a:stretch>
+            <a:fillRect/>
+          </a:stretch>
+        </p:blipFill>
+        <p:spPr bwMode="auto">
+          <a:xfrm>
+            <a:off x="5184069" y="1458630"/>
+            <a:ext cx="1368152" cy="1045308"/>
+          </a:xfrm>
+          <a:prstGeom prst="rect">
+            <a:avLst/>
+          </a:prstGeom>
+          <a:noFill/>
+          <a:ln w="9525">
+            <a:solidFill>
+              <a:schemeClr val="tx1"/>
+            </a:solidFill>
+            <a:miter lim="800000"/>
+            <a:headEnd/>
+            <a:tailEnd/>
+          </a:ln>
+          <a:effectLst/>
+          <a:extLst>
+            <a:ext uri="{909E8E84-426E-40DD-AFC4-6F175D3DCCD1}">
+              <a14:hiddenFill xmlns:a14="http://schemas.microsoft.com/office/drawing/2010/main">
+                <a:solidFill>
+                  <a:schemeClr val="accent1"/>
+                </a:solidFill>
+              </a14:hiddenFill>
+            </a:ext>
+            <a:ext uri="{AF507438-7753-43E0-B8FC-AC1667EBCBE1}">
+              <a14:hiddenEffects xmlns:a14="http://schemas.microsoft.com/office/drawing/2010/main">
+                <a:effectLst>
+                  <a:outerShdw dist="35921" dir="2700000" algn="ctr" rotWithShape="0">
+                    <a:schemeClr val="bg2"/>
+                  </a:outerShdw>
+                </a:effectLst>
+              </a14:hiddenEffects>
+            </a:ext>
+          </a:extLst>
+        </p:spPr>
+      </p:pic>
+      <p:cxnSp>
+        <p:nvCxnSpPr>
+          <p:cNvPr id="29" name="Curved Connector 28"/>
+          <p:cNvCxnSpPr>
+            <a:stCxn id="18" idx="3"/>
+            <a:endCxn id="2052" idx="2"/>
+          </p:cNvCxnSpPr>
+          <p:nvPr/>
+        </p:nvCxnSpPr>
+        <p:spPr>
+          <a:xfrm flipV="1">
+            <a:off x="2843728" y="2503938"/>
+            <a:ext cx="3024417" cy="241006"/>
+          </a:xfrm>
+          <a:prstGeom prst="curvedConnector2">
+            <a:avLst/>
+          </a:prstGeom>
+          <a:ln w="19050">
+            <a:headEnd type="none" w="med" len="med"/>
+            <a:tailEnd type="triangle" w="med" len="med"/>
+          </a:ln>
+        </p:spPr>
+        <p:style>
+          <a:lnRef idx="1">
+            <a:schemeClr val="accent1"/>
+          </a:lnRef>
+          <a:fillRef idx="0">
+            <a:schemeClr val="accent1"/>
+          </a:fillRef>
+          <a:effectRef idx="0">
+            <a:schemeClr val="accent1"/>
+          </a:effectRef>
+          <a:fontRef idx="minor">
+            <a:schemeClr val="tx1"/>
+          </a:fontRef>
+        </p:style>
+      </p:cxnSp>
+      <p:cxnSp>
+        <p:nvCxnSpPr>
+          <p:cNvPr id="34" name="Curved Connector 33"/>
+          <p:cNvCxnSpPr>
+            <a:stCxn id="10" idx="3"/>
+            <a:endCxn id="2050" idx="1"/>
+          </p:cNvCxnSpPr>
+          <p:nvPr/>
+        </p:nvCxnSpPr>
+        <p:spPr>
+          <a:xfrm flipV="1">
+            <a:off x="2843808" y="1561697"/>
+            <a:ext cx="432048" cy="535175"/>
+          </a:xfrm>
+          <a:prstGeom prst="curvedConnector3">
+            <a:avLst/>
+          </a:prstGeom>
+          <a:ln w="19050">
+            <a:headEnd type="none" w="med" len="med"/>
+            <a:tailEnd type="triangle" w="med" len="med"/>
+          </a:ln>
+        </p:spPr>
+        <p:style>
+          <a:lnRef idx="1">
+            <a:schemeClr val="accent1"/>
+          </a:lnRef>
+          <a:fillRef idx="0">
+            <a:schemeClr val="accent1"/>
+          </a:fillRef>
+          <a:effectRef idx="0">
+            <a:schemeClr val="accent1"/>
+          </a:effectRef>
+          <a:fontRef idx="minor">
+            <a:schemeClr val="tx1"/>
+          </a:fontRef>
+        </p:style>
+      </p:cxnSp>
+      <p:grpSp>
+        <p:nvGrpSpPr>
+          <p:cNvPr id="2063" name="Group 2062"/>
+          <p:cNvGrpSpPr/>
+          <p:nvPr/>
+        </p:nvGrpSpPr>
+        <p:grpSpPr>
+          <a:xfrm>
+            <a:off x="3275856" y="1386622"/>
+            <a:ext cx="1805908" cy="1116124"/>
+            <a:chOff x="3275856" y="1387805"/>
+            <a:chExt cx="2174374" cy="1317846"/>
+          </a:xfrm>
+        </p:grpSpPr>
+        <p:pic>
+          <p:nvPicPr>
+            <p:cNvPr id="2050" name="Picture 2"/>
+            <p:cNvPicPr>
+              <a:picLocks noChangeAspect="1" noChangeArrowheads="1"/>
+            </p:cNvPicPr>
+            <p:nvPr/>
+          </p:nvPicPr>
+          <p:blipFill>
+            <a:blip r:embed="rId3">
+              <a:extLst>
+                <a:ext uri="{28A0092B-C50C-407E-A947-70E740481C1C}">
+                  <a14:useLocalDpi xmlns:a14="http://schemas.microsoft.com/office/drawing/2010/main" val="0"/>
+                </a:ext>
+              </a:extLst>
+            </a:blip>
+            <a:srcRect/>
+            <a:stretch>
+              <a:fillRect/>
+            </a:stretch>
+          </p:blipFill>
+          <p:spPr bwMode="auto">
+            <a:xfrm>
+              <a:off x="3275856" y="1453904"/>
+              <a:ext cx="2174374" cy="281235"/>
+            </a:xfrm>
+            <a:prstGeom prst="rect">
+              <a:avLst/>
+            </a:prstGeom>
+            <a:noFill/>
+            <a:ln w="9525">
+              <a:solidFill>
+                <a:schemeClr val="tx1"/>
+              </a:solidFill>
+              <a:miter lim="800000"/>
+              <a:headEnd/>
+              <a:tailEnd/>
+            </a:ln>
+            <a:effectLst/>
+            <a:extLst>
+              <a:ext uri="{909E8E84-426E-40DD-AFC4-6F175D3DCCD1}">
+                <a14:hiddenFill xmlns:a14="http://schemas.microsoft.com/office/drawing/2010/main">
+                  <a:solidFill>
+                    <a:schemeClr val="accent1"/>
+                  </a:solidFill>
+                </a14:hiddenFill>
+              </a:ext>
+              <a:ext uri="{AF507438-7753-43E0-B8FC-AC1667EBCBE1}">
+                <a14:hiddenEffects xmlns:a14="http://schemas.microsoft.com/office/drawing/2010/main">
+                  <a:effectLst>
+                    <a:outerShdw dist="35921" dir="2700000" algn="ctr" rotWithShape="0">
+                      <a:schemeClr val="bg2"/>
+                    </a:outerShdw>
+                  </a:effectLst>
+                </a14:hiddenEffects>
+              </a:ext>
+            </a:extLst>
+          </p:spPr>
+        </p:pic>
+        <p:pic>
+          <p:nvPicPr>
+            <p:cNvPr id="2051" name="Picture 3"/>
+            <p:cNvPicPr>
+              <a:picLocks noChangeAspect="1" noChangeArrowheads="1"/>
+            </p:cNvPicPr>
+            <p:nvPr/>
+          </p:nvPicPr>
+          <p:blipFill>
+            <a:blip r:embed="rId4">
+              <a:extLst>
+                <a:ext uri="{28A0092B-C50C-407E-A947-70E740481C1C}">
+                  <a14:useLocalDpi xmlns:a14="http://schemas.microsoft.com/office/drawing/2010/main" val="0"/>
+                </a:ext>
+              </a:extLst>
+            </a:blip>
+            <a:srcRect/>
+            <a:stretch>
+              <a:fillRect/>
+            </a:stretch>
+          </p:blipFill>
+          <p:spPr bwMode="auto">
+            <a:xfrm>
+              <a:off x="3275856" y="1736812"/>
+              <a:ext cx="2174374" cy="968839"/>
+            </a:xfrm>
+            <a:prstGeom prst="rect">
+              <a:avLst/>
+            </a:prstGeom>
+            <a:noFill/>
+            <a:ln w="9525">
+              <a:solidFill>
+                <a:schemeClr val="tx1"/>
+              </a:solidFill>
+              <a:miter lim="800000"/>
+              <a:headEnd/>
+              <a:tailEnd/>
+            </a:ln>
+            <a:effectLst/>
+            <a:extLst>
+              <a:ext uri="{909E8E84-426E-40DD-AFC4-6F175D3DCCD1}">
+                <a14:hiddenFill xmlns:a14="http://schemas.microsoft.com/office/drawing/2010/main">
+                  <a:solidFill>
+                    <a:schemeClr val="accent1"/>
+                  </a:solidFill>
+                </a14:hiddenFill>
+              </a:ext>
+              <a:ext uri="{AF507438-7753-43E0-B8FC-AC1667EBCBE1}">
+                <a14:hiddenEffects xmlns:a14="http://schemas.microsoft.com/office/drawing/2010/main">
+                  <a:effectLst>
+                    <a:outerShdw dist="35921" dir="2700000" algn="ctr" rotWithShape="0">
+                      <a:schemeClr val="bg2"/>
+                    </a:outerShdw>
+                  </a:effectLst>
+                </a14:hiddenEffects>
+              </a:ext>
+            </a:extLst>
+          </p:spPr>
+        </p:pic>
+        <p:sp>
+          <p:nvSpPr>
+            <p:cNvPr id="2058" name="TextBox 2057"/>
+            <p:cNvSpPr txBox="1"/>
+            <p:nvPr/>
+          </p:nvSpPr>
+          <p:spPr>
+            <a:xfrm>
+              <a:off x="4549246" y="1387805"/>
+              <a:ext cx="532518" cy="246221"/>
+            </a:xfrm>
+            <a:prstGeom prst="rect">
+              <a:avLst/>
+            </a:prstGeom>
+            <a:noFill/>
+          </p:spPr>
+          <p:txBody>
+            <a:bodyPr wrap="none" rtlCol="0">
+              <a:spAutoFit/>
+            </a:bodyPr>
+            <a:lstStyle/>
+            <a:p>
+              <a:r>
+                <a:rPr lang="fi-FI" sz="1000" b="1" dirty="0" err="1" smtClean="0"/>
+                <a:t>Fileset</a:t>
+              </a:r>
+              <a:endParaRPr lang="en-US" sz="1000" b="1" dirty="0"/>
+            </a:p>
+          </p:txBody>
+        </p:sp>
+      </p:grpSp>
+      <p:sp>
+        <p:nvSpPr>
+          <p:cNvPr id="44" name="TextBox 43"/>
+          <p:cNvSpPr txBox="1"/>
+          <p:nvPr/>
+        </p:nvSpPr>
+        <p:spPr>
+          <a:xfrm>
+            <a:off x="5216266" y="1376772"/>
+            <a:ext cx="542136" cy="246221"/>
+          </a:xfrm>
+          <a:prstGeom prst="rect">
+            <a:avLst/>
+          </a:prstGeom>
+          <a:noFill/>
+        </p:spPr>
+        <p:txBody>
+          <a:bodyPr wrap="none" rtlCol="0">
+            <a:spAutoFit/>
+          </a:bodyPr>
+          <a:lstStyle/>
+          <a:p>
+            <a:r>
+              <a:rPr lang="fi-FI" sz="1000" b="1" dirty="0" smtClean="0"/>
+              <a:t>Design</a:t>
+            </a:r>
+            <a:endParaRPr lang="en-US" sz="1000" b="1" dirty="0"/>
+          </a:p>
+        </p:txBody>
+      </p:sp>
+    </p:spTree>
+    <p:extLst>
+      <p:ext uri="{BB962C8B-B14F-4D97-AF65-F5344CB8AC3E}">
+        <p14:creationId xmlns:p14="http://schemas.microsoft.com/office/powerpoint/2010/main" val="1308889578"/>
+      </p:ext>
+    </p:extLst>
+  </p:cSld>
+  <p:clrMapOvr>
+    <a:masterClrMapping/>
+  </p:clrMapOvr>
+  <p:timing>
+    <p:tnLst>
+      <p:par>
+        <p:cTn id="1" dur="indefinite" restart="never" nodeType="tmRoot"/>
+      </p:par>
+    </p:tnLst>
+  </p:timing>
+</p:sld>
+</file>
+
+<file path=ppt/slides/slide5.xml><?xml version="1.0" encoding="utf-8"?>
+<p:sld xmlns:a="http://schemas.openxmlformats.org/drawingml/2006/main" xmlns:r="http://schemas.openxmlformats.org/officeDocument/2006/relationships" xmlns:p="http://schemas.openxmlformats.org/presentationml/2006/main">
+  <p:cSld>
+    <p:spTree>
+      <p:nvGrpSpPr>
+        <p:cNvPr id="1" name=""/>
+        <p:cNvGrpSpPr/>
+        <p:nvPr/>
+      </p:nvGrpSpPr>
+      <p:grpSpPr>
+        <a:xfrm>
+          <a:off x="0" y="0"/>
+          <a:ext cx="0" cy="0"/>
+          <a:chOff x="0" y="0"/>
+          <a:chExt cx="0" cy="0"/>
+        </a:xfrm>
+      </p:grpSpPr>
+      <p:sp>
+        <p:nvSpPr>
+          <p:cNvPr id="2" name="Title 1"/>
+          <p:cNvSpPr>
+            <a:spLocks noGrp="1"/>
+          </p:cNvSpPr>
+          <p:nvPr>
+            <p:ph type="title"/>
+          </p:nvPr>
+        </p:nvSpPr>
+        <p:spPr/>
+        <p:txBody>
+          <a:bodyPr/>
+          <a:lstStyle/>
+          <a:p>
+            <a:r>
+              <a:rPr lang="fi-FI" dirty="0" err="1" smtClean="0"/>
+              <a:t>Generic</a:t>
+            </a:r>
+            <a:r>
+              <a:rPr lang="fi-FI" dirty="0" smtClean="0"/>
+              <a:t> </a:t>
+            </a:r>
+            <a:r>
+              <a:rPr lang="fi-FI" dirty="0" err="1" smtClean="0"/>
+              <a:t>editor</a:t>
+            </a:r>
+            <a:endParaRPr lang="en-US" dirty="0"/>
           </a:p>
         </p:txBody>
       </p:sp>
@@ -4113,21 +4672,21 @@
               <a:buNone/>
             </a:pPr>
             <a:r>
-              <a:rPr lang="en-US" sz="900" dirty="0" smtClean="0">
+              <a:rPr lang="en-US" sz="900" b="1" dirty="0" smtClean="0">
                 <a:latin typeface="Courier New" pitchFamily="49" charset="0"/>
                 <a:cs typeface="Courier New" pitchFamily="49" charset="0"/>
               </a:rPr>
               <a:t>library </a:t>
             </a:r>
             <a:r>
-              <a:rPr lang="en-US" sz="900" dirty="0" err="1" smtClean="0">
+              <a:rPr lang="en-US" sz="900" b="1" dirty="0" err="1" smtClean="0">
                 <a:latin typeface="Courier New" pitchFamily="49" charset="0"/>
                 <a:cs typeface="Courier New" pitchFamily="49" charset="0"/>
               </a:rPr>
               <a:t>ieee</a:t>
             </a:r>
             <a:r>
-              <a:rPr lang="en-US" sz="900" dirty="0" smtClean="0">
+              <a:rPr lang="en-US" sz="900" b="1" dirty="0" smtClean="0">
                 <a:latin typeface="Courier New" pitchFamily="49" charset="0"/>
                 <a:cs typeface="Courier New" pitchFamily="49" charset="0"/>
               </a:rPr>
@@ -4140,7 +4699,7 @@
               <a:buNone/>
             </a:pPr>
             <a:r>
-              <a:rPr lang="en-US" sz="900" dirty="0" smtClean="0">
+              <a:rPr lang="en-US" sz="900" b="1" dirty="0" smtClean="0">
                 <a:latin typeface="Courier New" pitchFamily="49" charset="0"/>
                 <a:cs typeface="Courier New" pitchFamily="49" charset="0"/>
               </a:rPr>
@@ -4152,7 +4711,7 @@
               <a:buFont typeface="Arial" pitchFamily="34" charset="0"/>
               <a:buNone/>
             </a:pPr>
-            <a:endParaRPr lang="en-US" sz="900" dirty="0" smtClean="0">
+            <a:endParaRPr lang="en-US" sz="900" b="1" dirty="0" smtClean="0">
               <a:latin typeface="Courier New" pitchFamily="49" charset="0"/>
               <a:cs typeface="Courier New" pitchFamily="49" charset="0"/>
             </a:endParaRPr>
@@ -4163,7 +4722,7 @@
               <a:buNone/>
             </a:pPr>
             <a:r>
-              <a:rPr lang="en-US" sz="900" dirty="0" smtClean="0">
+              <a:rPr lang="en-US" sz="900" b="1" dirty="0" smtClean="0">
                 <a:latin typeface="Courier New" pitchFamily="49" charset="0"/>
                 <a:cs typeface="Courier New" pitchFamily="49" charset="0"/>
               </a:rPr>
@@ -4175,7 +4734,7 @@
               <a:buNone/>
             </a:pPr>
             <a:r>
-              <a:rPr lang="en-US" sz="900" dirty="0" smtClean="0">
+              <a:rPr lang="en-US" sz="900" b="1" dirty="0" smtClean="0">
                 <a:latin typeface="Courier New" pitchFamily="49" charset="0"/>
                 <a:cs typeface="Courier New" pitchFamily="49" charset="0"/>
               </a:rPr>
@@ -4187,21 +4746,21 @@
               <a:buNone/>
             </a:pPr>
             <a:r>
-              <a:rPr lang="en-US" sz="900" dirty="0" smtClean="0">
+              <a:rPr lang="en-US" sz="900" b="1" dirty="0" smtClean="0">
                 <a:latin typeface="Courier New" pitchFamily="49" charset="0"/>
                 <a:cs typeface="Courier New" pitchFamily="49" charset="0"/>
               </a:rPr>
               <a:t>    </a:t>
             </a:r>
             <a:r>
-              <a:rPr lang="en-US" sz="900" dirty="0" err="1" smtClean="0">
+              <a:rPr lang="en-US" sz="900" b="1" dirty="0" err="1" smtClean="0">
                 <a:latin typeface="Courier New" pitchFamily="49" charset="0"/>
                 <a:cs typeface="Courier New" pitchFamily="49" charset="0"/>
               </a:rPr>
               <a:t>id_g</a:t>
             </a:r>
             <a:r>
-              <a:rPr lang="en-US" sz="900" dirty="0" smtClean="0">
+              <a:rPr lang="en-US" sz="900" b="1" dirty="0" smtClean="0">
                 <a:latin typeface="Courier New" pitchFamily="49" charset="0"/>
                 <a:cs typeface="Courier New" pitchFamily="49" charset="0"/>
               </a:rPr>
@@ -4213,21 +4772,21 @@
               <a:buNone/>
             </a:pPr>
             <a:r>
-              <a:rPr lang="en-US" sz="900" dirty="0" smtClean="0">
+              <a:rPr lang="en-US" sz="900" b="1" dirty="0" smtClean="0">
                 <a:latin typeface="Courier New" pitchFamily="49" charset="0"/>
                 <a:cs typeface="Courier New" pitchFamily="49" charset="0"/>
               </a:rPr>
               <a:t>    </a:t>
             </a:r>
             <a:r>
-              <a:rPr lang="en-US" sz="900" dirty="0" err="1" smtClean="0">
+              <a:rPr lang="en-US" sz="900" b="1" dirty="0" err="1" smtClean="0">
                 <a:latin typeface="Courier New" pitchFamily="49" charset="0"/>
                 <a:cs typeface="Courier New" pitchFamily="49" charset="0"/>
               </a:rPr>
               <a:t>addr_g</a:t>
             </a:r>
             <a:r>
-              <a:rPr lang="en-US" sz="900" dirty="0" smtClean="0">
+              <a:rPr lang="en-US" sz="900" b="1" dirty="0" smtClean="0">
                 <a:latin typeface="Courier New" pitchFamily="49" charset="0"/>
                 <a:cs typeface="Courier New" pitchFamily="49" charset="0"/>
               </a:rPr>
@@ -4239,21 +4798,21 @@
               <a:buNone/>
             </a:pPr>
             <a:r>
-              <a:rPr lang="en-US" sz="900" dirty="0" smtClean="0">
+              <a:rPr lang="en-US" sz="900" b="1" dirty="0" smtClean="0">
                 <a:latin typeface="Courier New" pitchFamily="49" charset="0"/>
                 <a:cs typeface="Courier New" pitchFamily="49" charset="0"/>
               </a:rPr>
               <a:t>    </a:t>
             </a:r>
             <a:r>
-              <a:rPr lang="en-US" sz="900" dirty="0" err="1" smtClean="0">
+              <a:rPr lang="en-US" sz="900" b="1" dirty="0" err="1" smtClean="0">
                 <a:latin typeface="Courier New" pitchFamily="49" charset="0"/>
                 <a:cs typeface="Courier New" pitchFamily="49" charset="0"/>
               </a:rPr>
               <a:t>cfg_file_g</a:t>
             </a:r>
             <a:r>
-              <a:rPr lang="en-US" sz="900" dirty="0" smtClean="0">
+              <a:rPr lang="en-US" sz="900" b="1" dirty="0" smtClean="0">
                 <a:latin typeface="Courier New" pitchFamily="49" charset="0"/>
                 <a:cs typeface="Courier New" pitchFamily="49" charset="0"/>
               </a:rPr>
@@ -4265,21 +4824,21 @@
               <a:buNone/>
             </a:pPr>
             <a:r>
-              <a:rPr lang="en-US" sz="900" dirty="0" smtClean="0">
+              <a:rPr lang="en-US" sz="900" b="1" dirty="0" smtClean="0">
                 <a:latin typeface="Courier New" pitchFamily="49" charset="0"/>
                 <a:cs typeface="Courier New" pitchFamily="49" charset="0"/>
               </a:rPr>
               <a:t>    </a:t>
             </a:r>
             <a:r>
-              <a:rPr lang="en-US" sz="900" dirty="0" err="1" smtClean="0">
+              <a:rPr lang="en-US" sz="900" b="1" dirty="0" err="1" smtClean="0">
                 <a:latin typeface="Courier New" pitchFamily="49" charset="0"/>
                 <a:cs typeface="Courier New" pitchFamily="49" charset="0"/>
               </a:rPr>
               <a:t>pipeline_depth_g</a:t>
             </a:r>
             <a:r>
-              <a:rPr lang="en-US" sz="900" dirty="0" smtClean="0">
+              <a:rPr lang="en-US" sz="900" b="1" dirty="0" smtClean="0">
                 <a:latin typeface="Courier New" pitchFamily="49" charset="0"/>
                 <a:cs typeface="Courier New" pitchFamily="49" charset="0"/>
               </a:rPr>
@@ -4291,13 +4850,13 @@
               <a:buNone/>
             </a:pPr>
             <a:r>
-              <a:rPr lang="fi-FI" sz="900" dirty="0" smtClean="0">
+              <a:rPr lang="fi-FI" sz="900" b="1" dirty="0" smtClean="0">
                 <a:latin typeface="Courier New" pitchFamily="49" charset="0"/>
                 <a:cs typeface="Courier New" pitchFamily="49" charset="0"/>
               </a:rPr>
               <a:t>    . . .</a:t>
             </a:r>
-            <a:endParaRPr lang="en-US" sz="900" dirty="0" smtClean="0">
+            <a:endParaRPr lang="en-US" sz="900" b="1" dirty="0" smtClean="0">
               <a:latin typeface="Courier New" pitchFamily="49" charset="0"/>
               <a:cs typeface="Courier New" pitchFamily="49" charset="0"/>
             </a:endParaRPr>
@@ -4307,13 +4866,13 @@
               <a:buNone/>
             </a:pPr>
             <a:r>
-              <a:rPr lang="fi-FI" sz="900" dirty="0" smtClean="0">
+              <a:rPr lang="fi-FI" sz="900" b="1" dirty="0" smtClean="0">
                 <a:latin typeface="Courier New" pitchFamily="49" charset="0"/>
                 <a:cs typeface="Courier New" pitchFamily="49" charset="0"/>
               </a:rPr>
               <a:t>);</a:t>
             </a:r>
-            <a:endParaRPr lang="en-US" sz="900" dirty="0" smtClean="0">
+            <a:endParaRPr lang="en-US" sz="900" b="1" dirty="0" smtClean="0">
               <a:latin typeface="Courier New" pitchFamily="49" charset="0"/>
               <a:cs typeface="Courier New" pitchFamily="49" charset="0"/>
             </a:endParaRPr>
@@ -4324,13 +4883,13 @@
               <a:buNone/>
             </a:pPr>
             <a:r>
-              <a:rPr lang="en-US" sz="900" dirty="0" smtClean="0">
+              <a:rPr lang="en-US" sz="900" b="1" dirty="0" smtClean="0">
                 <a:latin typeface="Courier New" pitchFamily="49" charset="0"/>
                 <a:cs typeface="Courier New" pitchFamily="49" charset="0"/>
               </a:rPr>
               <a:t>port ( . . .</a:t>
             </a:r>
-            <a:endParaRPr lang="en-US" sz="900" dirty="0">
+            <a:endParaRPr lang="en-US" sz="900" b="1" dirty="0">
               <a:latin typeface="Courier New" pitchFamily="49" charset="0"/>
               <a:cs typeface="Courier New" pitchFamily="49" charset="0"/>
             </a:endParaRPr>
@@ -4421,7 +4980,7 @@
 </p:sld>
 </file>
 
-<file path=ppt/slides/slide4.xml><?xml version="1.0" encoding="utf-8"?>
+<file path=ppt/slides/slide6.xml><?xml version="1.0" encoding="utf-8"?>
 <p:sld xmlns:a="http://schemas.openxmlformats.org/drawingml/2006/main" xmlns:r="http://schemas.openxmlformats.org/officeDocument/2006/relationships" xmlns:p="http://schemas.openxmlformats.org/presentationml/2006/main">
   <p:cSld>
     <p:spTree>
@@ -4453,7 +5012,19 @@
           <a:bodyPr/>
           <a:lstStyle/>
           <a:p>
-            <a:endParaRPr lang="en-US"/>
+            <a:r>
+              <a:rPr lang="fi-FI" dirty="0" err="1" smtClean="0"/>
+              <a:t>Ports</a:t>
+            </a:r>
+            <a:r>
+              <a:rPr lang="fi-FI" dirty="0" smtClean="0"/>
+              <a:t> </a:t>
+            </a:r>
+            <a:r>
+              <a:rPr lang="fi-FI" dirty="0" err="1" smtClean="0"/>
+              <a:t>editor</a:t>
+            </a:r>
+            <a:endParaRPr lang="en-US" dirty="0"/>
           </a:p>
         </p:txBody>
       </p:sp>
@@ -4467,6 +5038,650 @@
             <p:ph idx="1"/>
           </p:nvPr>
         </p:nvSpPr>
+        <p:spPr>
+          <a:xfrm>
+            <a:off x="0" y="1556793"/>
+            <a:ext cx="3779912" cy="2232248"/>
+          </a:xfrm>
+        </p:spPr>
+        <p:txBody>
+          <a:bodyPr>
+            <a:normAutofit/>
+          </a:bodyPr>
+          <a:lstStyle/>
+          <a:p>
+            <a:pPr marL="0" indent="0">
+              <a:buNone/>
+            </a:pPr>
+            <a:r>
+              <a:rPr lang="en-US" sz="900" b="1" dirty="0" smtClean="0">
+                <a:latin typeface="Courier New" pitchFamily="49" charset="0"/>
+                <a:cs typeface="Courier New" pitchFamily="49" charset="0"/>
+              </a:rPr>
+              <a:t>library </a:t>
+            </a:r>
+            <a:r>
+              <a:rPr lang="en-US" sz="900" b="1" dirty="0" err="1" smtClean="0">
+                <a:latin typeface="Courier New" pitchFamily="49" charset="0"/>
+                <a:cs typeface="Courier New" pitchFamily="49" charset="0"/>
+              </a:rPr>
+              <a:t>ieee</a:t>
+            </a:r>
+            <a:r>
+              <a:rPr lang="en-US" sz="900" b="1" dirty="0" smtClean="0">
+                <a:latin typeface="Courier New" pitchFamily="49" charset="0"/>
+                <a:cs typeface="Courier New" pitchFamily="49" charset="0"/>
+              </a:rPr>
+              <a:t>;</a:t>
+            </a:r>
+          </a:p>
+          <a:p>
+            <a:pPr marL="0" indent="0">
+              <a:buNone/>
+            </a:pPr>
+            <a:r>
+              <a:rPr lang="en-US" sz="900" b="1" dirty="0" smtClean="0">
+                <a:latin typeface="Courier New" pitchFamily="49" charset="0"/>
+                <a:cs typeface="Courier New" pitchFamily="49" charset="0"/>
+              </a:rPr>
+              <a:t>use ieee.std_logic_1164.all;</a:t>
+            </a:r>
+          </a:p>
+          <a:p>
+            <a:pPr marL="0" indent="0">
+              <a:buNone/>
+            </a:pPr>
+            <a:endParaRPr lang="en-US" sz="900" b="1" dirty="0" smtClean="0">
+              <a:latin typeface="Courier New" pitchFamily="49" charset="0"/>
+              <a:cs typeface="Courier New" pitchFamily="49" charset="0"/>
+            </a:endParaRPr>
+          </a:p>
+          <a:p>
+            <a:pPr marL="0" indent="0">
+              <a:buNone/>
+            </a:pPr>
+            <a:r>
+              <a:rPr lang="en-US" sz="900" b="1" dirty="0" smtClean="0">
+                <a:latin typeface="Courier New" pitchFamily="49" charset="0"/>
+                <a:cs typeface="Courier New" pitchFamily="49" charset="0"/>
+              </a:rPr>
+              <a:t>entity foo is</a:t>
+            </a:r>
+          </a:p>
+          <a:p>
+            <a:pPr marL="0" indent="0">
+              <a:buNone/>
+            </a:pPr>
+            <a:r>
+              <a:rPr lang="en-US" sz="900" b="1" dirty="0" smtClean="0">
+                <a:latin typeface="Courier New" pitchFamily="49" charset="0"/>
+                <a:cs typeface="Courier New" pitchFamily="49" charset="0"/>
+              </a:rPr>
+              <a:t>port (</a:t>
+            </a:r>
+          </a:p>
+          <a:p>
+            <a:pPr marL="0" indent="0">
+              <a:buNone/>
+            </a:pPr>
+            <a:r>
+              <a:rPr lang="en-US" sz="900" b="1" dirty="0" smtClean="0">
+                <a:latin typeface="Courier New" pitchFamily="49" charset="0"/>
+                <a:cs typeface="Courier New" pitchFamily="49" charset="0"/>
+              </a:rPr>
+              <a:t>    </a:t>
+            </a:r>
+            <a:r>
+              <a:rPr lang="en-US" sz="900" b="1" dirty="0" err="1" smtClean="0">
+                <a:latin typeface="Courier New" pitchFamily="49" charset="0"/>
+                <a:cs typeface="Courier New" pitchFamily="49" charset="0"/>
+              </a:rPr>
+              <a:t>clk</a:t>
+            </a:r>
+            <a:r>
+              <a:rPr lang="en-US" sz="900" b="1" dirty="0" smtClean="0">
+                <a:latin typeface="Courier New" pitchFamily="49" charset="0"/>
+                <a:cs typeface="Courier New" pitchFamily="49" charset="0"/>
+              </a:rPr>
+              <a:t>   : in </a:t>
+            </a:r>
+            <a:r>
+              <a:rPr lang="en-US" sz="900" b="1" dirty="0" err="1" smtClean="0">
+                <a:latin typeface="Courier New" pitchFamily="49" charset="0"/>
+                <a:cs typeface="Courier New" pitchFamily="49" charset="0"/>
+              </a:rPr>
+              <a:t>std_logic</a:t>
+            </a:r>
+            <a:r>
+              <a:rPr lang="en-US" sz="900" b="1" dirty="0" smtClean="0">
+                <a:latin typeface="Courier New" pitchFamily="49" charset="0"/>
+                <a:cs typeface="Courier New" pitchFamily="49" charset="0"/>
+              </a:rPr>
+              <a:t>;</a:t>
+            </a:r>
+          </a:p>
+          <a:p>
+            <a:pPr marL="0" indent="0">
+              <a:buNone/>
+            </a:pPr>
+            <a:r>
+              <a:rPr lang="en-US" sz="900" b="1" dirty="0" smtClean="0">
+                <a:latin typeface="Courier New" pitchFamily="49" charset="0"/>
+                <a:cs typeface="Courier New" pitchFamily="49" charset="0"/>
+              </a:rPr>
+              <a:t>    </a:t>
+            </a:r>
+            <a:r>
+              <a:rPr lang="en-US" sz="900" b="1" dirty="0" err="1" smtClean="0">
+                <a:latin typeface="Courier New" pitchFamily="49" charset="0"/>
+                <a:cs typeface="Courier New" pitchFamily="49" charset="0"/>
+              </a:rPr>
+              <a:t>rst_n</a:t>
+            </a:r>
+            <a:r>
+              <a:rPr lang="en-US" sz="900" b="1" dirty="0" smtClean="0">
+                <a:latin typeface="Courier New" pitchFamily="49" charset="0"/>
+                <a:cs typeface="Courier New" pitchFamily="49" charset="0"/>
+              </a:rPr>
+              <a:t> : in </a:t>
+            </a:r>
+            <a:r>
+              <a:rPr lang="en-US" sz="900" b="1" dirty="0" err="1" smtClean="0">
+                <a:latin typeface="Courier New" pitchFamily="49" charset="0"/>
+                <a:cs typeface="Courier New" pitchFamily="49" charset="0"/>
+              </a:rPr>
+              <a:t>std_logic</a:t>
+            </a:r>
+            <a:r>
+              <a:rPr lang="en-US" sz="900" b="1" dirty="0" smtClean="0">
+                <a:latin typeface="Courier New" pitchFamily="49" charset="0"/>
+                <a:cs typeface="Courier New" pitchFamily="49" charset="0"/>
+              </a:rPr>
+              <a:t>;</a:t>
+            </a:r>
+          </a:p>
+          <a:p>
+            <a:pPr marL="0" indent="0">
+              <a:buNone/>
+            </a:pPr>
+            <a:endParaRPr lang="en-US" sz="900" b="1" dirty="0" smtClean="0">
+              <a:latin typeface="Courier New" pitchFamily="49" charset="0"/>
+              <a:cs typeface="Courier New" pitchFamily="49" charset="0"/>
+            </a:endParaRPr>
+          </a:p>
+          <a:p>
+            <a:pPr marL="0" indent="0">
+              <a:buNone/>
+            </a:pPr>
+            <a:r>
+              <a:rPr lang="en-US" sz="900" b="1" dirty="0" smtClean="0">
+                <a:latin typeface="Courier New" pitchFamily="49" charset="0"/>
+                <a:cs typeface="Courier New" pitchFamily="49" charset="0"/>
+              </a:rPr>
+              <a:t>    </a:t>
+            </a:r>
+            <a:r>
+              <a:rPr lang="en-US" sz="900" b="1" dirty="0" err="1" smtClean="0">
+                <a:latin typeface="Courier New" pitchFamily="49" charset="0"/>
+                <a:cs typeface="Courier New" pitchFamily="49" charset="0"/>
+              </a:rPr>
+              <a:t>data_in</a:t>
+            </a:r>
+            <a:r>
+              <a:rPr lang="en-US" sz="900" b="1" dirty="0" smtClean="0">
+                <a:latin typeface="Courier New" pitchFamily="49" charset="0"/>
+                <a:cs typeface="Courier New" pitchFamily="49" charset="0"/>
+              </a:rPr>
+              <a:t>  : in  </a:t>
+            </a:r>
+            <a:r>
+              <a:rPr lang="en-US" sz="900" b="1" dirty="0" err="1" smtClean="0">
+                <a:latin typeface="Courier New" pitchFamily="49" charset="0"/>
+                <a:cs typeface="Courier New" pitchFamily="49" charset="0"/>
+              </a:rPr>
+              <a:t>std_logic_vector</a:t>
+            </a:r>
+            <a:r>
+              <a:rPr lang="en-US" sz="900" b="1" dirty="0" smtClean="0">
+                <a:latin typeface="Courier New" pitchFamily="49" charset="0"/>
+                <a:cs typeface="Courier New" pitchFamily="49" charset="0"/>
+              </a:rPr>
+              <a:t> (3 </a:t>
+            </a:r>
+            <a:r>
+              <a:rPr lang="en-US" sz="900" b="1" dirty="0" err="1" smtClean="0">
+                <a:latin typeface="Courier New" pitchFamily="49" charset="0"/>
+                <a:cs typeface="Courier New" pitchFamily="49" charset="0"/>
+              </a:rPr>
+              <a:t>downto</a:t>
+            </a:r>
+            <a:r>
+              <a:rPr lang="en-US" sz="900" b="1" dirty="0" smtClean="0">
+                <a:latin typeface="Courier New" pitchFamily="49" charset="0"/>
+                <a:cs typeface="Courier New" pitchFamily="49" charset="0"/>
+              </a:rPr>
+              <a:t> 0);</a:t>
+            </a:r>
+          </a:p>
+          <a:p>
+            <a:pPr marL="0" indent="0">
+              <a:buNone/>
+            </a:pPr>
+            <a:r>
+              <a:rPr lang="en-US" sz="900" b="1" dirty="0" smtClean="0">
+                <a:latin typeface="Courier New" pitchFamily="49" charset="0"/>
+                <a:cs typeface="Courier New" pitchFamily="49" charset="0"/>
+              </a:rPr>
+              <a:t>    </a:t>
+            </a:r>
+            <a:r>
+              <a:rPr lang="en-US" sz="900" b="1" dirty="0" err="1" smtClean="0">
+                <a:latin typeface="Courier New" pitchFamily="49" charset="0"/>
+                <a:cs typeface="Courier New" pitchFamily="49" charset="0"/>
+              </a:rPr>
+              <a:t>data_out</a:t>
+            </a:r>
+            <a:r>
+              <a:rPr lang="en-US" sz="900" b="1" dirty="0" smtClean="0">
+                <a:latin typeface="Courier New" pitchFamily="49" charset="0"/>
+                <a:cs typeface="Courier New" pitchFamily="49" charset="0"/>
+              </a:rPr>
+              <a:t> : out </a:t>
+            </a:r>
+            <a:r>
+              <a:rPr lang="en-US" sz="900" b="1" dirty="0" err="1" smtClean="0">
+                <a:latin typeface="Courier New" pitchFamily="49" charset="0"/>
+                <a:cs typeface="Courier New" pitchFamily="49" charset="0"/>
+              </a:rPr>
+              <a:t>std_logic_vector</a:t>
+            </a:r>
+            <a:r>
+              <a:rPr lang="en-US" sz="900" b="1" dirty="0" smtClean="0">
+                <a:latin typeface="Courier New" pitchFamily="49" charset="0"/>
+                <a:cs typeface="Courier New" pitchFamily="49" charset="0"/>
+              </a:rPr>
+              <a:t> (7 </a:t>
+            </a:r>
+            <a:r>
+              <a:rPr lang="en-US" sz="900" b="1" dirty="0" err="1" smtClean="0">
+                <a:latin typeface="Courier New" pitchFamily="49" charset="0"/>
+                <a:cs typeface="Courier New" pitchFamily="49" charset="0"/>
+              </a:rPr>
+              <a:t>downto</a:t>
+            </a:r>
+            <a:r>
+              <a:rPr lang="en-US" sz="900" b="1" dirty="0" smtClean="0">
+                <a:latin typeface="Courier New" pitchFamily="49" charset="0"/>
+                <a:cs typeface="Courier New" pitchFamily="49" charset="0"/>
+              </a:rPr>
+              <a:t> 0)</a:t>
+            </a:r>
+          </a:p>
+          <a:p>
+            <a:pPr marL="0" indent="0">
+              <a:buNone/>
+            </a:pPr>
+            <a:r>
+              <a:rPr lang="en-US" sz="900" b="1" dirty="0" smtClean="0">
+                <a:latin typeface="Courier New" pitchFamily="49" charset="0"/>
+                <a:cs typeface="Courier New" pitchFamily="49" charset="0"/>
+              </a:rPr>
+              <a:t>    );</a:t>
+            </a:r>
+          </a:p>
+          <a:p>
+            <a:pPr marL="0" indent="0">
+              <a:buNone/>
+            </a:pPr>
+            <a:endParaRPr lang="en-US" sz="900" b="1" dirty="0" smtClean="0">
+              <a:latin typeface="Courier New" pitchFamily="49" charset="0"/>
+              <a:cs typeface="Courier New" pitchFamily="49" charset="0"/>
+            </a:endParaRPr>
+          </a:p>
+          <a:p>
+            <a:pPr marL="0" indent="0">
+              <a:buNone/>
+            </a:pPr>
+            <a:r>
+              <a:rPr lang="en-US" sz="900" b="1" dirty="0" smtClean="0">
+                <a:latin typeface="Courier New" pitchFamily="49" charset="0"/>
+                <a:cs typeface="Courier New" pitchFamily="49" charset="0"/>
+              </a:rPr>
+              <a:t>end foo;</a:t>
+            </a:r>
+            <a:endParaRPr lang="en-US" sz="900" b="1" dirty="0">
+              <a:latin typeface="Courier New" pitchFamily="49" charset="0"/>
+              <a:cs typeface="Courier New" pitchFamily="49" charset="0"/>
+            </a:endParaRPr>
+          </a:p>
+        </p:txBody>
+      </p:sp>
+      <p:pic>
+        <p:nvPicPr>
+          <p:cNvPr id="1027" name="Picture 3"/>
+          <p:cNvPicPr>
+            <a:picLocks noChangeAspect="1" noChangeArrowheads="1"/>
+          </p:cNvPicPr>
+          <p:nvPr/>
+        </p:nvPicPr>
+        <p:blipFill>
+          <a:blip r:embed="rId2">
+            <a:extLst>
+              <a:ext uri="{28A0092B-C50C-407E-A947-70E740481C1C}">
+                <a14:useLocalDpi xmlns:a14="http://schemas.microsoft.com/office/drawing/2010/main" val="0"/>
+              </a:ext>
+            </a:extLst>
+          </a:blip>
+          <a:srcRect/>
+          <a:stretch>
+            <a:fillRect/>
+          </a:stretch>
+        </p:blipFill>
+        <p:spPr bwMode="auto">
+          <a:xfrm>
+            <a:off x="3491880" y="2132856"/>
+            <a:ext cx="5179304" cy="1140098"/>
+          </a:xfrm>
+          <a:prstGeom prst="rect">
+            <a:avLst/>
+          </a:prstGeom>
+          <a:noFill/>
+          <a:ln>
+            <a:noFill/>
+          </a:ln>
+          <a:effectLst/>
+          <a:extLst>
+            <a:ext uri="{909E8E84-426E-40DD-AFC4-6F175D3DCCD1}">
+              <a14:hiddenFill xmlns:a14="http://schemas.microsoft.com/office/drawing/2010/main">
+                <a:solidFill>
+                  <a:schemeClr val="accent1"/>
+                </a:solidFill>
+              </a14:hiddenFill>
+            </a:ext>
+            <a:ext uri="{91240B29-F687-4F45-9708-019B960494DF}">
+              <a14:hiddenLine xmlns:a14="http://schemas.microsoft.com/office/drawing/2010/main" w="9525">
+                <a:solidFill>
+                  <a:schemeClr val="tx1"/>
+                </a:solidFill>
+                <a:miter lim="800000"/>
+                <a:headEnd/>
+                <a:tailEnd/>
+              </a14:hiddenLine>
+            </a:ext>
+            <a:ext uri="{AF507438-7753-43E0-B8FC-AC1667EBCBE1}">
+              <a14:hiddenEffects xmlns:a14="http://schemas.microsoft.com/office/drawing/2010/main">
+                <a:effectLst>
+                  <a:outerShdw dist="35921" dir="2700000" algn="ctr" rotWithShape="0">
+                    <a:schemeClr val="bg2"/>
+                  </a:outerShdw>
+                </a:effectLst>
+              </a14:hiddenEffects>
+            </a:ext>
+          </a:extLst>
+        </p:spPr>
+      </p:pic>
+      <p:sp>
+        <p:nvSpPr>
+          <p:cNvPr id="6" name="Content Placeholder 2"/>
+          <p:cNvSpPr txBox="1">
+            <a:spLocks/>
+          </p:cNvSpPr>
+          <p:nvPr/>
+        </p:nvSpPr>
+        <p:spPr>
+          <a:xfrm>
+            <a:off x="457200" y="4365104"/>
+            <a:ext cx="8229600" cy="1761059"/>
+          </a:xfrm>
+          <a:prstGeom prst="rect">
+            <a:avLst/>
+          </a:prstGeom>
+        </p:spPr>
+        <p:txBody>
+          <a:bodyPr vert="horz" lIns="91440" tIns="45720" rIns="91440" bIns="45720" rtlCol="0">
+            <a:normAutofit/>
+          </a:bodyPr>
+          <a:lstStyle>
+            <a:lvl1pPr marL="342900" indent="-342900" algn="l" defTabSz="914400" rtl="0" eaLnBrk="1" latinLnBrk="0" hangingPunct="1">
+              <a:spcBef>
+                <a:spcPct val="20000"/>
+              </a:spcBef>
+              <a:buFont typeface="Arial" pitchFamily="34" charset="0"/>
+              <a:buChar char="•"/>
+              <a:defRPr sz="3200" kern="1200">
+                <a:solidFill>
+                  <a:schemeClr val="tx1"/>
+                </a:solidFill>
+                <a:latin typeface="+mn-lt"/>
+                <a:ea typeface="+mn-ea"/>
+                <a:cs typeface="+mn-cs"/>
+              </a:defRPr>
+            </a:lvl1pPr>
+            <a:lvl2pPr marL="742950" indent="-285750" algn="l" defTabSz="914400" rtl="0" eaLnBrk="1" latinLnBrk="0" hangingPunct="1">
+              <a:spcBef>
+                <a:spcPct val="20000"/>
+              </a:spcBef>
+              <a:buFont typeface="Arial" pitchFamily="34" charset="0"/>
+              <a:buChar char="–"/>
+              <a:defRPr sz="2800" kern="1200">
+                <a:solidFill>
+                  <a:schemeClr val="tx1"/>
+                </a:solidFill>
+                <a:latin typeface="+mn-lt"/>
+                <a:ea typeface="+mn-ea"/>
+                <a:cs typeface="+mn-cs"/>
+              </a:defRPr>
+            </a:lvl2pPr>
+            <a:lvl3pPr marL="1143000" indent="-228600" algn="l" defTabSz="914400" rtl="0" eaLnBrk="1" latinLnBrk="0" hangingPunct="1">
+              <a:spcBef>
+                <a:spcPct val="20000"/>
+              </a:spcBef>
+              <a:buFont typeface="Arial" pitchFamily="34" charset="0"/>
+              <a:buChar char="•"/>
+              <a:defRPr sz="2400" kern="1200">
+                <a:solidFill>
+                  <a:schemeClr val="tx1"/>
+                </a:solidFill>
+                <a:latin typeface="+mn-lt"/>
+                <a:ea typeface="+mn-ea"/>
+                <a:cs typeface="+mn-cs"/>
+              </a:defRPr>
+            </a:lvl3pPr>
+            <a:lvl4pPr marL="1600200" indent="-228600" algn="l" defTabSz="914400" rtl="0" eaLnBrk="1" latinLnBrk="0" hangingPunct="1">
+              <a:spcBef>
+                <a:spcPct val="20000"/>
+              </a:spcBef>
+              <a:buFont typeface="Arial" pitchFamily="34" charset="0"/>
+              <a:buChar char="–"/>
+              <a:defRPr sz="2000" kern="1200">
+                <a:solidFill>
+                  <a:schemeClr val="tx1"/>
+                </a:solidFill>
+                <a:latin typeface="+mn-lt"/>
+                <a:ea typeface="+mn-ea"/>
+                <a:cs typeface="+mn-cs"/>
+              </a:defRPr>
+            </a:lvl4pPr>
+            <a:lvl5pPr marL="2057400" indent="-228600" algn="l" defTabSz="914400" rtl="0" eaLnBrk="1" latinLnBrk="0" hangingPunct="1">
+              <a:spcBef>
+                <a:spcPct val="20000"/>
+              </a:spcBef>
+              <a:buFont typeface="Arial" pitchFamily="34" charset="0"/>
+              <a:buChar char="»"/>
+              <a:defRPr sz="2000" kern="1200">
+                <a:solidFill>
+                  <a:schemeClr val="tx1"/>
+                </a:solidFill>
+                <a:latin typeface="+mn-lt"/>
+                <a:ea typeface="+mn-ea"/>
+                <a:cs typeface="+mn-cs"/>
+              </a:defRPr>
+            </a:lvl5pPr>
+            <a:lvl6pPr marL="2514600" indent="-228600" algn="l" defTabSz="914400" rtl="0" eaLnBrk="1" latinLnBrk="0" hangingPunct="1">
+              <a:spcBef>
+                <a:spcPct val="20000"/>
+              </a:spcBef>
+              <a:buFont typeface="Arial" pitchFamily="34" charset="0"/>
+              <a:buChar char="•"/>
+              <a:defRPr sz="2000" kern="1200">
+                <a:solidFill>
+                  <a:schemeClr val="tx1"/>
+                </a:solidFill>
+                <a:latin typeface="+mn-lt"/>
+                <a:ea typeface="+mn-ea"/>
+                <a:cs typeface="+mn-cs"/>
+              </a:defRPr>
+            </a:lvl6pPr>
+            <a:lvl7pPr marL="2971800" indent="-228600" algn="l" defTabSz="914400" rtl="0" eaLnBrk="1" latinLnBrk="0" hangingPunct="1">
+              <a:spcBef>
+                <a:spcPct val="20000"/>
+              </a:spcBef>
+              <a:buFont typeface="Arial" pitchFamily="34" charset="0"/>
+              <a:buChar char="•"/>
+              <a:defRPr sz="2000" kern="1200">
+                <a:solidFill>
+                  <a:schemeClr val="tx1"/>
+                </a:solidFill>
+                <a:latin typeface="+mn-lt"/>
+                <a:ea typeface="+mn-ea"/>
+                <a:cs typeface="+mn-cs"/>
+              </a:defRPr>
+            </a:lvl7pPr>
+            <a:lvl8pPr marL="3429000" indent="-228600" algn="l" defTabSz="914400" rtl="0" eaLnBrk="1" latinLnBrk="0" hangingPunct="1">
+              <a:spcBef>
+                <a:spcPct val="20000"/>
+              </a:spcBef>
+              <a:buFont typeface="Arial" pitchFamily="34" charset="0"/>
+              <a:buChar char="•"/>
+              <a:defRPr sz="2000" kern="1200">
+                <a:solidFill>
+                  <a:schemeClr val="tx1"/>
+                </a:solidFill>
+                <a:latin typeface="+mn-lt"/>
+                <a:ea typeface="+mn-ea"/>
+                <a:cs typeface="+mn-cs"/>
+              </a:defRPr>
+            </a:lvl8pPr>
+            <a:lvl9pPr marL="3886200" indent="-228600" algn="l" defTabSz="914400" rtl="0" eaLnBrk="1" latinLnBrk="0" hangingPunct="1">
+              <a:spcBef>
+                <a:spcPct val="20000"/>
+              </a:spcBef>
+              <a:buFont typeface="Arial" pitchFamily="34" charset="0"/>
+              <a:buChar char="•"/>
+              <a:defRPr sz="2000" kern="1200">
+                <a:solidFill>
+                  <a:schemeClr val="tx1"/>
+                </a:solidFill>
+                <a:latin typeface="+mn-lt"/>
+                <a:ea typeface="+mn-ea"/>
+                <a:cs typeface="+mn-cs"/>
+              </a:defRPr>
+            </a:lvl9pPr>
+          </a:lstStyle>
+          <a:p>
+            <a:r>
+              <a:rPr lang="fi-FI" dirty="0" err="1" smtClean="0"/>
+              <a:t>Relation</a:t>
+            </a:r>
+            <a:r>
+              <a:rPr lang="fi-FI" dirty="0" smtClean="0"/>
+              <a:t> </a:t>
+            </a:r>
+            <a:r>
+              <a:rPr lang="fi-FI" dirty="0" err="1" smtClean="0"/>
+              <a:t>between</a:t>
+            </a:r>
+            <a:r>
+              <a:rPr lang="fi-FI" dirty="0" smtClean="0"/>
+              <a:t> </a:t>
+            </a:r>
+            <a:r>
+              <a:rPr lang="fi-FI" dirty="0" err="1" smtClean="0"/>
+              <a:t>code</a:t>
+            </a:r>
+            <a:r>
+              <a:rPr lang="fi-FI" dirty="0" smtClean="0"/>
+              <a:t> and </a:t>
+            </a:r>
+            <a:r>
+              <a:rPr lang="fi-FI" dirty="0" err="1" smtClean="0"/>
+              <a:t>Kactus</a:t>
+            </a:r>
+            <a:r>
+              <a:rPr lang="fi-FI" dirty="0" smtClean="0"/>
+              <a:t> </a:t>
+            </a:r>
+            <a:r>
+              <a:rPr lang="fi-FI" dirty="0" err="1" smtClean="0"/>
+              <a:t>should</a:t>
+            </a:r>
+            <a:r>
+              <a:rPr lang="fi-FI" dirty="0" smtClean="0"/>
+              <a:t> </a:t>
+            </a:r>
+            <a:r>
+              <a:rPr lang="fi-FI" dirty="0" err="1" smtClean="0"/>
+              <a:t>be</a:t>
+            </a:r>
+            <a:r>
+              <a:rPr lang="fi-FI" dirty="0" smtClean="0"/>
+              <a:t> </a:t>
+            </a:r>
+            <a:r>
+              <a:rPr lang="fi-FI" dirty="0" err="1" smtClean="0"/>
+              <a:t>obvious</a:t>
+            </a:r>
+            <a:endParaRPr lang="en-US" dirty="0"/>
+          </a:p>
+        </p:txBody>
+      </p:sp>
+    </p:spTree>
+    <p:extLst>
+      <p:ext uri="{BB962C8B-B14F-4D97-AF65-F5344CB8AC3E}">
+        <p14:creationId xmlns:p14="http://schemas.microsoft.com/office/powerpoint/2010/main" val="2399230341"/>
+      </p:ext>
+    </p:extLst>
+  </p:cSld>
+  <p:clrMapOvr>
+    <a:masterClrMapping/>
+  </p:clrMapOvr>
+  <p:timing>
+    <p:tnLst>
+      <p:par>
+        <p:cTn id="1" dur="indefinite" restart="never" nodeType="tmRoot"/>
+      </p:par>
+    </p:tnLst>
+  </p:timing>
+</p:sld>
+</file>
+
+<file path=ppt/slides/slide7.xml><?xml version="1.0" encoding="utf-8"?>
+<p:sld xmlns:a="http://schemas.openxmlformats.org/drawingml/2006/main" xmlns:r="http://schemas.openxmlformats.org/officeDocument/2006/relationships" xmlns:p="http://schemas.openxmlformats.org/presentationml/2006/main">
+  <p:cSld>
+    <p:spTree>
+      <p:nvGrpSpPr>
+        <p:cNvPr id="1" name=""/>
+        <p:cNvGrpSpPr/>
+        <p:nvPr/>
+      </p:nvGrpSpPr>
+      <p:grpSpPr>
+        <a:xfrm>
+          <a:off x="0" y="0"/>
+          <a:ext cx="0" cy="0"/>
+          <a:chOff x="0" y="0"/>
+          <a:chExt cx="0" cy="0"/>
+        </a:xfrm>
+      </p:grpSpPr>
+      <p:sp>
+        <p:nvSpPr>
+          <p:cNvPr id="2" name="Title 1"/>
+          <p:cNvSpPr>
+            <a:spLocks noGrp="1"/>
+          </p:cNvSpPr>
+          <p:nvPr>
+            <p:ph type="title"/>
+          </p:nvPr>
+        </p:nvSpPr>
         <p:spPr/>
         <p:txBody>
           <a:bodyPr/>
@@ -4474,16 +5689,3702 @@
           <a:p>
             <a:r>
               <a:rPr lang="fi-FI" dirty="0" smtClean="0"/>
+              <a:t>Memory </a:t>
+            </a:r>
+            <a:r>
+              <a:rPr lang="fi-FI" dirty="0" err="1" smtClean="0"/>
+              <a:t>map</a:t>
+            </a:r>
+            <a:endParaRPr lang="en-US" dirty="0"/>
+          </a:p>
+        </p:txBody>
+      </p:sp>
+      <p:sp>
+        <p:nvSpPr>
+          <p:cNvPr id="3" name="Content Placeholder 2"/>
+          <p:cNvSpPr>
+            <a:spLocks noGrp="1"/>
+          </p:cNvSpPr>
+          <p:nvPr>
+            <p:ph idx="1"/>
+          </p:nvPr>
+        </p:nvSpPr>
+        <p:spPr>
+          <a:xfrm>
+            <a:off x="457200" y="4581128"/>
+            <a:ext cx="8229600" cy="1545035"/>
+          </a:xfrm>
+        </p:spPr>
+        <p:txBody>
+          <a:bodyPr/>
+          <a:lstStyle/>
+          <a:p>
+            <a:r>
+              <a:rPr lang="fi-FI" dirty="0" smtClean="0"/>
               <a:t>a</a:t>
             </a:r>
             <a:endParaRPr lang="en-US" dirty="0"/>
           </a:p>
         </p:txBody>
       </p:sp>
+      <p:sp>
+        <p:nvSpPr>
+          <p:cNvPr id="4" name="Rectangle 3"/>
+          <p:cNvSpPr/>
+          <p:nvPr/>
+        </p:nvSpPr>
+        <p:spPr>
+          <a:xfrm>
+            <a:off x="2195736" y="2252772"/>
+            <a:ext cx="1780749" cy="1824300"/>
+          </a:xfrm>
+          <a:prstGeom prst="rect">
+            <a:avLst/>
+          </a:prstGeom>
+          <a:solidFill>
+            <a:srgbClr val="C3D0F0"/>
+          </a:solidFill>
+          <a:ln w="12700">
+            <a:solidFill>
+              <a:schemeClr val="tx1"/>
+            </a:solidFill>
+            <a:tailEnd type="none"/>
+          </a:ln>
+          <a:effectLst/>
+        </p:spPr>
+        <p:style>
+          <a:lnRef idx="1">
+            <a:schemeClr val="accent4"/>
+          </a:lnRef>
+          <a:fillRef idx="2">
+            <a:schemeClr val="accent4"/>
+          </a:fillRef>
+          <a:effectRef idx="1">
+            <a:schemeClr val="accent4"/>
+          </a:effectRef>
+          <a:fontRef idx="minor">
+            <a:schemeClr val="dk1"/>
+          </a:fontRef>
+        </p:style>
+        <p:txBody>
+          <a:bodyPr tIns="0" bIns="0" anchor="t" anchorCtr="0">
+            <a:noAutofit/>
+          </a:bodyPr>
+          <a:lstStyle>
+            <a:defPPr>
+              <a:defRPr lang="en-US"/>
+            </a:defPPr>
+            <a:lvl1pPr marL="0" algn="l" defTabSz="914400" rtl="0" eaLnBrk="1" latinLnBrk="0" hangingPunct="1">
+              <a:defRPr sz="1800" kern="1200">
+                <a:solidFill>
+                  <a:schemeClr val="dk1"/>
+                </a:solidFill>
+                <a:latin typeface="+mn-lt"/>
+                <a:ea typeface="+mn-ea"/>
+                <a:cs typeface="+mn-cs"/>
+              </a:defRPr>
+            </a:lvl1pPr>
+            <a:lvl2pPr marL="457200" algn="l" defTabSz="914400" rtl="0" eaLnBrk="1" latinLnBrk="0" hangingPunct="1">
+              <a:defRPr sz="1800" kern="1200">
+                <a:solidFill>
+                  <a:schemeClr val="dk1"/>
+                </a:solidFill>
+                <a:latin typeface="+mn-lt"/>
+                <a:ea typeface="+mn-ea"/>
+                <a:cs typeface="+mn-cs"/>
+              </a:defRPr>
+            </a:lvl2pPr>
+            <a:lvl3pPr marL="914400" algn="l" defTabSz="914400" rtl="0" eaLnBrk="1" latinLnBrk="0" hangingPunct="1">
+              <a:defRPr sz="1800" kern="1200">
+                <a:solidFill>
+                  <a:schemeClr val="dk1"/>
+                </a:solidFill>
+                <a:latin typeface="+mn-lt"/>
+                <a:ea typeface="+mn-ea"/>
+                <a:cs typeface="+mn-cs"/>
+              </a:defRPr>
+            </a:lvl3pPr>
+            <a:lvl4pPr marL="1371600" algn="l" defTabSz="914400" rtl="0" eaLnBrk="1" latinLnBrk="0" hangingPunct="1">
+              <a:defRPr sz="1800" kern="1200">
+                <a:solidFill>
+                  <a:schemeClr val="dk1"/>
+                </a:solidFill>
+                <a:latin typeface="+mn-lt"/>
+                <a:ea typeface="+mn-ea"/>
+                <a:cs typeface="+mn-cs"/>
+              </a:defRPr>
+            </a:lvl4pPr>
+            <a:lvl5pPr marL="1828800" algn="l" defTabSz="914400" rtl="0" eaLnBrk="1" latinLnBrk="0" hangingPunct="1">
+              <a:defRPr sz="1800" kern="1200">
+                <a:solidFill>
+                  <a:schemeClr val="dk1"/>
+                </a:solidFill>
+                <a:latin typeface="+mn-lt"/>
+                <a:ea typeface="+mn-ea"/>
+                <a:cs typeface="+mn-cs"/>
+              </a:defRPr>
+            </a:lvl5pPr>
+            <a:lvl6pPr marL="2286000" algn="l" defTabSz="914400" rtl="0" eaLnBrk="1" latinLnBrk="0" hangingPunct="1">
+              <a:defRPr sz="1800" kern="1200">
+                <a:solidFill>
+                  <a:schemeClr val="dk1"/>
+                </a:solidFill>
+                <a:latin typeface="+mn-lt"/>
+                <a:ea typeface="+mn-ea"/>
+                <a:cs typeface="+mn-cs"/>
+              </a:defRPr>
+            </a:lvl6pPr>
+            <a:lvl7pPr marL="2743200" algn="l" defTabSz="914400" rtl="0" eaLnBrk="1" latinLnBrk="0" hangingPunct="1">
+              <a:defRPr sz="1800" kern="1200">
+                <a:solidFill>
+                  <a:schemeClr val="dk1"/>
+                </a:solidFill>
+                <a:latin typeface="+mn-lt"/>
+                <a:ea typeface="+mn-ea"/>
+                <a:cs typeface="+mn-cs"/>
+              </a:defRPr>
+            </a:lvl7pPr>
+            <a:lvl8pPr marL="3200400" algn="l" defTabSz="914400" rtl="0" eaLnBrk="1" latinLnBrk="0" hangingPunct="1">
+              <a:defRPr sz="1800" kern="1200">
+                <a:solidFill>
+                  <a:schemeClr val="dk1"/>
+                </a:solidFill>
+                <a:latin typeface="+mn-lt"/>
+                <a:ea typeface="+mn-ea"/>
+                <a:cs typeface="+mn-cs"/>
+              </a:defRPr>
+            </a:lvl8pPr>
+            <a:lvl9pPr marL="3657600" algn="l" defTabSz="914400" rtl="0" eaLnBrk="1" latinLnBrk="0" hangingPunct="1">
+              <a:defRPr sz="1800" kern="1200">
+                <a:solidFill>
+                  <a:schemeClr val="dk1"/>
+                </a:solidFill>
+                <a:latin typeface="+mn-lt"/>
+                <a:ea typeface="+mn-ea"/>
+                <a:cs typeface="+mn-cs"/>
+              </a:defRPr>
+            </a:lvl9pPr>
+          </a:lstStyle>
+          <a:p>
+            <a:pPr algn="ctr" fontAlgn="base">
+              <a:spcBef>
+                <a:spcPct val="0"/>
+              </a:spcBef>
+              <a:spcAft>
+                <a:spcPct val="0"/>
+              </a:spcAft>
+            </a:pPr>
+            <a:r>
+              <a:rPr lang="fi-FI" sz="1200" b="1" i="1" dirty="0" smtClean="0">
+                <a:solidFill>
+                  <a:prstClr val="black"/>
+                </a:solidFill>
+                <a:latin typeface="Calibri" pitchFamily="34" charset="0"/>
+                <a:cs typeface="Calibri" pitchFamily="34" charset="0"/>
+              </a:rPr>
+              <a:t>component</a:t>
+            </a:r>
+            <a:r>
+              <a:rPr lang="fi-FI" sz="1200" b="1" dirty="0" smtClean="0">
+                <a:solidFill>
+                  <a:prstClr val="black"/>
+                </a:solidFill>
+                <a:latin typeface="Calibri" pitchFamily="34" charset="0"/>
+                <a:cs typeface="Calibri" pitchFamily="34" charset="0"/>
+              </a:rPr>
+              <a:t> </a:t>
+            </a:r>
+            <a:r>
+              <a:rPr lang="fi-FI" sz="1200" b="1" dirty="0" err="1" smtClean="0">
+                <a:solidFill>
+                  <a:prstClr val="black"/>
+                </a:solidFill>
+                <a:latin typeface="Calibri" pitchFamily="34" charset="0"/>
+                <a:cs typeface="Calibri" pitchFamily="34" charset="0"/>
+              </a:rPr>
+              <a:t>AccelA</a:t>
+            </a:r>
+            <a:endParaRPr lang="fi-FI" sz="1200" b="1" dirty="0" smtClean="0">
+              <a:solidFill>
+                <a:prstClr val="black"/>
+              </a:solidFill>
+              <a:latin typeface="Calibri" pitchFamily="34" charset="0"/>
+              <a:cs typeface="Calibri" pitchFamily="34" charset="0"/>
+            </a:endParaRPr>
+          </a:p>
+        </p:txBody>
+      </p:sp>
+      <p:sp>
+        <p:nvSpPr>
+          <p:cNvPr id="5" name="Flowchart: Off-page Connector 4"/>
+          <p:cNvSpPr/>
+          <p:nvPr/>
+        </p:nvSpPr>
+        <p:spPr>
+          <a:xfrm rot="5400000">
+            <a:off x="3779892" y="2847149"/>
+            <a:ext cx="360040" cy="360000"/>
+          </a:xfrm>
+          <a:prstGeom prst="flowChartOffpageConnector">
+            <a:avLst/>
+          </a:prstGeom>
+          <a:solidFill>
+            <a:srgbClr val="00B050"/>
+          </a:solidFill>
+          <a:ln>
+            <a:solidFill>
+              <a:schemeClr val="tx1"/>
+            </a:solidFill>
+          </a:ln>
+        </p:spPr>
+        <p:style>
+          <a:lnRef idx="2">
+            <a:schemeClr val="accent1">
+              <a:shade val="50000"/>
+            </a:schemeClr>
+          </a:lnRef>
+          <a:fillRef idx="1">
+            <a:schemeClr val="accent1"/>
+          </a:fillRef>
+          <a:effectRef idx="0">
+            <a:schemeClr val="accent1"/>
+          </a:effectRef>
+          <a:fontRef idx="minor">
+            <a:schemeClr val="lt1"/>
+          </a:fontRef>
+        </p:style>
+        <p:txBody>
+          <a:bodyPr rtlCol="0" anchor="ctr"/>
+          <a:lstStyle/>
+          <a:p>
+            <a:pPr algn="ctr"/>
+            <a:endParaRPr lang="en-US" sz="1200"/>
+          </a:p>
+        </p:txBody>
+      </p:sp>
+      <p:sp>
+        <p:nvSpPr>
+          <p:cNvPr id="11" name="TextBox 10"/>
+          <p:cNvSpPr txBox="1"/>
+          <p:nvPr/>
+        </p:nvSpPr>
+        <p:spPr>
+          <a:xfrm>
+            <a:off x="4177763" y="2712912"/>
+            <a:ext cx="935384" cy="276999"/>
+          </a:xfrm>
+          <a:prstGeom prst="rect">
+            <a:avLst/>
+          </a:prstGeom>
+          <a:noFill/>
+        </p:spPr>
+        <p:txBody>
+          <a:bodyPr wrap="none" rtlCol="0">
+            <a:spAutoFit/>
+          </a:bodyPr>
+          <a:lstStyle/>
+          <a:p>
+            <a:r>
+              <a:rPr lang="fi-FI" sz="1200" i="1" dirty="0" err="1" smtClean="0"/>
+              <a:t>slave</a:t>
+            </a:r>
+            <a:r>
+              <a:rPr lang="fi-FI" sz="1200" dirty="0" smtClean="0"/>
+              <a:t> </a:t>
+            </a:r>
+            <a:r>
+              <a:rPr lang="fi-FI" sz="1200" dirty="0" err="1" smtClean="0"/>
+              <a:t>RegsIF</a:t>
+            </a:r>
+            <a:endParaRPr lang="en-US" sz="1200" dirty="0"/>
+          </a:p>
+        </p:txBody>
+      </p:sp>
+      <p:cxnSp>
+        <p:nvCxnSpPr>
+          <p:cNvPr id="13" name="Straight Connector 12"/>
+          <p:cNvCxnSpPr>
+            <a:stCxn id="5" idx="0"/>
+          </p:cNvCxnSpPr>
+          <p:nvPr/>
+        </p:nvCxnSpPr>
+        <p:spPr>
+          <a:xfrm>
+            <a:off x="4139912" y="3027149"/>
+            <a:ext cx="831339" cy="0"/>
+          </a:xfrm>
+          <a:prstGeom prst="line">
+            <a:avLst/>
+          </a:prstGeom>
+          <a:ln w="28575">
+            <a:solidFill>
+              <a:schemeClr val="tx1"/>
+            </a:solidFill>
+          </a:ln>
+        </p:spPr>
+        <p:style>
+          <a:lnRef idx="1">
+            <a:schemeClr val="accent1"/>
+          </a:lnRef>
+          <a:fillRef idx="0">
+            <a:schemeClr val="accent1"/>
+          </a:fillRef>
+          <a:effectRef idx="0">
+            <a:schemeClr val="accent1"/>
+          </a:effectRef>
+          <a:fontRef idx="minor">
+            <a:schemeClr val="tx1"/>
+          </a:fontRef>
+        </p:style>
+      </p:cxnSp>
+      <p:sp>
+        <p:nvSpPr>
+          <p:cNvPr id="15" name="TextBox 14"/>
+          <p:cNvSpPr txBox="1"/>
+          <p:nvPr/>
+        </p:nvSpPr>
+        <p:spPr>
+          <a:xfrm>
+            <a:off x="2241970" y="2539933"/>
+            <a:ext cx="1410130" cy="276999"/>
+          </a:xfrm>
+          <a:prstGeom prst="rect">
+            <a:avLst/>
+          </a:prstGeom>
+          <a:noFill/>
+        </p:spPr>
+        <p:txBody>
+          <a:bodyPr wrap="none" rtlCol="0">
+            <a:spAutoFit/>
+          </a:bodyPr>
+          <a:lstStyle/>
+          <a:p>
+            <a:r>
+              <a:rPr lang="fi-FI" sz="1200" i="1" dirty="0" err="1" smtClean="0"/>
+              <a:t>memory</a:t>
+            </a:r>
+            <a:r>
+              <a:rPr lang="fi-FI" sz="1200" i="1" dirty="0" smtClean="0"/>
+              <a:t> </a:t>
+            </a:r>
+            <a:r>
+              <a:rPr lang="fi-FI" sz="1200" i="1" dirty="0" err="1" smtClean="0"/>
+              <a:t>map</a:t>
+            </a:r>
+            <a:r>
+              <a:rPr lang="fi-FI" sz="1200" dirty="0" smtClean="0"/>
+              <a:t> MM0</a:t>
+            </a:r>
+            <a:endParaRPr lang="en-US" sz="1200" dirty="0"/>
+          </a:p>
+        </p:txBody>
+      </p:sp>
+      <p:sp>
+        <p:nvSpPr>
+          <p:cNvPr id="14" name="Left-Right Arrow 13"/>
+          <p:cNvSpPr/>
+          <p:nvPr/>
+        </p:nvSpPr>
+        <p:spPr>
+          <a:xfrm>
+            <a:off x="3364068" y="2925455"/>
+            <a:ext cx="360040" cy="215804"/>
+          </a:xfrm>
+          <a:prstGeom prst="leftRightArrow">
+            <a:avLst/>
+          </a:prstGeom>
+          <a:solidFill>
+            <a:schemeClr val="bg1"/>
+          </a:solidFill>
+        </p:spPr>
+        <p:style>
+          <a:lnRef idx="2">
+            <a:schemeClr val="accent1">
+              <a:shade val="50000"/>
+            </a:schemeClr>
+          </a:lnRef>
+          <a:fillRef idx="1">
+            <a:schemeClr val="accent1"/>
+          </a:fillRef>
+          <a:effectRef idx="0">
+            <a:schemeClr val="accent1"/>
+          </a:effectRef>
+          <a:fontRef idx="minor">
+            <a:schemeClr val="lt1"/>
+          </a:fontRef>
+        </p:style>
+        <p:txBody>
+          <a:bodyPr rtlCol="0" anchor="ctr"/>
+          <a:lstStyle/>
+          <a:p>
+            <a:pPr algn="ctr"/>
+            <a:endParaRPr lang="en-US" sz="1200"/>
+          </a:p>
+        </p:txBody>
+      </p:sp>
+      <p:sp>
+        <p:nvSpPr>
+          <p:cNvPr id="16" name="Flowchart: Process 15"/>
+          <p:cNvSpPr/>
+          <p:nvPr/>
+        </p:nvSpPr>
+        <p:spPr>
+          <a:xfrm>
+            <a:off x="2571980" y="2811125"/>
+            <a:ext cx="720000" cy="144000"/>
+          </a:xfrm>
+          <a:prstGeom prst="flowChartProcess">
+            <a:avLst/>
+          </a:prstGeom>
+          <a:solidFill>
+            <a:schemeClr val="bg1"/>
+          </a:solidFill>
+        </p:spPr>
+        <p:style>
+          <a:lnRef idx="2">
+            <a:schemeClr val="accent1">
+              <a:shade val="50000"/>
+            </a:schemeClr>
+          </a:lnRef>
+          <a:fillRef idx="1">
+            <a:schemeClr val="accent1"/>
+          </a:fillRef>
+          <a:effectRef idx="0">
+            <a:schemeClr val="accent1"/>
+          </a:effectRef>
+          <a:fontRef idx="minor">
+            <a:schemeClr val="lt1"/>
+          </a:fontRef>
+        </p:style>
+        <p:txBody>
+          <a:bodyPr rtlCol="0" anchor="ctr"/>
+          <a:lstStyle/>
+          <a:p>
+            <a:pPr algn="ctr"/>
+            <a:endParaRPr lang="en-US" sz="1200"/>
+          </a:p>
+        </p:txBody>
+      </p:sp>
+      <p:sp>
+        <p:nvSpPr>
+          <p:cNvPr id="19" name="Flowchart: Process 18"/>
+          <p:cNvSpPr/>
+          <p:nvPr/>
+        </p:nvSpPr>
+        <p:spPr>
+          <a:xfrm>
+            <a:off x="2571980" y="3099157"/>
+            <a:ext cx="720000" cy="144000"/>
+          </a:xfrm>
+          <a:prstGeom prst="flowChartProcess">
+            <a:avLst/>
+          </a:prstGeom>
+          <a:solidFill>
+            <a:schemeClr val="bg1"/>
+          </a:solidFill>
+        </p:spPr>
+        <p:style>
+          <a:lnRef idx="2">
+            <a:schemeClr val="accent1">
+              <a:shade val="50000"/>
+            </a:schemeClr>
+          </a:lnRef>
+          <a:fillRef idx="1">
+            <a:schemeClr val="accent1"/>
+          </a:fillRef>
+          <a:effectRef idx="0">
+            <a:schemeClr val="accent1"/>
+          </a:effectRef>
+          <a:fontRef idx="minor">
+            <a:schemeClr val="lt1"/>
+          </a:fontRef>
+        </p:style>
+        <p:txBody>
+          <a:bodyPr rtlCol="0" anchor="ctr"/>
+          <a:lstStyle/>
+          <a:p>
+            <a:pPr algn="ctr"/>
+            <a:endParaRPr lang="en-US" sz="1200"/>
+          </a:p>
+        </p:txBody>
+      </p:sp>
+      <p:sp>
+        <p:nvSpPr>
+          <p:cNvPr id="20" name="Flowchart: Process 19"/>
+          <p:cNvSpPr/>
+          <p:nvPr/>
+        </p:nvSpPr>
+        <p:spPr>
+          <a:xfrm>
+            <a:off x="2571980" y="2955157"/>
+            <a:ext cx="720000" cy="144000"/>
+          </a:xfrm>
+          <a:prstGeom prst="flowChartProcess">
+            <a:avLst/>
+          </a:prstGeom>
+          <a:solidFill>
+            <a:schemeClr val="bg1"/>
+          </a:solidFill>
+        </p:spPr>
+        <p:style>
+          <a:lnRef idx="2">
+            <a:schemeClr val="accent1">
+              <a:shade val="50000"/>
+            </a:schemeClr>
+          </a:lnRef>
+          <a:fillRef idx="1">
+            <a:schemeClr val="accent1"/>
+          </a:fillRef>
+          <a:effectRef idx="0">
+            <a:schemeClr val="accent1"/>
+          </a:effectRef>
+          <a:fontRef idx="minor">
+            <a:schemeClr val="lt1"/>
+          </a:fontRef>
+        </p:style>
+        <p:txBody>
+          <a:bodyPr rtlCol="0" anchor="ctr"/>
+          <a:lstStyle/>
+          <a:p>
+            <a:pPr algn="ctr"/>
+            <a:endParaRPr lang="en-US" sz="1200"/>
+          </a:p>
+        </p:txBody>
+      </p:sp>
+      <p:sp>
+        <p:nvSpPr>
+          <p:cNvPr id="29" name="TextBox 28"/>
+          <p:cNvSpPr txBox="1"/>
+          <p:nvPr/>
+        </p:nvSpPr>
+        <p:spPr>
+          <a:xfrm>
+            <a:off x="2784358" y="2744924"/>
+            <a:ext cx="295274" cy="246221"/>
+          </a:xfrm>
+          <a:prstGeom prst="rect">
+            <a:avLst/>
+          </a:prstGeom>
+          <a:noFill/>
+        </p:spPr>
+        <p:txBody>
+          <a:bodyPr wrap="none" rtlCol="0">
+            <a:spAutoFit/>
+          </a:bodyPr>
+          <a:lstStyle/>
+          <a:p>
+            <a:r>
+              <a:rPr lang="fi-FI" sz="1000" dirty="0" smtClean="0"/>
+              <a:t>r0</a:t>
+            </a:r>
+            <a:endParaRPr lang="en-US" sz="1000" dirty="0"/>
+          </a:p>
+        </p:txBody>
+      </p:sp>
+      <p:sp>
+        <p:nvSpPr>
+          <p:cNvPr id="30" name="TextBox 29"/>
+          <p:cNvSpPr txBox="1"/>
+          <p:nvPr/>
+        </p:nvSpPr>
+        <p:spPr>
+          <a:xfrm>
+            <a:off x="2784358" y="2897324"/>
+            <a:ext cx="295274" cy="246221"/>
+          </a:xfrm>
+          <a:prstGeom prst="rect">
+            <a:avLst/>
+          </a:prstGeom>
+          <a:noFill/>
+        </p:spPr>
+        <p:txBody>
+          <a:bodyPr wrap="none" rtlCol="0">
+            <a:spAutoFit/>
+          </a:bodyPr>
+          <a:lstStyle/>
+          <a:p>
+            <a:r>
+              <a:rPr lang="fi-FI" sz="1000" dirty="0" smtClean="0"/>
+              <a:t>r1</a:t>
+            </a:r>
+            <a:endParaRPr lang="en-US" sz="1000" dirty="0"/>
+          </a:p>
+        </p:txBody>
+      </p:sp>
+      <p:sp>
+        <p:nvSpPr>
+          <p:cNvPr id="31" name="TextBox 30"/>
+          <p:cNvSpPr txBox="1"/>
+          <p:nvPr/>
+        </p:nvSpPr>
+        <p:spPr>
+          <a:xfrm>
+            <a:off x="2784358" y="3040099"/>
+            <a:ext cx="295274" cy="246221"/>
+          </a:xfrm>
+          <a:prstGeom prst="rect">
+            <a:avLst/>
+          </a:prstGeom>
+          <a:noFill/>
+        </p:spPr>
+        <p:txBody>
+          <a:bodyPr wrap="none" rtlCol="0">
+            <a:spAutoFit/>
+          </a:bodyPr>
+          <a:lstStyle/>
+          <a:p>
+            <a:r>
+              <a:rPr lang="fi-FI" sz="1000" dirty="0" smtClean="0"/>
+              <a:t>r2</a:t>
+            </a:r>
+            <a:endParaRPr lang="en-US" sz="1000" dirty="0"/>
+          </a:p>
+        </p:txBody>
+      </p:sp>
+      <p:sp>
+        <p:nvSpPr>
+          <p:cNvPr id="35" name="TextBox 34"/>
+          <p:cNvSpPr txBox="1"/>
+          <p:nvPr/>
+        </p:nvSpPr>
+        <p:spPr>
+          <a:xfrm>
+            <a:off x="2241970" y="3255139"/>
+            <a:ext cx="1122098" cy="461893"/>
+          </a:xfrm>
+          <a:prstGeom prst="rect">
+            <a:avLst/>
+          </a:prstGeom>
+          <a:noFill/>
+        </p:spPr>
+        <p:txBody>
+          <a:bodyPr wrap="square" rtlCol="0">
+            <a:spAutoFit/>
+          </a:bodyPr>
+          <a:lstStyle/>
+          <a:p>
+            <a:r>
+              <a:rPr lang="fi-FI" sz="1200" i="1" dirty="0" err="1" smtClean="0"/>
+              <a:t>memory</a:t>
+            </a:r>
+            <a:r>
+              <a:rPr lang="fi-FI" sz="1200" i="1" dirty="0" smtClean="0"/>
+              <a:t> </a:t>
+            </a:r>
+            <a:r>
+              <a:rPr lang="fi-FI" sz="1200" i="1" dirty="0" err="1" smtClean="0"/>
+              <a:t>map</a:t>
+            </a:r>
+            <a:r>
+              <a:rPr lang="fi-FI" sz="1200" dirty="0" smtClean="0"/>
+              <a:t> MM1</a:t>
+            </a:r>
+            <a:endParaRPr lang="en-US" sz="1200" dirty="0"/>
+          </a:p>
+        </p:txBody>
+      </p:sp>
+      <p:sp>
+        <p:nvSpPr>
+          <p:cNvPr id="36" name="Left-Right Arrow 35"/>
+          <p:cNvSpPr/>
+          <p:nvPr/>
+        </p:nvSpPr>
+        <p:spPr>
+          <a:xfrm rot="18904166">
+            <a:off x="3453319" y="3302797"/>
+            <a:ext cx="360040" cy="215804"/>
+          </a:xfrm>
+          <a:prstGeom prst="leftRightArrow">
+            <a:avLst/>
+          </a:prstGeom>
+          <a:solidFill>
+            <a:schemeClr val="bg1"/>
+          </a:solidFill>
+        </p:spPr>
+        <p:style>
+          <a:lnRef idx="2">
+            <a:schemeClr val="accent1">
+              <a:shade val="50000"/>
+            </a:schemeClr>
+          </a:lnRef>
+          <a:fillRef idx="1">
+            <a:schemeClr val="accent1"/>
+          </a:fillRef>
+          <a:effectRef idx="0">
+            <a:schemeClr val="accent1"/>
+          </a:effectRef>
+          <a:fontRef idx="minor">
+            <a:schemeClr val="lt1"/>
+          </a:fontRef>
+        </p:style>
+        <p:txBody>
+          <a:bodyPr rtlCol="0" anchor="ctr"/>
+          <a:lstStyle/>
+          <a:p>
+            <a:pPr algn="ctr"/>
+            <a:endParaRPr lang="en-US" sz="1200"/>
+          </a:p>
+        </p:txBody>
+      </p:sp>
+      <p:sp>
+        <p:nvSpPr>
+          <p:cNvPr id="37" name="Flowchart: Process 36"/>
+          <p:cNvSpPr/>
+          <p:nvPr/>
+        </p:nvSpPr>
+        <p:spPr>
+          <a:xfrm>
+            <a:off x="2699792" y="3501008"/>
+            <a:ext cx="720000" cy="432048"/>
+          </a:xfrm>
+          <a:prstGeom prst="flowChartProcess">
+            <a:avLst/>
+          </a:prstGeom>
+          <a:solidFill>
+            <a:schemeClr val="bg1"/>
+          </a:solidFill>
+        </p:spPr>
+        <p:style>
+          <a:lnRef idx="2">
+            <a:schemeClr val="accent1">
+              <a:shade val="50000"/>
+            </a:schemeClr>
+          </a:lnRef>
+          <a:fillRef idx="1">
+            <a:schemeClr val="accent1"/>
+          </a:fillRef>
+          <a:effectRef idx="0">
+            <a:schemeClr val="accent1"/>
+          </a:effectRef>
+          <a:fontRef idx="minor">
+            <a:schemeClr val="lt1"/>
+          </a:fontRef>
+        </p:style>
+        <p:txBody>
+          <a:bodyPr rtlCol="0" anchor="ctr"/>
+          <a:lstStyle/>
+          <a:p>
+            <a:pPr algn="ctr"/>
+            <a:endParaRPr lang="en-US" sz="1200"/>
+          </a:p>
+        </p:txBody>
+      </p:sp>
+      <p:sp>
+        <p:nvSpPr>
+          <p:cNvPr id="40" name="TextBox 39"/>
+          <p:cNvSpPr txBox="1"/>
+          <p:nvPr/>
+        </p:nvSpPr>
+        <p:spPr>
+          <a:xfrm>
+            <a:off x="2704995" y="3645024"/>
+            <a:ext cx="453970" cy="246221"/>
+          </a:xfrm>
+          <a:prstGeom prst="rect">
+            <a:avLst/>
+          </a:prstGeom>
+          <a:noFill/>
+        </p:spPr>
+        <p:txBody>
+          <a:bodyPr wrap="none" rtlCol="0">
+            <a:spAutoFit/>
+          </a:bodyPr>
+          <a:lstStyle/>
+          <a:p>
+            <a:r>
+              <a:rPr lang="fi-FI" sz="1000" dirty="0" err="1" smtClean="0"/>
+              <a:t>mem</a:t>
+            </a:r>
+            <a:endParaRPr lang="en-US" sz="1000" dirty="0"/>
+          </a:p>
+        </p:txBody>
+      </p:sp>
+      <p:grpSp>
+        <p:nvGrpSpPr>
+          <p:cNvPr id="51" name="Group 50"/>
+          <p:cNvGrpSpPr/>
+          <p:nvPr/>
+        </p:nvGrpSpPr>
+        <p:grpSpPr>
+          <a:xfrm flipH="1">
+            <a:off x="3859064" y="2575584"/>
+            <a:ext cx="627134" cy="279083"/>
+            <a:chOff x="1763543" y="1285552"/>
+            <a:chExt cx="854669" cy="378042"/>
+          </a:xfrm>
+        </p:grpSpPr>
+        <p:cxnSp>
+          <p:nvCxnSpPr>
+            <p:cNvPr id="52" name="Straight Connector 51"/>
+            <p:cNvCxnSpPr/>
+            <p:nvPr/>
+          </p:nvCxnSpPr>
+          <p:spPr>
+            <a:xfrm>
+              <a:off x="2402228" y="1448780"/>
+              <a:ext cx="215984" cy="0"/>
+            </a:xfrm>
+            <a:prstGeom prst="line">
+              <a:avLst/>
+            </a:prstGeom>
+            <a:ln w="12700">
+              <a:solidFill>
+                <a:schemeClr val="tx1"/>
+              </a:solidFill>
+              <a:prstDash val="dash"/>
+            </a:ln>
+          </p:spPr>
+          <p:style>
+            <a:lnRef idx="1">
+              <a:schemeClr val="accent1"/>
+            </a:lnRef>
+            <a:fillRef idx="0">
+              <a:schemeClr val="accent1"/>
+            </a:fillRef>
+            <a:effectRef idx="0">
+              <a:schemeClr val="accent1"/>
+            </a:effectRef>
+            <a:fontRef idx="minor">
+              <a:schemeClr val="tx1"/>
+            </a:fontRef>
+          </p:style>
+        </p:cxnSp>
+        <p:sp>
+          <p:nvSpPr>
+            <p:cNvPr id="53" name="Pie 52"/>
+            <p:cNvSpPr/>
+            <p:nvPr/>
+          </p:nvSpPr>
+          <p:spPr>
+            <a:xfrm rot="10637019">
+              <a:off x="1763543" y="1285552"/>
+              <a:ext cx="630080" cy="378042"/>
+            </a:xfrm>
+            <a:prstGeom prst="pie">
+              <a:avLst>
+                <a:gd name="adj1" fmla="val 9399009"/>
+                <a:gd name="adj2" fmla="val 12147037"/>
+              </a:avLst>
+            </a:prstGeom>
+            <a:solidFill>
+              <a:schemeClr val="bg1"/>
+            </a:solidFill>
+            <a:ln>
+              <a:solidFill>
+                <a:schemeClr val="tx1"/>
+              </a:solidFill>
+            </a:ln>
+          </p:spPr>
+          <p:style>
+            <a:lnRef idx="2">
+              <a:schemeClr val="accent1">
+                <a:shade val="50000"/>
+              </a:schemeClr>
+            </a:lnRef>
+            <a:fillRef idx="1">
+              <a:schemeClr val="accent1"/>
+            </a:fillRef>
+            <a:effectRef idx="0">
+              <a:schemeClr val="accent1"/>
+            </a:effectRef>
+            <a:fontRef idx="minor">
+              <a:schemeClr val="lt1"/>
+            </a:fontRef>
+          </p:style>
+          <p:txBody>
+            <a:bodyPr rtlCol="0" anchor="ctr"/>
+            <a:lstStyle/>
+            <a:p>
+              <a:pPr algn="ctr"/>
+              <a:endParaRPr lang="en-US">
+                <a:solidFill>
+                  <a:schemeClr val="tx1"/>
+                </a:solidFill>
+              </a:endParaRPr>
+            </a:p>
+          </p:txBody>
+        </p:sp>
+        <p:sp>
+          <p:nvSpPr>
+            <p:cNvPr id="54" name="Oval 53"/>
+            <p:cNvSpPr/>
+            <p:nvPr/>
+          </p:nvSpPr>
+          <p:spPr>
+            <a:xfrm>
+              <a:off x="2325418" y="1412776"/>
+              <a:ext cx="72048" cy="72008"/>
+            </a:xfrm>
+            <a:prstGeom prst="ellipse">
+              <a:avLst/>
+            </a:prstGeom>
+            <a:ln>
+              <a:solidFill>
+                <a:schemeClr val="tx1"/>
+              </a:solidFill>
+            </a:ln>
+          </p:spPr>
+          <p:style>
+            <a:lnRef idx="2">
+              <a:schemeClr val="accent1">
+                <a:shade val="50000"/>
+              </a:schemeClr>
+            </a:lnRef>
+            <a:fillRef idx="1">
+              <a:schemeClr val="accent1"/>
+            </a:fillRef>
+            <a:effectRef idx="0">
+              <a:schemeClr val="accent1"/>
+            </a:effectRef>
+            <a:fontRef idx="minor">
+              <a:schemeClr val="lt1"/>
+            </a:fontRef>
+          </p:style>
+          <p:txBody>
+            <a:bodyPr rtlCol="0" anchor="ctr"/>
+            <a:lstStyle/>
+            <a:p>
+              <a:pPr algn="ctr"/>
+              <a:endParaRPr lang="en-US"/>
+            </a:p>
+          </p:txBody>
+        </p:sp>
+        <p:sp>
+          <p:nvSpPr>
+            <p:cNvPr id="55" name="Freeform 54"/>
+            <p:cNvSpPr/>
+            <p:nvPr/>
+          </p:nvSpPr>
+          <p:spPr>
+            <a:xfrm>
+              <a:off x="2278892" y="1295400"/>
+              <a:ext cx="57150" cy="66675"/>
+            </a:xfrm>
+            <a:custGeom>
+              <a:avLst/>
+              <a:gdLst>
+                <a:gd name="connsiteX0" fmla="*/ 0 w 57150"/>
+                <a:gd name="connsiteY0" fmla="*/ 66675 h 66675"/>
+                <a:gd name="connsiteX1" fmla="*/ 28575 w 57150"/>
+                <a:gd name="connsiteY1" fmla="*/ 57150 h 66675"/>
+                <a:gd name="connsiteX2" fmla="*/ 57150 w 57150"/>
+                <a:gd name="connsiteY2" fmla="*/ 23813 h 66675"/>
+                <a:gd name="connsiteX3" fmla="*/ 42862 w 57150"/>
+                <a:gd name="connsiteY3" fmla="*/ 0 h 66675"/>
+              </a:gdLst>
+              <a:ahLst/>
+              <a:cxnLst>
+                <a:cxn ang="0">
+                  <a:pos x="connsiteX0" y="connsiteY0"/>
+                </a:cxn>
+                <a:cxn ang="0">
+                  <a:pos x="connsiteX1" y="connsiteY1"/>
+                </a:cxn>
+                <a:cxn ang="0">
+                  <a:pos x="connsiteX2" y="connsiteY2"/>
+                </a:cxn>
+                <a:cxn ang="0">
+                  <a:pos x="connsiteX3" y="connsiteY3"/>
+                </a:cxn>
+              </a:cxnLst>
+              <a:rect l="l" t="t" r="r" b="b"/>
+              <a:pathLst>
+                <a:path w="57150" h="66675">
+                  <a:moveTo>
+                    <a:pt x="0" y="66675"/>
+                  </a:moveTo>
+                  <a:cubicBezTo>
+                    <a:pt x="9525" y="63500"/>
+                    <a:pt x="19798" y="62026"/>
+                    <a:pt x="28575" y="57150"/>
+                  </a:cubicBezTo>
+                  <a:cubicBezTo>
+                    <a:pt x="37103" y="52412"/>
+                    <a:pt x="52224" y="30381"/>
+                    <a:pt x="57150" y="23813"/>
+                  </a:cubicBezTo>
+                  <a:cubicBezTo>
+                    <a:pt x="45656" y="6571"/>
+                    <a:pt x="50185" y="14645"/>
+                    <a:pt x="42862" y="0"/>
+                  </a:cubicBezTo>
+                </a:path>
+              </a:pathLst>
+            </a:custGeom>
+            <a:noFill/>
+            <a:ln w="19050">
+              <a:solidFill>
+                <a:schemeClr val="tx1"/>
+              </a:solidFill>
+            </a:ln>
+          </p:spPr>
+          <p:style>
+            <a:lnRef idx="2">
+              <a:schemeClr val="accent1">
+                <a:shade val="50000"/>
+              </a:schemeClr>
+            </a:lnRef>
+            <a:fillRef idx="1">
+              <a:schemeClr val="accent1"/>
+            </a:fillRef>
+            <a:effectRef idx="0">
+              <a:schemeClr val="accent1"/>
+            </a:effectRef>
+            <a:fontRef idx="minor">
+              <a:schemeClr val="lt1"/>
+            </a:fontRef>
+          </p:style>
+          <p:txBody>
+            <a:bodyPr rtlCol="0" anchor="ctr"/>
+            <a:lstStyle/>
+            <a:p>
+              <a:pPr algn="ctr"/>
+              <a:endParaRPr lang="en-US"/>
+            </a:p>
+          </p:txBody>
+        </p:sp>
+        <p:sp>
+          <p:nvSpPr>
+            <p:cNvPr id="56" name="Freeform 55"/>
+            <p:cNvSpPr/>
+            <p:nvPr/>
+          </p:nvSpPr>
+          <p:spPr>
+            <a:xfrm>
+              <a:off x="2224872" y="1321147"/>
+              <a:ext cx="57150" cy="66675"/>
+            </a:xfrm>
+            <a:custGeom>
+              <a:avLst/>
+              <a:gdLst>
+                <a:gd name="connsiteX0" fmla="*/ 0 w 57150"/>
+                <a:gd name="connsiteY0" fmla="*/ 66675 h 66675"/>
+                <a:gd name="connsiteX1" fmla="*/ 28575 w 57150"/>
+                <a:gd name="connsiteY1" fmla="*/ 57150 h 66675"/>
+                <a:gd name="connsiteX2" fmla="*/ 57150 w 57150"/>
+                <a:gd name="connsiteY2" fmla="*/ 23813 h 66675"/>
+                <a:gd name="connsiteX3" fmla="*/ 42862 w 57150"/>
+                <a:gd name="connsiteY3" fmla="*/ 0 h 66675"/>
+              </a:gdLst>
+              <a:ahLst/>
+              <a:cxnLst>
+                <a:cxn ang="0">
+                  <a:pos x="connsiteX0" y="connsiteY0"/>
+                </a:cxn>
+                <a:cxn ang="0">
+                  <a:pos x="connsiteX1" y="connsiteY1"/>
+                </a:cxn>
+                <a:cxn ang="0">
+                  <a:pos x="connsiteX2" y="connsiteY2"/>
+                </a:cxn>
+                <a:cxn ang="0">
+                  <a:pos x="connsiteX3" y="connsiteY3"/>
+                </a:cxn>
+              </a:cxnLst>
+              <a:rect l="l" t="t" r="r" b="b"/>
+              <a:pathLst>
+                <a:path w="57150" h="66675">
+                  <a:moveTo>
+                    <a:pt x="0" y="66675"/>
+                  </a:moveTo>
+                  <a:cubicBezTo>
+                    <a:pt x="9525" y="63500"/>
+                    <a:pt x="19798" y="62026"/>
+                    <a:pt x="28575" y="57150"/>
+                  </a:cubicBezTo>
+                  <a:cubicBezTo>
+                    <a:pt x="37103" y="52412"/>
+                    <a:pt x="52224" y="30381"/>
+                    <a:pt x="57150" y="23813"/>
+                  </a:cubicBezTo>
+                  <a:cubicBezTo>
+                    <a:pt x="45656" y="6571"/>
+                    <a:pt x="50185" y="14645"/>
+                    <a:pt x="42862" y="0"/>
+                  </a:cubicBezTo>
+                </a:path>
+              </a:pathLst>
+            </a:custGeom>
+            <a:noFill/>
+            <a:ln w="19050">
+              <a:solidFill>
+                <a:schemeClr val="tx1"/>
+              </a:solidFill>
+            </a:ln>
+          </p:spPr>
+          <p:style>
+            <a:lnRef idx="2">
+              <a:schemeClr val="accent1">
+                <a:shade val="50000"/>
+              </a:schemeClr>
+            </a:lnRef>
+            <a:fillRef idx="1">
+              <a:schemeClr val="accent1"/>
+            </a:fillRef>
+            <a:effectRef idx="0">
+              <a:schemeClr val="accent1"/>
+            </a:effectRef>
+            <a:fontRef idx="minor">
+              <a:schemeClr val="lt1"/>
+            </a:fontRef>
+          </p:style>
+          <p:txBody>
+            <a:bodyPr rtlCol="0" anchor="ctr"/>
+            <a:lstStyle/>
+            <a:p>
+              <a:pPr algn="ctr"/>
+              <a:endParaRPr lang="en-US"/>
+            </a:p>
+          </p:txBody>
+        </p:sp>
+        <p:cxnSp>
+          <p:nvCxnSpPr>
+            <p:cNvPr id="57" name="Straight Connector 56"/>
+            <p:cNvCxnSpPr/>
+            <p:nvPr/>
+          </p:nvCxnSpPr>
+          <p:spPr>
+            <a:xfrm flipV="1">
+              <a:off x="2069692" y="1322766"/>
+              <a:ext cx="327774" cy="151807"/>
+            </a:xfrm>
+            <a:prstGeom prst="line">
+              <a:avLst/>
+            </a:prstGeom>
+            <a:ln w="19050">
+              <a:solidFill>
+                <a:schemeClr val="tx1"/>
+              </a:solidFill>
+              <a:prstDash val="solid"/>
+            </a:ln>
+          </p:spPr>
+          <p:style>
+            <a:lnRef idx="1">
+              <a:schemeClr val="accent1"/>
+            </a:lnRef>
+            <a:fillRef idx="0">
+              <a:schemeClr val="accent1"/>
+            </a:fillRef>
+            <a:effectRef idx="0">
+              <a:schemeClr val="accent1"/>
+            </a:effectRef>
+            <a:fontRef idx="minor">
+              <a:schemeClr val="tx1"/>
+            </a:fontRef>
+          </p:style>
+        </p:cxnSp>
+        <p:cxnSp>
+          <p:nvCxnSpPr>
+            <p:cNvPr id="58" name="Straight Connector 57"/>
+            <p:cNvCxnSpPr/>
+            <p:nvPr/>
+          </p:nvCxnSpPr>
+          <p:spPr>
+            <a:xfrm>
+              <a:off x="2078583" y="1478435"/>
+              <a:ext cx="318883" cy="108011"/>
+            </a:xfrm>
+            <a:prstGeom prst="line">
+              <a:avLst/>
+            </a:prstGeom>
+            <a:ln w="19050">
+              <a:solidFill>
+                <a:schemeClr val="tx1"/>
+              </a:solidFill>
+              <a:prstDash val="solid"/>
+            </a:ln>
+          </p:spPr>
+          <p:style>
+            <a:lnRef idx="1">
+              <a:schemeClr val="accent1"/>
+            </a:lnRef>
+            <a:fillRef idx="0">
+              <a:schemeClr val="accent1"/>
+            </a:fillRef>
+            <a:effectRef idx="0">
+              <a:schemeClr val="accent1"/>
+            </a:effectRef>
+            <a:fontRef idx="minor">
+              <a:schemeClr val="tx1"/>
+            </a:fontRef>
+          </p:style>
+        </p:cxnSp>
+      </p:grpSp>
     </p:spTree>
     <p:extLst>
       <p:ext uri="{BB962C8B-B14F-4D97-AF65-F5344CB8AC3E}">
         <p14:creationId xmlns:p14="http://schemas.microsoft.com/office/powerpoint/2010/main" val="1293140770"/>
+      </p:ext>
+    </p:extLst>
+  </p:cSld>
+  <p:clrMapOvr>
+    <a:masterClrMapping/>
+  </p:clrMapOvr>
+  <p:timing>
+    <p:tnLst>
+      <p:par>
+        <p:cTn id="1" dur="indefinite" restart="never" nodeType="tmRoot"/>
+      </p:par>
+    </p:tnLst>
+  </p:timing>
+</p:sld>
+</file>
+
+<file path=ppt/slides/slide8.xml><?xml version="1.0" encoding="utf-8"?>
+<p:sld xmlns:a="http://schemas.openxmlformats.org/drawingml/2006/main" xmlns:r="http://schemas.openxmlformats.org/officeDocument/2006/relationships" xmlns:p="http://schemas.openxmlformats.org/presentationml/2006/main">
+  <p:cSld>
+    <p:spTree>
+      <p:nvGrpSpPr>
+        <p:cNvPr id="1" name=""/>
+        <p:cNvGrpSpPr/>
+        <p:nvPr/>
+      </p:nvGrpSpPr>
+      <p:grpSpPr>
+        <a:xfrm>
+          <a:off x="0" y="0"/>
+          <a:ext cx="0" cy="0"/>
+          <a:chOff x="0" y="0"/>
+          <a:chExt cx="0" cy="0"/>
+        </a:xfrm>
+      </p:grpSpPr>
+      <p:sp>
+        <p:nvSpPr>
+          <p:cNvPr id="45" name="Rectangle 44"/>
+          <p:cNvSpPr/>
+          <p:nvPr/>
+        </p:nvSpPr>
+        <p:spPr>
+          <a:xfrm>
+            <a:off x="4175935" y="3096201"/>
+            <a:ext cx="1080119" cy="764847"/>
+          </a:xfrm>
+          <a:prstGeom prst="rect">
+            <a:avLst/>
+          </a:prstGeom>
+          <a:solidFill>
+            <a:srgbClr val="C3D0F0"/>
+          </a:solidFill>
+          <a:ln w="12700">
+            <a:solidFill>
+              <a:schemeClr val="bg1">
+                <a:lumMod val="50000"/>
+              </a:schemeClr>
+            </a:solidFill>
+            <a:tailEnd type="none"/>
+          </a:ln>
+          <a:effectLst/>
+        </p:spPr>
+        <p:style>
+          <a:lnRef idx="1">
+            <a:schemeClr val="accent4"/>
+          </a:lnRef>
+          <a:fillRef idx="2">
+            <a:schemeClr val="accent4"/>
+          </a:fillRef>
+          <a:effectRef idx="1">
+            <a:schemeClr val="accent4"/>
+          </a:effectRef>
+          <a:fontRef idx="minor">
+            <a:schemeClr val="dk1"/>
+          </a:fontRef>
+        </p:style>
+        <p:txBody>
+          <a:bodyPr tIns="0" bIns="0" anchor="t" anchorCtr="0">
+            <a:noAutofit/>
+          </a:bodyPr>
+          <a:lstStyle>
+            <a:defPPr>
+              <a:defRPr lang="en-US"/>
+            </a:defPPr>
+            <a:lvl1pPr marL="0" algn="l" defTabSz="914400" rtl="0" eaLnBrk="1" latinLnBrk="0" hangingPunct="1">
+              <a:defRPr sz="1800" kern="1200">
+                <a:solidFill>
+                  <a:schemeClr val="dk1"/>
+                </a:solidFill>
+                <a:latin typeface="+mn-lt"/>
+                <a:ea typeface="+mn-ea"/>
+                <a:cs typeface="+mn-cs"/>
+              </a:defRPr>
+            </a:lvl1pPr>
+            <a:lvl2pPr marL="457200" algn="l" defTabSz="914400" rtl="0" eaLnBrk="1" latinLnBrk="0" hangingPunct="1">
+              <a:defRPr sz="1800" kern="1200">
+                <a:solidFill>
+                  <a:schemeClr val="dk1"/>
+                </a:solidFill>
+                <a:latin typeface="+mn-lt"/>
+                <a:ea typeface="+mn-ea"/>
+                <a:cs typeface="+mn-cs"/>
+              </a:defRPr>
+            </a:lvl2pPr>
+            <a:lvl3pPr marL="914400" algn="l" defTabSz="914400" rtl="0" eaLnBrk="1" latinLnBrk="0" hangingPunct="1">
+              <a:defRPr sz="1800" kern="1200">
+                <a:solidFill>
+                  <a:schemeClr val="dk1"/>
+                </a:solidFill>
+                <a:latin typeface="+mn-lt"/>
+                <a:ea typeface="+mn-ea"/>
+                <a:cs typeface="+mn-cs"/>
+              </a:defRPr>
+            </a:lvl3pPr>
+            <a:lvl4pPr marL="1371600" algn="l" defTabSz="914400" rtl="0" eaLnBrk="1" latinLnBrk="0" hangingPunct="1">
+              <a:defRPr sz="1800" kern="1200">
+                <a:solidFill>
+                  <a:schemeClr val="dk1"/>
+                </a:solidFill>
+                <a:latin typeface="+mn-lt"/>
+                <a:ea typeface="+mn-ea"/>
+                <a:cs typeface="+mn-cs"/>
+              </a:defRPr>
+            </a:lvl4pPr>
+            <a:lvl5pPr marL="1828800" algn="l" defTabSz="914400" rtl="0" eaLnBrk="1" latinLnBrk="0" hangingPunct="1">
+              <a:defRPr sz="1800" kern="1200">
+                <a:solidFill>
+                  <a:schemeClr val="dk1"/>
+                </a:solidFill>
+                <a:latin typeface="+mn-lt"/>
+                <a:ea typeface="+mn-ea"/>
+                <a:cs typeface="+mn-cs"/>
+              </a:defRPr>
+            </a:lvl5pPr>
+            <a:lvl6pPr marL="2286000" algn="l" defTabSz="914400" rtl="0" eaLnBrk="1" latinLnBrk="0" hangingPunct="1">
+              <a:defRPr sz="1800" kern="1200">
+                <a:solidFill>
+                  <a:schemeClr val="dk1"/>
+                </a:solidFill>
+                <a:latin typeface="+mn-lt"/>
+                <a:ea typeface="+mn-ea"/>
+                <a:cs typeface="+mn-cs"/>
+              </a:defRPr>
+            </a:lvl6pPr>
+            <a:lvl7pPr marL="2743200" algn="l" defTabSz="914400" rtl="0" eaLnBrk="1" latinLnBrk="0" hangingPunct="1">
+              <a:defRPr sz="1800" kern="1200">
+                <a:solidFill>
+                  <a:schemeClr val="dk1"/>
+                </a:solidFill>
+                <a:latin typeface="+mn-lt"/>
+                <a:ea typeface="+mn-ea"/>
+                <a:cs typeface="+mn-cs"/>
+              </a:defRPr>
+            </a:lvl7pPr>
+            <a:lvl8pPr marL="3200400" algn="l" defTabSz="914400" rtl="0" eaLnBrk="1" latinLnBrk="0" hangingPunct="1">
+              <a:defRPr sz="1800" kern="1200">
+                <a:solidFill>
+                  <a:schemeClr val="dk1"/>
+                </a:solidFill>
+                <a:latin typeface="+mn-lt"/>
+                <a:ea typeface="+mn-ea"/>
+                <a:cs typeface="+mn-cs"/>
+              </a:defRPr>
+            </a:lvl8pPr>
+            <a:lvl9pPr marL="3657600" algn="l" defTabSz="914400" rtl="0" eaLnBrk="1" latinLnBrk="0" hangingPunct="1">
+              <a:defRPr sz="1800" kern="1200">
+                <a:solidFill>
+                  <a:schemeClr val="dk1"/>
+                </a:solidFill>
+                <a:latin typeface="+mn-lt"/>
+                <a:ea typeface="+mn-ea"/>
+                <a:cs typeface="+mn-cs"/>
+              </a:defRPr>
+            </a:lvl9pPr>
+          </a:lstStyle>
+          <a:p>
+            <a:pPr algn="ctr" fontAlgn="base">
+              <a:spcBef>
+                <a:spcPct val="0"/>
+              </a:spcBef>
+              <a:spcAft>
+                <a:spcPct val="0"/>
+              </a:spcAft>
+            </a:pPr>
+            <a:r>
+              <a:rPr lang="fi-FI" sz="1200" b="1" i="1" dirty="0" smtClean="0">
+                <a:solidFill>
+                  <a:schemeClr val="bg1">
+                    <a:lumMod val="50000"/>
+                  </a:schemeClr>
+                </a:solidFill>
+                <a:latin typeface="Calibri" pitchFamily="34" charset="0"/>
+                <a:cs typeface="Calibri" pitchFamily="34" charset="0"/>
+              </a:rPr>
+              <a:t>component</a:t>
+            </a:r>
+            <a:r>
+              <a:rPr lang="fi-FI" sz="1200" b="1" dirty="0" smtClean="0">
+                <a:solidFill>
+                  <a:schemeClr val="bg1">
+                    <a:lumMod val="50000"/>
+                  </a:schemeClr>
+                </a:solidFill>
+                <a:latin typeface="Calibri" pitchFamily="34" charset="0"/>
+                <a:cs typeface="Calibri" pitchFamily="34" charset="0"/>
+              </a:rPr>
+              <a:t> Acc1</a:t>
+            </a:r>
+          </a:p>
+        </p:txBody>
+      </p:sp>
+      <p:sp>
+        <p:nvSpPr>
+          <p:cNvPr id="44" name="Rectangle 43"/>
+          <p:cNvSpPr/>
+          <p:nvPr/>
+        </p:nvSpPr>
+        <p:spPr>
+          <a:xfrm>
+            <a:off x="4175935" y="1972942"/>
+            <a:ext cx="1080119" cy="943241"/>
+          </a:xfrm>
+          <a:prstGeom prst="rect">
+            <a:avLst/>
+          </a:prstGeom>
+          <a:solidFill>
+            <a:srgbClr val="C3D0F0"/>
+          </a:solidFill>
+          <a:ln w="12700">
+            <a:solidFill>
+              <a:schemeClr val="bg1">
+                <a:lumMod val="50000"/>
+              </a:schemeClr>
+            </a:solidFill>
+            <a:tailEnd type="none"/>
+          </a:ln>
+          <a:effectLst/>
+        </p:spPr>
+        <p:style>
+          <a:lnRef idx="1">
+            <a:schemeClr val="accent4"/>
+          </a:lnRef>
+          <a:fillRef idx="2">
+            <a:schemeClr val="accent4"/>
+          </a:fillRef>
+          <a:effectRef idx="1">
+            <a:schemeClr val="accent4"/>
+          </a:effectRef>
+          <a:fontRef idx="minor">
+            <a:schemeClr val="dk1"/>
+          </a:fontRef>
+        </p:style>
+        <p:txBody>
+          <a:bodyPr tIns="0" bIns="0" anchor="t" anchorCtr="0">
+            <a:noAutofit/>
+          </a:bodyPr>
+          <a:lstStyle>
+            <a:defPPr>
+              <a:defRPr lang="en-US"/>
+            </a:defPPr>
+            <a:lvl1pPr marL="0" algn="l" defTabSz="914400" rtl="0" eaLnBrk="1" latinLnBrk="0" hangingPunct="1">
+              <a:defRPr sz="1800" kern="1200">
+                <a:solidFill>
+                  <a:schemeClr val="dk1"/>
+                </a:solidFill>
+                <a:latin typeface="+mn-lt"/>
+                <a:ea typeface="+mn-ea"/>
+                <a:cs typeface="+mn-cs"/>
+              </a:defRPr>
+            </a:lvl1pPr>
+            <a:lvl2pPr marL="457200" algn="l" defTabSz="914400" rtl="0" eaLnBrk="1" latinLnBrk="0" hangingPunct="1">
+              <a:defRPr sz="1800" kern="1200">
+                <a:solidFill>
+                  <a:schemeClr val="dk1"/>
+                </a:solidFill>
+                <a:latin typeface="+mn-lt"/>
+                <a:ea typeface="+mn-ea"/>
+                <a:cs typeface="+mn-cs"/>
+              </a:defRPr>
+            </a:lvl2pPr>
+            <a:lvl3pPr marL="914400" algn="l" defTabSz="914400" rtl="0" eaLnBrk="1" latinLnBrk="0" hangingPunct="1">
+              <a:defRPr sz="1800" kern="1200">
+                <a:solidFill>
+                  <a:schemeClr val="dk1"/>
+                </a:solidFill>
+                <a:latin typeface="+mn-lt"/>
+                <a:ea typeface="+mn-ea"/>
+                <a:cs typeface="+mn-cs"/>
+              </a:defRPr>
+            </a:lvl3pPr>
+            <a:lvl4pPr marL="1371600" algn="l" defTabSz="914400" rtl="0" eaLnBrk="1" latinLnBrk="0" hangingPunct="1">
+              <a:defRPr sz="1800" kern="1200">
+                <a:solidFill>
+                  <a:schemeClr val="dk1"/>
+                </a:solidFill>
+                <a:latin typeface="+mn-lt"/>
+                <a:ea typeface="+mn-ea"/>
+                <a:cs typeface="+mn-cs"/>
+              </a:defRPr>
+            </a:lvl4pPr>
+            <a:lvl5pPr marL="1828800" algn="l" defTabSz="914400" rtl="0" eaLnBrk="1" latinLnBrk="0" hangingPunct="1">
+              <a:defRPr sz="1800" kern="1200">
+                <a:solidFill>
+                  <a:schemeClr val="dk1"/>
+                </a:solidFill>
+                <a:latin typeface="+mn-lt"/>
+                <a:ea typeface="+mn-ea"/>
+                <a:cs typeface="+mn-cs"/>
+              </a:defRPr>
+            </a:lvl5pPr>
+            <a:lvl6pPr marL="2286000" algn="l" defTabSz="914400" rtl="0" eaLnBrk="1" latinLnBrk="0" hangingPunct="1">
+              <a:defRPr sz="1800" kern="1200">
+                <a:solidFill>
+                  <a:schemeClr val="dk1"/>
+                </a:solidFill>
+                <a:latin typeface="+mn-lt"/>
+                <a:ea typeface="+mn-ea"/>
+                <a:cs typeface="+mn-cs"/>
+              </a:defRPr>
+            </a:lvl6pPr>
+            <a:lvl7pPr marL="2743200" algn="l" defTabSz="914400" rtl="0" eaLnBrk="1" latinLnBrk="0" hangingPunct="1">
+              <a:defRPr sz="1800" kern="1200">
+                <a:solidFill>
+                  <a:schemeClr val="dk1"/>
+                </a:solidFill>
+                <a:latin typeface="+mn-lt"/>
+                <a:ea typeface="+mn-ea"/>
+                <a:cs typeface="+mn-cs"/>
+              </a:defRPr>
+            </a:lvl7pPr>
+            <a:lvl8pPr marL="3200400" algn="l" defTabSz="914400" rtl="0" eaLnBrk="1" latinLnBrk="0" hangingPunct="1">
+              <a:defRPr sz="1800" kern="1200">
+                <a:solidFill>
+                  <a:schemeClr val="dk1"/>
+                </a:solidFill>
+                <a:latin typeface="+mn-lt"/>
+                <a:ea typeface="+mn-ea"/>
+                <a:cs typeface="+mn-cs"/>
+              </a:defRPr>
+            </a:lvl8pPr>
+            <a:lvl9pPr marL="3657600" algn="l" defTabSz="914400" rtl="0" eaLnBrk="1" latinLnBrk="0" hangingPunct="1">
+              <a:defRPr sz="1800" kern="1200">
+                <a:solidFill>
+                  <a:schemeClr val="dk1"/>
+                </a:solidFill>
+                <a:latin typeface="+mn-lt"/>
+                <a:ea typeface="+mn-ea"/>
+                <a:cs typeface="+mn-cs"/>
+              </a:defRPr>
+            </a:lvl9pPr>
+          </a:lstStyle>
+          <a:p>
+            <a:pPr algn="ctr" fontAlgn="base">
+              <a:spcBef>
+                <a:spcPct val="0"/>
+              </a:spcBef>
+              <a:spcAft>
+                <a:spcPct val="0"/>
+              </a:spcAft>
+            </a:pPr>
+            <a:r>
+              <a:rPr lang="fi-FI" sz="1200" b="1" i="1" dirty="0" smtClean="0">
+                <a:solidFill>
+                  <a:schemeClr val="bg1">
+                    <a:lumMod val="50000"/>
+                  </a:schemeClr>
+                </a:solidFill>
+                <a:latin typeface="Calibri" pitchFamily="34" charset="0"/>
+                <a:cs typeface="Calibri" pitchFamily="34" charset="0"/>
+              </a:rPr>
+              <a:t>component</a:t>
+            </a:r>
+            <a:r>
+              <a:rPr lang="fi-FI" sz="1200" b="1" dirty="0" smtClean="0">
+                <a:solidFill>
+                  <a:schemeClr val="bg1">
+                    <a:lumMod val="50000"/>
+                  </a:schemeClr>
+                </a:solidFill>
+                <a:latin typeface="Calibri" pitchFamily="34" charset="0"/>
+                <a:cs typeface="Calibri" pitchFamily="34" charset="0"/>
+              </a:rPr>
+              <a:t> Acc</a:t>
+            </a:r>
+            <a:r>
+              <a:rPr lang="fi-FI" sz="1200" b="1" dirty="0">
+                <a:solidFill>
+                  <a:schemeClr val="bg1">
+                    <a:lumMod val="50000"/>
+                  </a:schemeClr>
+                </a:solidFill>
+                <a:latin typeface="Calibri" pitchFamily="34" charset="0"/>
+                <a:cs typeface="Calibri" pitchFamily="34" charset="0"/>
+              </a:rPr>
+              <a:t>0</a:t>
+            </a:r>
+            <a:endParaRPr lang="fi-FI" sz="1200" b="1" dirty="0" smtClean="0">
+              <a:solidFill>
+                <a:schemeClr val="bg1">
+                  <a:lumMod val="50000"/>
+                </a:schemeClr>
+              </a:solidFill>
+              <a:latin typeface="Calibri" pitchFamily="34" charset="0"/>
+              <a:cs typeface="Calibri" pitchFamily="34" charset="0"/>
+            </a:endParaRPr>
+          </a:p>
+        </p:txBody>
+      </p:sp>
+      <p:sp>
+        <p:nvSpPr>
+          <p:cNvPr id="2" name="Title 1"/>
+          <p:cNvSpPr>
+            <a:spLocks noGrp="1"/>
+          </p:cNvSpPr>
+          <p:nvPr>
+            <p:ph type="title"/>
+          </p:nvPr>
+        </p:nvSpPr>
+        <p:spPr/>
+        <p:txBody>
+          <a:bodyPr/>
+          <a:lstStyle/>
+          <a:p>
+            <a:r>
+              <a:rPr lang="fi-FI" dirty="0" err="1" smtClean="0"/>
+              <a:t>Address</a:t>
+            </a:r>
+            <a:r>
+              <a:rPr lang="fi-FI" dirty="0" smtClean="0"/>
+              <a:t> </a:t>
+            </a:r>
+            <a:r>
+              <a:rPr lang="fi-FI" dirty="0" err="1" smtClean="0"/>
+              <a:t>space</a:t>
+            </a:r>
+            <a:endParaRPr lang="en-US" dirty="0"/>
+          </a:p>
+        </p:txBody>
+      </p:sp>
+      <p:sp>
+        <p:nvSpPr>
+          <p:cNvPr id="3" name="Content Placeholder 2"/>
+          <p:cNvSpPr>
+            <a:spLocks noGrp="1"/>
+          </p:cNvSpPr>
+          <p:nvPr>
+            <p:ph idx="1"/>
+          </p:nvPr>
+        </p:nvSpPr>
+        <p:spPr>
+          <a:xfrm>
+            <a:off x="457200" y="4581128"/>
+            <a:ext cx="8229600" cy="1545035"/>
+          </a:xfrm>
+        </p:spPr>
+        <p:txBody>
+          <a:bodyPr/>
+          <a:lstStyle/>
+          <a:p>
+            <a:r>
+              <a:rPr lang="fi-FI" dirty="0" smtClean="0"/>
+              <a:t>a</a:t>
+            </a:r>
+            <a:endParaRPr lang="en-US" dirty="0"/>
+          </a:p>
+        </p:txBody>
+      </p:sp>
+      <p:sp>
+        <p:nvSpPr>
+          <p:cNvPr id="4" name="Rectangle 3"/>
+          <p:cNvSpPr/>
+          <p:nvPr/>
+        </p:nvSpPr>
+        <p:spPr>
+          <a:xfrm>
+            <a:off x="503548" y="1988840"/>
+            <a:ext cx="1492717" cy="1824300"/>
+          </a:xfrm>
+          <a:prstGeom prst="rect">
+            <a:avLst/>
+          </a:prstGeom>
+          <a:solidFill>
+            <a:srgbClr val="C3D0F0"/>
+          </a:solidFill>
+          <a:ln w="12700">
+            <a:solidFill>
+              <a:schemeClr val="tx1"/>
+            </a:solidFill>
+            <a:tailEnd type="none"/>
+          </a:ln>
+          <a:effectLst/>
+        </p:spPr>
+        <p:style>
+          <a:lnRef idx="1">
+            <a:schemeClr val="accent4"/>
+          </a:lnRef>
+          <a:fillRef idx="2">
+            <a:schemeClr val="accent4"/>
+          </a:fillRef>
+          <a:effectRef idx="1">
+            <a:schemeClr val="accent4"/>
+          </a:effectRef>
+          <a:fontRef idx="minor">
+            <a:schemeClr val="dk1"/>
+          </a:fontRef>
+        </p:style>
+        <p:txBody>
+          <a:bodyPr tIns="0" bIns="0" anchor="t" anchorCtr="0">
+            <a:noAutofit/>
+          </a:bodyPr>
+          <a:lstStyle>
+            <a:defPPr>
+              <a:defRPr lang="en-US"/>
+            </a:defPPr>
+            <a:lvl1pPr marL="0" algn="l" defTabSz="914400" rtl="0" eaLnBrk="1" latinLnBrk="0" hangingPunct="1">
+              <a:defRPr sz="1800" kern="1200">
+                <a:solidFill>
+                  <a:schemeClr val="dk1"/>
+                </a:solidFill>
+                <a:latin typeface="+mn-lt"/>
+                <a:ea typeface="+mn-ea"/>
+                <a:cs typeface="+mn-cs"/>
+              </a:defRPr>
+            </a:lvl1pPr>
+            <a:lvl2pPr marL="457200" algn="l" defTabSz="914400" rtl="0" eaLnBrk="1" latinLnBrk="0" hangingPunct="1">
+              <a:defRPr sz="1800" kern="1200">
+                <a:solidFill>
+                  <a:schemeClr val="dk1"/>
+                </a:solidFill>
+                <a:latin typeface="+mn-lt"/>
+                <a:ea typeface="+mn-ea"/>
+                <a:cs typeface="+mn-cs"/>
+              </a:defRPr>
+            </a:lvl2pPr>
+            <a:lvl3pPr marL="914400" algn="l" defTabSz="914400" rtl="0" eaLnBrk="1" latinLnBrk="0" hangingPunct="1">
+              <a:defRPr sz="1800" kern="1200">
+                <a:solidFill>
+                  <a:schemeClr val="dk1"/>
+                </a:solidFill>
+                <a:latin typeface="+mn-lt"/>
+                <a:ea typeface="+mn-ea"/>
+                <a:cs typeface="+mn-cs"/>
+              </a:defRPr>
+            </a:lvl3pPr>
+            <a:lvl4pPr marL="1371600" algn="l" defTabSz="914400" rtl="0" eaLnBrk="1" latinLnBrk="0" hangingPunct="1">
+              <a:defRPr sz="1800" kern="1200">
+                <a:solidFill>
+                  <a:schemeClr val="dk1"/>
+                </a:solidFill>
+                <a:latin typeface="+mn-lt"/>
+                <a:ea typeface="+mn-ea"/>
+                <a:cs typeface="+mn-cs"/>
+              </a:defRPr>
+            </a:lvl4pPr>
+            <a:lvl5pPr marL="1828800" algn="l" defTabSz="914400" rtl="0" eaLnBrk="1" latinLnBrk="0" hangingPunct="1">
+              <a:defRPr sz="1800" kern="1200">
+                <a:solidFill>
+                  <a:schemeClr val="dk1"/>
+                </a:solidFill>
+                <a:latin typeface="+mn-lt"/>
+                <a:ea typeface="+mn-ea"/>
+                <a:cs typeface="+mn-cs"/>
+              </a:defRPr>
+            </a:lvl5pPr>
+            <a:lvl6pPr marL="2286000" algn="l" defTabSz="914400" rtl="0" eaLnBrk="1" latinLnBrk="0" hangingPunct="1">
+              <a:defRPr sz="1800" kern="1200">
+                <a:solidFill>
+                  <a:schemeClr val="dk1"/>
+                </a:solidFill>
+                <a:latin typeface="+mn-lt"/>
+                <a:ea typeface="+mn-ea"/>
+                <a:cs typeface="+mn-cs"/>
+              </a:defRPr>
+            </a:lvl6pPr>
+            <a:lvl7pPr marL="2743200" algn="l" defTabSz="914400" rtl="0" eaLnBrk="1" latinLnBrk="0" hangingPunct="1">
+              <a:defRPr sz="1800" kern="1200">
+                <a:solidFill>
+                  <a:schemeClr val="dk1"/>
+                </a:solidFill>
+                <a:latin typeface="+mn-lt"/>
+                <a:ea typeface="+mn-ea"/>
+                <a:cs typeface="+mn-cs"/>
+              </a:defRPr>
+            </a:lvl7pPr>
+            <a:lvl8pPr marL="3200400" algn="l" defTabSz="914400" rtl="0" eaLnBrk="1" latinLnBrk="0" hangingPunct="1">
+              <a:defRPr sz="1800" kern="1200">
+                <a:solidFill>
+                  <a:schemeClr val="dk1"/>
+                </a:solidFill>
+                <a:latin typeface="+mn-lt"/>
+                <a:ea typeface="+mn-ea"/>
+                <a:cs typeface="+mn-cs"/>
+              </a:defRPr>
+            </a:lvl8pPr>
+            <a:lvl9pPr marL="3657600" algn="l" defTabSz="914400" rtl="0" eaLnBrk="1" latinLnBrk="0" hangingPunct="1">
+              <a:defRPr sz="1800" kern="1200">
+                <a:solidFill>
+                  <a:schemeClr val="dk1"/>
+                </a:solidFill>
+                <a:latin typeface="+mn-lt"/>
+                <a:ea typeface="+mn-ea"/>
+                <a:cs typeface="+mn-cs"/>
+              </a:defRPr>
+            </a:lvl9pPr>
+          </a:lstStyle>
+          <a:p>
+            <a:pPr algn="ctr" fontAlgn="base">
+              <a:spcBef>
+                <a:spcPct val="0"/>
+              </a:spcBef>
+              <a:spcAft>
+                <a:spcPct val="0"/>
+              </a:spcAft>
+            </a:pPr>
+            <a:r>
+              <a:rPr lang="fi-FI" sz="1200" b="1" i="1" dirty="0" smtClean="0">
+                <a:solidFill>
+                  <a:prstClr val="black"/>
+                </a:solidFill>
+                <a:latin typeface="Calibri" pitchFamily="34" charset="0"/>
+                <a:cs typeface="Calibri" pitchFamily="34" charset="0"/>
+              </a:rPr>
+              <a:t>component</a:t>
+            </a:r>
+            <a:r>
+              <a:rPr lang="fi-FI" sz="1200" b="1" dirty="0" smtClean="0">
+                <a:solidFill>
+                  <a:prstClr val="black"/>
+                </a:solidFill>
+                <a:latin typeface="Calibri" pitchFamily="34" charset="0"/>
+                <a:cs typeface="Calibri" pitchFamily="34" charset="0"/>
+              </a:rPr>
+              <a:t> CPU0</a:t>
+            </a:r>
+          </a:p>
+        </p:txBody>
+      </p:sp>
+      <p:sp>
+        <p:nvSpPr>
+          <p:cNvPr id="5" name="Flowchart: Off-page Connector 4"/>
+          <p:cNvSpPr/>
+          <p:nvPr/>
+        </p:nvSpPr>
+        <p:spPr>
+          <a:xfrm rot="16200000" flipH="1">
+            <a:off x="1799672" y="2708940"/>
+            <a:ext cx="360040" cy="360000"/>
+          </a:xfrm>
+          <a:prstGeom prst="flowChartOffpageConnector">
+            <a:avLst/>
+          </a:prstGeom>
+          <a:solidFill>
+            <a:srgbClr val="00B050"/>
+          </a:solidFill>
+          <a:ln>
+            <a:solidFill>
+              <a:schemeClr val="tx1"/>
+            </a:solidFill>
+          </a:ln>
+        </p:spPr>
+        <p:style>
+          <a:lnRef idx="2">
+            <a:schemeClr val="accent1">
+              <a:shade val="50000"/>
+            </a:schemeClr>
+          </a:lnRef>
+          <a:fillRef idx="1">
+            <a:schemeClr val="accent1"/>
+          </a:fillRef>
+          <a:effectRef idx="0">
+            <a:schemeClr val="accent1"/>
+          </a:effectRef>
+          <a:fontRef idx="minor">
+            <a:schemeClr val="lt1"/>
+          </a:fontRef>
+        </p:style>
+        <p:txBody>
+          <a:bodyPr rtlCol="0" anchor="ctr"/>
+          <a:lstStyle/>
+          <a:p>
+            <a:pPr algn="ctr"/>
+            <a:endParaRPr lang="en-US" sz="1200"/>
+          </a:p>
+        </p:txBody>
+      </p:sp>
+      <p:sp>
+        <p:nvSpPr>
+          <p:cNvPr id="11" name="TextBox 10"/>
+          <p:cNvSpPr txBox="1"/>
+          <p:nvPr/>
+        </p:nvSpPr>
+        <p:spPr>
+          <a:xfrm>
+            <a:off x="1403648" y="3039343"/>
+            <a:ext cx="720040" cy="461665"/>
+          </a:xfrm>
+          <a:prstGeom prst="rect">
+            <a:avLst/>
+          </a:prstGeom>
+          <a:noFill/>
+        </p:spPr>
+        <p:txBody>
+          <a:bodyPr wrap="square" rtlCol="0">
+            <a:spAutoFit/>
+          </a:bodyPr>
+          <a:lstStyle/>
+          <a:p>
+            <a:r>
+              <a:rPr lang="fi-FI" sz="1200" i="1" dirty="0" err="1" smtClean="0"/>
+              <a:t>master</a:t>
+            </a:r>
+            <a:r>
+              <a:rPr lang="fi-FI" sz="1200" dirty="0" smtClean="0"/>
+              <a:t>  </a:t>
+            </a:r>
+            <a:r>
+              <a:rPr lang="fi-FI" sz="1200" dirty="0" err="1" smtClean="0"/>
+              <a:t>MainIF</a:t>
+            </a:r>
+            <a:endParaRPr lang="en-US" sz="1200" dirty="0"/>
+          </a:p>
+        </p:txBody>
+      </p:sp>
+      <p:cxnSp>
+        <p:nvCxnSpPr>
+          <p:cNvPr id="13" name="Straight Connector 12"/>
+          <p:cNvCxnSpPr>
+            <a:stCxn id="5" idx="2"/>
+            <a:endCxn id="26" idx="0"/>
+          </p:cNvCxnSpPr>
+          <p:nvPr/>
+        </p:nvCxnSpPr>
+        <p:spPr>
+          <a:xfrm>
+            <a:off x="2159692" y="2888940"/>
+            <a:ext cx="324076" cy="0"/>
+          </a:xfrm>
+          <a:prstGeom prst="line">
+            <a:avLst/>
+          </a:prstGeom>
+          <a:ln w="28575">
+            <a:solidFill>
+              <a:schemeClr val="bg1">
+                <a:lumMod val="50000"/>
+              </a:schemeClr>
+            </a:solidFill>
+          </a:ln>
+        </p:spPr>
+        <p:style>
+          <a:lnRef idx="1">
+            <a:schemeClr val="accent1"/>
+          </a:lnRef>
+          <a:fillRef idx="0">
+            <a:schemeClr val="accent1"/>
+          </a:fillRef>
+          <a:effectRef idx="0">
+            <a:schemeClr val="accent1"/>
+          </a:effectRef>
+          <a:fontRef idx="minor">
+            <a:schemeClr val="tx1"/>
+          </a:fontRef>
+        </p:style>
+      </p:cxnSp>
+      <p:sp>
+        <p:nvSpPr>
+          <p:cNvPr id="15" name="TextBox 14"/>
+          <p:cNvSpPr txBox="1"/>
+          <p:nvPr/>
+        </p:nvSpPr>
+        <p:spPr>
+          <a:xfrm>
+            <a:off x="503548" y="2395917"/>
+            <a:ext cx="1134285" cy="276999"/>
+          </a:xfrm>
+          <a:prstGeom prst="rect">
+            <a:avLst/>
+          </a:prstGeom>
+          <a:noFill/>
+        </p:spPr>
+        <p:txBody>
+          <a:bodyPr wrap="none" rtlCol="0">
+            <a:spAutoFit/>
+          </a:bodyPr>
+          <a:lstStyle/>
+          <a:p>
+            <a:r>
+              <a:rPr lang="fi-FI" sz="1200" i="1" dirty="0" err="1" smtClean="0"/>
+              <a:t>addr</a:t>
+            </a:r>
+            <a:r>
+              <a:rPr lang="fi-FI" sz="1200" i="1" dirty="0" smtClean="0"/>
+              <a:t> </a:t>
+            </a:r>
+            <a:r>
+              <a:rPr lang="fi-FI" sz="1200" i="1" dirty="0" err="1" smtClean="0"/>
+              <a:t>space</a:t>
+            </a:r>
+            <a:r>
+              <a:rPr lang="fi-FI" sz="1200" dirty="0" smtClean="0"/>
+              <a:t> AS0</a:t>
+            </a:r>
+            <a:endParaRPr lang="en-US" sz="1200" dirty="0"/>
+          </a:p>
+        </p:txBody>
+      </p:sp>
+      <p:sp>
+        <p:nvSpPr>
+          <p:cNvPr id="14" name="Left-Right Arrow 13"/>
+          <p:cNvSpPr/>
+          <p:nvPr/>
+        </p:nvSpPr>
+        <p:spPr>
+          <a:xfrm>
+            <a:off x="1383848" y="2769535"/>
+            <a:ext cx="360040" cy="215804"/>
+          </a:xfrm>
+          <a:prstGeom prst="leftRightArrow">
+            <a:avLst/>
+          </a:prstGeom>
+          <a:solidFill>
+            <a:schemeClr val="bg1"/>
+          </a:solidFill>
+        </p:spPr>
+        <p:style>
+          <a:lnRef idx="2">
+            <a:schemeClr val="accent1">
+              <a:shade val="50000"/>
+            </a:schemeClr>
+          </a:lnRef>
+          <a:fillRef idx="1">
+            <a:schemeClr val="accent1"/>
+          </a:fillRef>
+          <a:effectRef idx="0">
+            <a:schemeClr val="accent1"/>
+          </a:effectRef>
+          <a:fontRef idx="minor">
+            <a:schemeClr val="lt1"/>
+          </a:fontRef>
+        </p:style>
+        <p:txBody>
+          <a:bodyPr rtlCol="0" anchor="ctr"/>
+          <a:lstStyle/>
+          <a:p>
+            <a:pPr algn="ctr"/>
+            <a:endParaRPr lang="en-US" sz="1200"/>
+          </a:p>
+        </p:txBody>
+      </p:sp>
+      <p:sp>
+        <p:nvSpPr>
+          <p:cNvPr id="16" name="Flowchart: Process 15"/>
+          <p:cNvSpPr/>
+          <p:nvPr/>
+        </p:nvSpPr>
+        <p:spPr>
+          <a:xfrm>
+            <a:off x="591760" y="2655205"/>
+            <a:ext cx="720000" cy="368424"/>
+          </a:xfrm>
+          <a:prstGeom prst="flowChartProcess">
+            <a:avLst/>
+          </a:prstGeom>
+          <a:solidFill>
+            <a:schemeClr val="bg1"/>
+          </a:solidFill>
+        </p:spPr>
+        <p:style>
+          <a:lnRef idx="2">
+            <a:schemeClr val="accent1">
+              <a:shade val="50000"/>
+            </a:schemeClr>
+          </a:lnRef>
+          <a:fillRef idx="1">
+            <a:schemeClr val="accent1"/>
+          </a:fillRef>
+          <a:effectRef idx="0">
+            <a:schemeClr val="accent1"/>
+          </a:effectRef>
+          <a:fontRef idx="minor">
+            <a:schemeClr val="lt1"/>
+          </a:fontRef>
+        </p:style>
+        <p:txBody>
+          <a:bodyPr rtlCol="0" anchor="ctr"/>
+          <a:lstStyle/>
+          <a:p>
+            <a:pPr algn="ctr"/>
+            <a:r>
+              <a:rPr lang="fi-FI" sz="1100" i="1" dirty="0" smtClean="0">
+                <a:solidFill>
+                  <a:schemeClr val="tx1"/>
+                </a:solidFill>
+              </a:rPr>
+              <a:t>seg0</a:t>
+            </a:r>
+            <a:endParaRPr lang="en-US" sz="1100" i="1" dirty="0">
+              <a:solidFill>
+                <a:schemeClr val="tx1"/>
+              </a:solidFill>
+            </a:endParaRPr>
+          </a:p>
+        </p:txBody>
+      </p:sp>
+      <p:sp>
+        <p:nvSpPr>
+          <p:cNvPr id="20" name="Flowchart: Process 19"/>
+          <p:cNvSpPr/>
+          <p:nvPr/>
+        </p:nvSpPr>
+        <p:spPr>
+          <a:xfrm>
+            <a:off x="591760" y="3023629"/>
+            <a:ext cx="720000" cy="225351"/>
+          </a:xfrm>
+          <a:prstGeom prst="flowChartProcess">
+            <a:avLst/>
+          </a:prstGeom>
+          <a:solidFill>
+            <a:schemeClr val="bg1"/>
+          </a:solidFill>
+        </p:spPr>
+        <p:style>
+          <a:lnRef idx="2">
+            <a:schemeClr val="accent1">
+              <a:shade val="50000"/>
+            </a:schemeClr>
+          </a:lnRef>
+          <a:fillRef idx="1">
+            <a:schemeClr val="accent1"/>
+          </a:fillRef>
+          <a:effectRef idx="0">
+            <a:schemeClr val="accent1"/>
+          </a:effectRef>
+          <a:fontRef idx="minor">
+            <a:schemeClr val="lt1"/>
+          </a:fontRef>
+        </p:style>
+        <p:txBody>
+          <a:bodyPr rtlCol="0" anchor="ctr"/>
+          <a:lstStyle/>
+          <a:p>
+            <a:pPr algn="ctr"/>
+            <a:r>
+              <a:rPr lang="fi-FI" sz="1100" i="1" dirty="0" smtClean="0">
+                <a:solidFill>
+                  <a:schemeClr val="tx1"/>
+                </a:solidFill>
+              </a:rPr>
+              <a:t>seg1</a:t>
+            </a:r>
+            <a:endParaRPr lang="en-US" sz="1100" i="1" dirty="0">
+              <a:solidFill>
+                <a:schemeClr val="tx1"/>
+              </a:solidFill>
+            </a:endParaRPr>
+          </a:p>
+        </p:txBody>
+      </p:sp>
+      <p:sp>
+        <p:nvSpPr>
+          <p:cNvPr id="23" name="Rectangle 22"/>
+          <p:cNvSpPr/>
+          <p:nvPr/>
+        </p:nvSpPr>
+        <p:spPr>
+          <a:xfrm>
+            <a:off x="2594596" y="1980078"/>
+            <a:ext cx="969293" cy="1824300"/>
+          </a:xfrm>
+          <a:prstGeom prst="rect">
+            <a:avLst/>
+          </a:prstGeom>
+          <a:solidFill>
+            <a:srgbClr val="C3D0F0"/>
+          </a:solidFill>
+          <a:ln w="12700">
+            <a:solidFill>
+              <a:schemeClr val="bg1">
+                <a:lumMod val="50000"/>
+              </a:schemeClr>
+            </a:solidFill>
+            <a:tailEnd type="none"/>
+          </a:ln>
+          <a:effectLst/>
+        </p:spPr>
+        <p:style>
+          <a:lnRef idx="1">
+            <a:schemeClr val="accent4"/>
+          </a:lnRef>
+          <a:fillRef idx="2">
+            <a:schemeClr val="accent4"/>
+          </a:fillRef>
+          <a:effectRef idx="1">
+            <a:schemeClr val="accent4"/>
+          </a:effectRef>
+          <a:fontRef idx="minor">
+            <a:schemeClr val="dk1"/>
+          </a:fontRef>
+        </p:style>
+        <p:txBody>
+          <a:bodyPr tIns="0" bIns="0" anchor="t" anchorCtr="0">
+            <a:noAutofit/>
+          </a:bodyPr>
+          <a:lstStyle>
+            <a:defPPr>
+              <a:defRPr lang="en-US"/>
+            </a:defPPr>
+            <a:lvl1pPr marL="0" algn="l" defTabSz="914400" rtl="0" eaLnBrk="1" latinLnBrk="0" hangingPunct="1">
+              <a:defRPr sz="1800" kern="1200">
+                <a:solidFill>
+                  <a:schemeClr val="dk1"/>
+                </a:solidFill>
+                <a:latin typeface="+mn-lt"/>
+                <a:ea typeface="+mn-ea"/>
+                <a:cs typeface="+mn-cs"/>
+              </a:defRPr>
+            </a:lvl1pPr>
+            <a:lvl2pPr marL="457200" algn="l" defTabSz="914400" rtl="0" eaLnBrk="1" latinLnBrk="0" hangingPunct="1">
+              <a:defRPr sz="1800" kern="1200">
+                <a:solidFill>
+                  <a:schemeClr val="dk1"/>
+                </a:solidFill>
+                <a:latin typeface="+mn-lt"/>
+                <a:ea typeface="+mn-ea"/>
+                <a:cs typeface="+mn-cs"/>
+              </a:defRPr>
+            </a:lvl2pPr>
+            <a:lvl3pPr marL="914400" algn="l" defTabSz="914400" rtl="0" eaLnBrk="1" latinLnBrk="0" hangingPunct="1">
+              <a:defRPr sz="1800" kern="1200">
+                <a:solidFill>
+                  <a:schemeClr val="dk1"/>
+                </a:solidFill>
+                <a:latin typeface="+mn-lt"/>
+                <a:ea typeface="+mn-ea"/>
+                <a:cs typeface="+mn-cs"/>
+              </a:defRPr>
+            </a:lvl3pPr>
+            <a:lvl4pPr marL="1371600" algn="l" defTabSz="914400" rtl="0" eaLnBrk="1" latinLnBrk="0" hangingPunct="1">
+              <a:defRPr sz="1800" kern="1200">
+                <a:solidFill>
+                  <a:schemeClr val="dk1"/>
+                </a:solidFill>
+                <a:latin typeface="+mn-lt"/>
+                <a:ea typeface="+mn-ea"/>
+                <a:cs typeface="+mn-cs"/>
+              </a:defRPr>
+            </a:lvl4pPr>
+            <a:lvl5pPr marL="1828800" algn="l" defTabSz="914400" rtl="0" eaLnBrk="1" latinLnBrk="0" hangingPunct="1">
+              <a:defRPr sz="1800" kern="1200">
+                <a:solidFill>
+                  <a:schemeClr val="dk1"/>
+                </a:solidFill>
+                <a:latin typeface="+mn-lt"/>
+                <a:ea typeface="+mn-ea"/>
+                <a:cs typeface="+mn-cs"/>
+              </a:defRPr>
+            </a:lvl5pPr>
+            <a:lvl6pPr marL="2286000" algn="l" defTabSz="914400" rtl="0" eaLnBrk="1" latinLnBrk="0" hangingPunct="1">
+              <a:defRPr sz="1800" kern="1200">
+                <a:solidFill>
+                  <a:schemeClr val="dk1"/>
+                </a:solidFill>
+                <a:latin typeface="+mn-lt"/>
+                <a:ea typeface="+mn-ea"/>
+                <a:cs typeface="+mn-cs"/>
+              </a:defRPr>
+            </a:lvl6pPr>
+            <a:lvl7pPr marL="2743200" algn="l" defTabSz="914400" rtl="0" eaLnBrk="1" latinLnBrk="0" hangingPunct="1">
+              <a:defRPr sz="1800" kern="1200">
+                <a:solidFill>
+                  <a:schemeClr val="dk1"/>
+                </a:solidFill>
+                <a:latin typeface="+mn-lt"/>
+                <a:ea typeface="+mn-ea"/>
+                <a:cs typeface="+mn-cs"/>
+              </a:defRPr>
+            </a:lvl7pPr>
+            <a:lvl8pPr marL="3200400" algn="l" defTabSz="914400" rtl="0" eaLnBrk="1" latinLnBrk="0" hangingPunct="1">
+              <a:defRPr sz="1800" kern="1200">
+                <a:solidFill>
+                  <a:schemeClr val="dk1"/>
+                </a:solidFill>
+                <a:latin typeface="+mn-lt"/>
+                <a:ea typeface="+mn-ea"/>
+                <a:cs typeface="+mn-cs"/>
+              </a:defRPr>
+            </a:lvl8pPr>
+            <a:lvl9pPr marL="3657600" algn="l" defTabSz="914400" rtl="0" eaLnBrk="1" latinLnBrk="0" hangingPunct="1">
+              <a:defRPr sz="1800" kern="1200">
+                <a:solidFill>
+                  <a:schemeClr val="dk1"/>
+                </a:solidFill>
+                <a:latin typeface="+mn-lt"/>
+                <a:ea typeface="+mn-ea"/>
+                <a:cs typeface="+mn-cs"/>
+              </a:defRPr>
+            </a:lvl9pPr>
+          </a:lstStyle>
+          <a:p>
+            <a:pPr algn="ctr" fontAlgn="base">
+              <a:spcBef>
+                <a:spcPct val="0"/>
+              </a:spcBef>
+              <a:spcAft>
+                <a:spcPct val="0"/>
+              </a:spcAft>
+            </a:pPr>
+            <a:r>
+              <a:rPr lang="fi-FI" sz="1200" b="1" i="1" dirty="0" smtClean="0">
+                <a:solidFill>
+                  <a:schemeClr val="bg1">
+                    <a:lumMod val="50000"/>
+                  </a:schemeClr>
+                </a:solidFill>
+                <a:latin typeface="Calibri" pitchFamily="34" charset="0"/>
+                <a:cs typeface="Calibri" pitchFamily="34" charset="0"/>
+              </a:rPr>
+              <a:t>component</a:t>
+            </a:r>
+            <a:r>
+              <a:rPr lang="fi-FI" sz="1200" b="1" dirty="0" smtClean="0">
+                <a:solidFill>
+                  <a:schemeClr val="bg1">
+                    <a:lumMod val="50000"/>
+                  </a:schemeClr>
+                </a:solidFill>
+                <a:latin typeface="Calibri" pitchFamily="34" charset="0"/>
+                <a:cs typeface="Calibri" pitchFamily="34" charset="0"/>
+              </a:rPr>
+              <a:t> </a:t>
+            </a:r>
+            <a:r>
+              <a:rPr lang="fi-FI" sz="1200" b="1" dirty="0" err="1" smtClean="0">
+                <a:solidFill>
+                  <a:schemeClr val="bg1">
+                    <a:lumMod val="50000"/>
+                  </a:schemeClr>
+                </a:solidFill>
+                <a:latin typeface="Calibri" pitchFamily="34" charset="0"/>
+                <a:cs typeface="Calibri" pitchFamily="34" charset="0"/>
+              </a:rPr>
+              <a:t>NetN</a:t>
+            </a:r>
+            <a:endParaRPr lang="fi-FI" sz="1200" b="1" dirty="0" smtClean="0">
+              <a:solidFill>
+                <a:schemeClr val="bg1">
+                  <a:lumMod val="50000"/>
+                </a:schemeClr>
+              </a:solidFill>
+              <a:latin typeface="Calibri" pitchFamily="34" charset="0"/>
+              <a:cs typeface="Calibri" pitchFamily="34" charset="0"/>
+            </a:endParaRPr>
+          </a:p>
+        </p:txBody>
+      </p:sp>
+      <p:sp>
+        <p:nvSpPr>
+          <p:cNvPr id="26" name="Flowchart: Off-page Connector 25"/>
+          <p:cNvSpPr/>
+          <p:nvPr/>
+        </p:nvSpPr>
+        <p:spPr>
+          <a:xfrm rot="16200000" flipH="1">
+            <a:off x="2483748" y="2708940"/>
+            <a:ext cx="360040" cy="360000"/>
+          </a:xfrm>
+          <a:prstGeom prst="flowChartOffpageConnector">
+            <a:avLst/>
+          </a:prstGeom>
+          <a:solidFill>
+            <a:srgbClr val="00B050"/>
+          </a:solidFill>
+          <a:ln>
+            <a:solidFill>
+              <a:schemeClr val="bg1">
+                <a:lumMod val="50000"/>
+              </a:schemeClr>
+            </a:solidFill>
+          </a:ln>
+        </p:spPr>
+        <p:style>
+          <a:lnRef idx="2">
+            <a:schemeClr val="accent1">
+              <a:shade val="50000"/>
+            </a:schemeClr>
+          </a:lnRef>
+          <a:fillRef idx="1">
+            <a:schemeClr val="accent1"/>
+          </a:fillRef>
+          <a:effectRef idx="0">
+            <a:schemeClr val="accent1"/>
+          </a:effectRef>
+          <a:fontRef idx="minor">
+            <a:schemeClr val="lt1"/>
+          </a:fontRef>
+        </p:style>
+        <p:txBody>
+          <a:bodyPr rtlCol="0" anchor="ctr"/>
+          <a:lstStyle/>
+          <a:p>
+            <a:pPr algn="ctr"/>
+            <a:endParaRPr lang="en-US" sz="1200">
+              <a:solidFill>
+                <a:schemeClr val="bg1">
+                  <a:lumMod val="50000"/>
+                </a:schemeClr>
+              </a:solidFill>
+            </a:endParaRPr>
+          </a:p>
+        </p:txBody>
+      </p:sp>
+      <p:sp>
+        <p:nvSpPr>
+          <p:cNvPr id="28" name="Flowchart: Off-page Connector 27"/>
+          <p:cNvSpPr/>
+          <p:nvPr/>
+        </p:nvSpPr>
+        <p:spPr>
+          <a:xfrm rot="16200000" flipH="1">
+            <a:off x="3383869" y="2376143"/>
+            <a:ext cx="360040" cy="360000"/>
+          </a:xfrm>
+          <a:prstGeom prst="flowChartOffpageConnector">
+            <a:avLst/>
+          </a:prstGeom>
+          <a:solidFill>
+            <a:srgbClr val="00B050"/>
+          </a:solidFill>
+          <a:ln>
+            <a:solidFill>
+              <a:schemeClr val="bg1">
+                <a:lumMod val="50000"/>
+              </a:schemeClr>
+            </a:solidFill>
+          </a:ln>
+        </p:spPr>
+        <p:style>
+          <a:lnRef idx="2">
+            <a:schemeClr val="accent1">
+              <a:shade val="50000"/>
+            </a:schemeClr>
+          </a:lnRef>
+          <a:fillRef idx="1">
+            <a:schemeClr val="accent1"/>
+          </a:fillRef>
+          <a:effectRef idx="0">
+            <a:schemeClr val="accent1"/>
+          </a:effectRef>
+          <a:fontRef idx="minor">
+            <a:schemeClr val="lt1"/>
+          </a:fontRef>
+        </p:style>
+        <p:txBody>
+          <a:bodyPr rtlCol="0" anchor="ctr"/>
+          <a:lstStyle/>
+          <a:p>
+            <a:pPr algn="ctr"/>
+            <a:endParaRPr lang="en-US" sz="1200">
+              <a:solidFill>
+                <a:schemeClr val="bg1">
+                  <a:lumMod val="50000"/>
+                </a:schemeClr>
+              </a:solidFill>
+            </a:endParaRPr>
+          </a:p>
+        </p:txBody>
+      </p:sp>
+      <p:cxnSp>
+        <p:nvCxnSpPr>
+          <p:cNvPr id="38" name="Straight Connector 37"/>
+          <p:cNvCxnSpPr>
+            <a:stCxn id="28" idx="2"/>
+            <a:endCxn id="39" idx="0"/>
+          </p:cNvCxnSpPr>
+          <p:nvPr/>
+        </p:nvCxnSpPr>
+        <p:spPr>
+          <a:xfrm flipV="1">
+            <a:off x="3743889" y="2556142"/>
+            <a:ext cx="252047" cy="1"/>
+          </a:xfrm>
+          <a:prstGeom prst="line">
+            <a:avLst/>
+          </a:prstGeom>
+          <a:ln w="28575">
+            <a:solidFill>
+              <a:schemeClr val="bg1">
+                <a:lumMod val="50000"/>
+              </a:schemeClr>
+            </a:solidFill>
+          </a:ln>
+        </p:spPr>
+        <p:style>
+          <a:lnRef idx="1">
+            <a:schemeClr val="accent1"/>
+          </a:lnRef>
+          <a:fillRef idx="0">
+            <a:schemeClr val="accent1"/>
+          </a:fillRef>
+          <a:effectRef idx="0">
+            <a:schemeClr val="accent1"/>
+          </a:effectRef>
+          <a:fontRef idx="minor">
+            <a:schemeClr val="tx1"/>
+          </a:fontRef>
+        </p:style>
+      </p:cxnSp>
+      <p:sp>
+        <p:nvSpPr>
+          <p:cNvPr id="39" name="Flowchart: Off-page Connector 38"/>
+          <p:cNvSpPr/>
+          <p:nvPr/>
+        </p:nvSpPr>
+        <p:spPr>
+          <a:xfrm rot="16200000" flipH="1">
+            <a:off x="3995916" y="2376142"/>
+            <a:ext cx="360040" cy="360000"/>
+          </a:xfrm>
+          <a:prstGeom prst="flowChartOffpageConnector">
+            <a:avLst/>
+          </a:prstGeom>
+          <a:solidFill>
+            <a:srgbClr val="00B050"/>
+          </a:solidFill>
+          <a:ln>
+            <a:solidFill>
+              <a:schemeClr val="bg1">
+                <a:lumMod val="50000"/>
+              </a:schemeClr>
+            </a:solidFill>
+          </a:ln>
+        </p:spPr>
+        <p:style>
+          <a:lnRef idx="2">
+            <a:schemeClr val="accent1">
+              <a:shade val="50000"/>
+            </a:schemeClr>
+          </a:lnRef>
+          <a:fillRef idx="1">
+            <a:schemeClr val="accent1"/>
+          </a:fillRef>
+          <a:effectRef idx="0">
+            <a:schemeClr val="accent1"/>
+          </a:effectRef>
+          <a:fontRef idx="minor">
+            <a:schemeClr val="lt1"/>
+          </a:fontRef>
+        </p:style>
+        <p:txBody>
+          <a:bodyPr rtlCol="0" anchor="ctr"/>
+          <a:lstStyle/>
+          <a:p>
+            <a:pPr algn="ctr"/>
+            <a:endParaRPr lang="en-US" sz="1200">
+              <a:solidFill>
+                <a:schemeClr val="bg1">
+                  <a:lumMod val="50000"/>
+                </a:schemeClr>
+              </a:solidFill>
+            </a:endParaRPr>
+          </a:p>
+        </p:txBody>
+      </p:sp>
+      <p:sp>
+        <p:nvSpPr>
+          <p:cNvPr id="41" name="Flowchart: Off-page Connector 40"/>
+          <p:cNvSpPr/>
+          <p:nvPr/>
+        </p:nvSpPr>
+        <p:spPr>
+          <a:xfrm rot="16200000" flipH="1">
+            <a:off x="3393037" y="3240239"/>
+            <a:ext cx="360040" cy="360000"/>
+          </a:xfrm>
+          <a:prstGeom prst="flowChartOffpageConnector">
+            <a:avLst/>
+          </a:prstGeom>
+          <a:solidFill>
+            <a:srgbClr val="00B050"/>
+          </a:solidFill>
+          <a:ln>
+            <a:solidFill>
+              <a:schemeClr val="bg1">
+                <a:lumMod val="50000"/>
+              </a:schemeClr>
+            </a:solidFill>
+          </a:ln>
+        </p:spPr>
+        <p:style>
+          <a:lnRef idx="2">
+            <a:schemeClr val="accent1">
+              <a:shade val="50000"/>
+            </a:schemeClr>
+          </a:lnRef>
+          <a:fillRef idx="1">
+            <a:schemeClr val="accent1"/>
+          </a:fillRef>
+          <a:effectRef idx="0">
+            <a:schemeClr val="accent1"/>
+          </a:effectRef>
+          <a:fontRef idx="minor">
+            <a:schemeClr val="lt1"/>
+          </a:fontRef>
+        </p:style>
+        <p:txBody>
+          <a:bodyPr rtlCol="0" anchor="ctr"/>
+          <a:lstStyle/>
+          <a:p>
+            <a:pPr algn="ctr"/>
+            <a:endParaRPr lang="en-US" sz="1200">
+              <a:solidFill>
+                <a:schemeClr val="bg1">
+                  <a:lumMod val="50000"/>
+                </a:schemeClr>
+              </a:solidFill>
+            </a:endParaRPr>
+          </a:p>
+        </p:txBody>
+      </p:sp>
+      <p:cxnSp>
+        <p:nvCxnSpPr>
+          <p:cNvPr id="42" name="Straight Connector 41"/>
+          <p:cNvCxnSpPr>
+            <a:stCxn id="41" idx="2"/>
+            <a:endCxn id="43" idx="0"/>
+          </p:cNvCxnSpPr>
+          <p:nvPr/>
+        </p:nvCxnSpPr>
+        <p:spPr>
+          <a:xfrm flipV="1">
+            <a:off x="3753057" y="3420238"/>
+            <a:ext cx="252047" cy="1"/>
+          </a:xfrm>
+          <a:prstGeom prst="line">
+            <a:avLst/>
+          </a:prstGeom>
+          <a:ln w="28575">
+            <a:solidFill>
+              <a:schemeClr val="bg1">
+                <a:lumMod val="50000"/>
+              </a:schemeClr>
+            </a:solidFill>
+          </a:ln>
+        </p:spPr>
+        <p:style>
+          <a:lnRef idx="1">
+            <a:schemeClr val="accent1"/>
+          </a:lnRef>
+          <a:fillRef idx="0">
+            <a:schemeClr val="accent1"/>
+          </a:fillRef>
+          <a:effectRef idx="0">
+            <a:schemeClr val="accent1"/>
+          </a:effectRef>
+          <a:fontRef idx="minor">
+            <a:schemeClr val="tx1"/>
+          </a:fontRef>
+        </p:style>
+      </p:cxnSp>
+      <p:sp>
+        <p:nvSpPr>
+          <p:cNvPr id="43" name="Flowchart: Off-page Connector 42"/>
+          <p:cNvSpPr/>
+          <p:nvPr/>
+        </p:nvSpPr>
+        <p:spPr>
+          <a:xfrm rot="16200000" flipH="1">
+            <a:off x="4005084" y="3240238"/>
+            <a:ext cx="360040" cy="360000"/>
+          </a:xfrm>
+          <a:prstGeom prst="flowChartOffpageConnector">
+            <a:avLst/>
+          </a:prstGeom>
+          <a:solidFill>
+            <a:srgbClr val="00B050"/>
+          </a:solidFill>
+          <a:ln>
+            <a:solidFill>
+              <a:schemeClr val="bg1">
+                <a:lumMod val="50000"/>
+              </a:schemeClr>
+            </a:solidFill>
+          </a:ln>
+        </p:spPr>
+        <p:style>
+          <a:lnRef idx="2">
+            <a:schemeClr val="accent1">
+              <a:shade val="50000"/>
+            </a:schemeClr>
+          </a:lnRef>
+          <a:fillRef idx="1">
+            <a:schemeClr val="accent1"/>
+          </a:fillRef>
+          <a:effectRef idx="0">
+            <a:schemeClr val="accent1"/>
+          </a:effectRef>
+          <a:fontRef idx="minor">
+            <a:schemeClr val="lt1"/>
+          </a:fontRef>
+        </p:style>
+        <p:txBody>
+          <a:bodyPr rtlCol="0" anchor="ctr"/>
+          <a:lstStyle/>
+          <a:p>
+            <a:pPr algn="ctr"/>
+            <a:endParaRPr lang="en-US" sz="1200">
+              <a:solidFill>
+                <a:schemeClr val="bg1">
+                  <a:lumMod val="50000"/>
+                </a:schemeClr>
+              </a:solidFill>
+            </a:endParaRPr>
+          </a:p>
+        </p:txBody>
+      </p:sp>
+      <p:sp>
+        <p:nvSpPr>
+          <p:cNvPr id="50" name="Flowchart: Process 49"/>
+          <p:cNvSpPr/>
+          <p:nvPr/>
+        </p:nvSpPr>
+        <p:spPr>
+          <a:xfrm>
+            <a:off x="4463988" y="2395917"/>
+            <a:ext cx="720000" cy="368424"/>
+          </a:xfrm>
+          <a:prstGeom prst="flowChartProcess">
+            <a:avLst/>
+          </a:prstGeom>
+          <a:solidFill>
+            <a:schemeClr val="bg1"/>
+          </a:solidFill>
+          <a:ln>
+            <a:solidFill>
+              <a:schemeClr val="bg1">
+                <a:lumMod val="50000"/>
+              </a:schemeClr>
+            </a:solidFill>
+          </a:ln>
+        </p:spPr>
+        <p:style>
+          <a:lnRef idx="2">
+            <a:schemeClr val="accent1">
+              <a:shade val="50000"/>
+            </a:schemeClr>
+          </a:lnRef>
+          <a:fillRef idx="1">
+            <a:schemeClr val="accent1"/>
+          </a:fillRef>
+          <a:effectRef idx="0">
+            <a:schemeClr val="accent1"/>
+          </a:effectRef>
+          <a:fontRef idx="minor">
+            <a:schemeClr val="lt1"/>
+          </a:fontRef>
+        </p:style>
+        <p:txBody>
+          <a:bodyPr wrap="none" rtlCol="0" anchor="ctr"/>
+          <a:lstStyle/>
+          <a:p>
+            <a:pPr algn="ctr"/>
+            <a:r>
+              <a:rPr lang="fi-FI" sz="1100" i="1" dirty="0" err="1" smtClean="0">
+                <a:solidFill>
+                  <a:schemeClr val="bg1">
+                    <a:lumMod val="50000"/>
+                  </a:schemeClr>
+                </a:solidFill>
+              </a:rPr>
+              <a:t>memmap</a:t>
+            </a:r>
+            <a:endParaRPr lang="en-US" sz="1100" i="1" dirty="0">
+              <a:solidFill>
+                <a:schemeClr val="bg1">
+                  <a:lumMod val="50000"/>
+                </a:schemeClr>
+              </a:solidFill>
+            </a:endParaRPr>
+          </a:p>
+        </p:txBody>
+      </p:sp>
+      <p:sp>
+        <p:nvSpPr>
+          <p:cNvPr id="51" name="Flowchart: Process 50"/>
+          <p:cNvSpPr/>
+          <p:nvPr/>
+        </p:nvSpPr>
+        <p:spPr>
+          <a:xfrm>
+            <a:off x="4463988" y="3492163"/>
+            <a:ext cx="720000" cy="225351"/>
+          </a:xfrm>
+          <a:prstGeom prst="flowChartProcess">
+            <a:avLst/>
+          </a:prstGeom>
+          <a:solidFill>
+            <a:schemeClr val="bg1"/>
+          </a:solidFill>
+          <a:ln>
+            <a:solidFill>
+              <a:schemeClr val="bg1">
+                <a:lumMod val="50000"/>
+              </a:schemeClr>
+            </a:solidFill>
+          </a:ln>
+        </p:spPr>
+        <p:style>
+          <a:lnRef idx="2">
+            <a:schemeClr val="accent1">
+              <a:shade val="50000"/>
+            </a:schemeClr>
+          </a:lnRef>
+          <a:fillRef idx="1">
+            <a:schemeClr val="accent1"/>
+          </a:fillRef>
+          <a:effectRef idx="0">
+            <a:schemeClr val="accent1"/>
+          </a:effectRef>
+          <a:fontRef idx="minor">
+            <a:schemeClr val="lt1"/>
+          </a:fontRef>
+        </p:style>
+        <p:txBody>
+          <a:bodyPr wrap="none" rtlCol="0" anchor="ctr"/>
+          <a:lstStyle/>
+          <a:p>
+            <a:pPr algn="ctr"/>
+            <a:r>
+              <a:rPr lang="fi-FI" sz="1100" i="1" dirty="0" err="1" smtClean="0">
+                <a:solidFill>
+                  <a:schemeClr val="bg1">
+                    <a:lumMod val="50000"/>
+                  </a:schemeClr>
+                </a:solidFill>
+              </a:rPr>
+              <a:t>memmap</a:t>
+            </a:r>
+            <a:endParaRPr lang="en-US" sz="1100" i="1" dirty="0">
+              <a:solidFill>
+                <a:schemeClr val="bg1">
+                  <a:lumMod val="50000"/>
+                </a:schemeClr>
+              </a:solidFill>
+            </a:endParaRPr>
+          </a:p>
+        </p:txBody>
+      </p:sp>
+      <p:grpSp>
+        <p:nvGrpSpPr>
+          <p:cNvPr id="68" name="Group 67"/>
+          <p:cNvGrpSpPr/>
+          <p:nvPr/>
+        </p:nvGrpSpPr>
+        <p:grpSpPr>
+          <a:xfrm>
+            <a:off x="1763543" y="1285552"/>
+            <a:ext cx="854669" cy="378042"/>
+            <a:chOff x="1763543" y="1285552"/>
+            <a:chExt cx="854669" cy="378042"/>
+          </a:xfrm>
+        </p:grpSpPr>
+        <p:cxnSp>
+          <p:nvCxnSpPr>
+            <p:cNvPr id="54" name="Straight Connector 53"/>
+            <p:cNvCxnSpPr/>
+            <p:nvPr/>
+          </p:nvCxnSpPr>
+          <p:spPr>
+            <a:xfrm>
+              <a:off x="2402228" y="1448780"/>
+              <a:ext cx="215984" cy="0"/>
+            </a:xfrm>
+            <a:prstGeom prst="line">
+              <a:avLst/>
+            </a:prstGeom>
+            <a:ln w="12700">
+              <a:solidFill>
+                <a:schemeClr val="tx1"/>
+              </a:solidFill>
+              <a:prstDash val="dash"/>
+            </a:ln>
+          </p:spPr>
+          <p:style>
+            <a:lnRef idx="1">
+              <a:schemeClr val="accent1"/>
+            </a:lnRef>
+            <a:fillRef idx="0">
+              <a:schemeClr val="accent1"/>
+            </a:fillRef>
+            <a:effectRef idx="0">
+              <a:schemeClr val="accent1"/>
+            </a:effectRef>
+            <a:fontRef idx="minor">
+              <a:schemeClr val="tx1"/>
+            </a:fontRef>
+          </p:style>
+        </p:cxnSp>
+        <p:sp>
+          <p:nvSpPr>
+            <p:cNvPr id="59" name="Pie 58"/>
+            <p:cNvSpPr/>
+            <p:nvPr/>
+          </p:nvSpPr>
+          <p:spPr>
+            <a:xfrm rot="10637019">
+              <a:off x="1763543" y="1285552"/>
+              <a:ext cx="630080" cy="378042"/>
+            </a:xfrm>
+            <a:prstGeom prst="pie">
+              <a:avLst>
+                <a:gd name="adj1" fmla="val 9399009"/>
+                <a:gd name="adj2" fmla="val 12147037"/>
+              </a:avLst>
+            </a:prstGeom>
+            <a:solidFill>
+              <a:schemeClr val="bg1"/>
+            </a:solidFill>
+            <a:ln>
+              <a:solidFill>
+                <a:schemeClr val="tx1"/>
+              </a:solidFill>
+            </a:ln>
+          </p:spPr>
+          <p:style>
+            <a:lnRef idx="2">
+              <a:schemeClr val="accent1">
+                <a:shade val="50000"/>
+              </a:schemeClr>
+            </a:lnRef>
+            <a:fillRef idx="1">
+              <a:schemeClr val="accent1"/>
+            </a:fillRef>
+            <a:effectRef idx="0">
+              <a:schemeClr val="accent1"/>
+            </a:effectRef>
+            <a:fontRef idx="minor">
+              <a:schemeClr val="lt1"/>
+            </a:fontRef>
+          </p:style>
+          <p:txBody>
+            <a:bodyPr rtlCol="0" anchor="ctr"/>
+            <a:lstStyle/>
+            <a:p>
+              <a:pPr algn="ctr"/>
+              <a:endParaRPr lang="en-US">
+                <a:solidFill>
+                  <a:schemeClr val="tx1"/>
+                </a:solidFill>
+              </a:endParaRPr>
+            </a:p>
+          </p:txBody>
+        </p:sp>
+        <p:sp>
+          <p:nvSpPr>
+            <p:cNvPr id="27" name="Oval 26"/>
+            <p:cNvSpPr/>
+            <p:nvPr/>
+          </p:nvSpPr>
+          <p:spPr>
+            <a:xfrm>
+              <a:off x="2325418" y="1412776"/>
+              <a:ext cx="72048" cy="72008"/>
+            </a:xfrm>
+            <a:prstGeom prst="ellipse">
+              <a:avLst/>
+            </a:prstGeom>
+            <a:ln>
+              <a:solidFill>
+                <a:schemeClr val="tx1"/>
+              </a:solidFill>
+            </a:ln>
+          </p:spPr>
+          <p:style>
+            <a:lnRef idx="2">
+              <a:schemeClr val="accent1">
+                <a:shade val="50000"/>
+              </a:schemeClr>
+            </a:lnRef>
+            <a:fillRef idx="1">
+              <a:schemeClr val="accent1"/>
+            </a:fillRef>
+            <a:effectRef idx="0">
+              <a:schemeClr val="accent1"/>
+            </a:effectRef>
+            <a:fontRef idx="minor">
+              <a:schemeClr val="lt1"/>
+            </a:fontRef>
+          </p:style>
+          <p:txBody>
+            <a:bodyPr rtlCol="0" anchor="ctr"/>
+            <a:lstStyle/>
+            <a:p>
+              <a:pPr algn="ctr"/>
+              <a:endParaRPr lang="en-US"/>
+            </a:p>
+          </p:txBody>
+        </p:sp>
+        <p:sp>
+          <p:nvSpPr>
+            <p:cNvPr id="60" name="Freeform 59"/>
+            <p:cNvSpPr/>
+            <p:nvPr/>
+          </p:nvSpPr>
+          <p:spPr>
+            <a:xfrm>
+              <a:off x="2278892" y="1295400"/>
+              <a:ext cx="57150" cy="66675"/>
+            </a:xfrm>
+            <a:custGeom>
+              <a:avLst/>
+              <a:gdLst>
+                <a:gd name="connsiteX0" fmla="*/ 0 w 57150"/>
+                <a:gd name="connsiteY0" fmla="*/ 66675 h 66675"/>
+                <a:gd name="connsiteX1" fmla="*/ 28575 w 57150"/>
+                <a:gd name="connsiteY1" fmla="*/ 57150 h 66675"/>
+                <a:gd name="connsiteX2" fmla="*/ 57150 w 57150"/>
+                <a:gd name="connsiteY2" fmla="*/ 23813 h 66675"/>
+                <a:gd name="connsiteX3" fmla="*/ 42862 w 57150"/>
+                <a:gd name="connsiteY3" fmla="*/ 0 h 66675"/>
+              </a:gdLst>
+              <a:ahLst/>
+              <a:cxnLst>
+                <a:cxn ang="0">
+                  <a:pos x="connsiteX0" y="connsiteY0"/>
+                </a:cxn>
+                <a:cxn ang="0">
+                  <a:pos x="connsiteX1" y="connsiteY1"/>
+                </a:cxn>
+                <a:cxn ang="0">
+                  <a:pos x="connsiteX2" y="connsiteY2"/>
+                </a:cxn>
+                <a:cxn ang="0">
+                  <a:pos x="connsiteX3" y="connsiteY3"/>
+                </a:cxn>
+              </a:cxnLst>
+              <a:rect l="l" t="t" r="r" b="b"/>
+              <a:pathLst>
+                <a:path w="57150" h="66675">
+                  <a:moveTo>
+                    <a:pt x="0" y="66675"/>
+                  </a:moveTo>
+                  <a:cubicBezTo>
+                    <a:pt x="9525" y="63500"/>
+                    <a:pt x="19798" y="62026"/>
+                    <a:pt x="28575" y="57150"/>
+                  </a:cubicBezTo>
+                  <a:cubicBezTo>
+                    <a:pt x="37103" y="52412"/>
+                    <a:pt x="52224" y="30381"/>
+                    <a:pt x="57150" y="23813"/>
+                  </a:cubicBezTo>
+                  <a:cubicBezTo>
+                    <a:pt x="45656" y="6571"/>
+                    <a:pt x="50185" y="14645"/>
+                    <a:pt x="42862" y="0"/>
+                  </a:cubicBezTo>
+                </a:path>
+              </a:pathLst>
+            </a:custGeom>
+            <a:noFill/>
+            <a:ln w="19050">
+              <a:solidFill>
+                <a:schemeClr val="tx1"/>
+              </a:solidFill>
+            </a:ln>
+          </p:spPr>
+          <p:style>
+            <a:lnRef idx="2">
+              <a:schemeClr val="accent1">
+                <a:shade val="50000"/>
+              </a:schemeClr>
+            </a:lnRef>
+            <a:fillRef idx="1">
+              <a:schemeClr val="accent1"/>
+            </a:fillRef>
+            <a:effectRef idx="0">
+              <a:schemeClr val="accent1"/>
+            </a:effectRef>
+            <a:fontRef idx="minor">
+              <a:schemeClr val="lt1"/>
+            </a:fontRef>
+          </p:style>
+          <p:txBody>
+            <a:bodyPr rtlCol="0" anchor="ctr"/>
+            <a:lstStyle/>
+            <a:p>
+              <a:pPr algn="ctr"/>
+              <a:endParaRPr lang="en-US"/>
+            </a:p>
+          </p:txBody>
+        </p:sp>
+        <p:sp>
+          <p:nvSpPr>
+            <p:cNvPr id="61" name="Freeform 60"/>
+            <p:cNvSpPr/>
+            <p:nvPr/>
+          </p:nvSpPr>
+          <p:spPr>
+            <a:xfrm>
+              <a:off x="2224872" y="1321147"/>
+              <a:ext cx="57150" cy="66675"/>
+            </a:xfrm>
+            <a:custGeom>
+              <a:avLst/>
+              <a:gdLst>
+                <a:gd name="connsiteX0" fmla="*/ 0 w 57150"/>
+                <a:gd name="connsiteY0" fmla="*/ 66675 h 66675"/>
+                <a:gd name="connsiteX1" fmla="*/ 28575 w 57150"/>
+                <a:gd name="connsiteY1" fmla="*/ 57150 h 66675"/>
+                <a:gd name="connsiteX2" fmla="*/ 57150 w 57150"/>
+                <a:gd name="connsiteY2" fmla="*/ 23813 h 66675"/>
+                <a:gd name="connsiteX3" fmla="*/ 42862 w 57150"/>
+                <a:gd name="connsiteY3" fmla="*/ 0 h 66675"/>
+              </a:gdLst>
+              <a:ahLst/>
+              <a:cxnLst>
+                <a:cxn ang="0">
+                  <a:pos x="connsiteX0" y="connsiteY0"/>
+                </a:cxn>
+                <a:cxn ang="0">
+                  <a:pos x="connsiteX1" y="connsiteY1"/>
+                </a:cxn>
+                <a:cxn ang="0">
+                  <a:pos x="connsiteX2" y="connsiteY2"/>
+                </a:cxn>
+                <a:cxn ang="0">
+                  <a:pos x="connsiteX3" y="connsiteY3"/>
+                </a:cxn>
+              </a:cxnLst>
+              <a:rect l="l" t="t" r="r" b="b"/>
+              <a:pathLst>
+                <a:path w="57150" h="66675">
+                  <a:moveTo>
+                    <a:pt x="0" y="66675"/>
+                  </a:moveTo>
+                  <a:cubicBezTo>
+                    <a:pt x="9525" y="63500"/>
+                    <a:pt x="19798" y="62026"/>
+                    <a:pt x="28575" y="57150"/>
+                  </a:cubicBezTo>
+                  <a:cubicBezTo>
+                    <a:pt x="37103" y="52412"/>
+                    <a:pt x="52224" y="30381"/>
+                    <a:pt x="57150" y="23813"/>
+                  </a:cubicBezTo>
+                  <a:cubicBezTo>
+                    <a:pt x="45656" y="6571"/>
+                    <a:pt x="50185" y="14645"/>
+                    <a:pt x="42862" y="0"/>
+                  </a:cubicBezTo>
+                </a:path>
+              </a:pathLst>
+            </a:custGeom>
+            <a:noFill/>
+            <a:ln w="19050">
+              <a:solidFill>
+                <a:schemeClr val="tx1"/>
+              </a:solidFill>
+            </a:ln>
+          </p:spPr>
+          <p:style>
+            <a:lnRef idx="2">
+              <a:schemeClr val="accent1">
+                <a:shade val="50000"/>
+              </a:schemeClr>
+            </a:lnRef>
+            <a:fillRef idx="1">
+              <a:schemeClr val="accent1"/>
+            </a:fillRef>
+            <a:effectRef idx="0">
+              <a:schemeClr val="accent1"/>
+            </a:effectRef>
+            <a:fontRef idx="minor">
+              <a:schemeClr val="lt1"/>
+            </a:fontRef>
+          </p:style>
+          <p:txBody>
+            <a:bodyPr rtlCol="0" anchor="ctr"/>
+            <a:lstStyle/>
+            <a:p>
+              <a:pPr algn="ctr"/>
+              <a:endParaRPr lang="en-US"/>
+            </a:p>
+          </p:txBody>
+        </p:sp>
+        <p:cxnSp>
+          <p:nvCxnSpPr>
+            <p:cNvPr id="62" name="Straight Connector 61"/>
+            <p:cNvCxnSpPr/>
+            <p:nvPr/>
+          </p:nvCxnSpPr>
+          <p:spPr>
+            <a:xfrm flipV="1">
+              <a:off x="2069692" y="1322766"/>
+              <a:ext cx="327774" cy="151807"/>
+            </a:xfrm>
+            <a:prstGeom prst="line">
+              <a:avLst/>
+            </a:prstGeom>
+            <a:ln w="19050">
+              <a:solidFill>
+                <a:schemeClr val="tx1"/>
+              </a:solidFill>
+              <a:prstDash val="solid"/>
+            </a:ln>
+          </p:spPr>
+          <p:style>
+            <a:lnRef idx="1">
+              <a:schemeClr val="accent1"/>
+            </a:lnRef>
+            <a:fillRef idx="0">
+              <a:schemeClr val="accent1"/>
+            </a:fillRef>
+            <a:effectRef idx="0">
+              <a:schemeClr val="accent1"/>
+            </a:effectRef>
+            <a:fontRef idx="minor">
+              <a:schemeClr val="tx1"/>
+            </a:fontRef>
+          </p:style>
+        </p:cxnSp>
+        <p:cxnSp>
+          <p:nvCxnSpPr>
+            <p:cNvPr id="65" name="Straight Connector 64"/>
+            <p:cNvCxnSpPr/>
+            <p:nvPr/>
+          </p:nvCxnSpPr>
+          <p:spPr>
+            <a:xfrm>
+              <a:off x="2078583" y="1478435"/>
+              <a:ext cx="318883" cy="108011"/>
+            </a:xfrm>
+            <a:prstGeom prst="line">
+              <a:avLst/>
+            </a:prstGeom>
+            <a:ln w="19050">
+              <a:solidFill>
+                <a:schemeClr val="tx1"/>
+              </a:solidFill>
+              <a:prstDash val="solid"/>
+            </a:ln>
+          </p:spPr>
+          <p:style>
+            <a:lnRef idx="1">
+              <a:schemeClr val="accent1"/>
+            </a:lnRef>
+            <a:fillRef idx="0">
+              <a:schemeClr val="accent1"/>
+            </a:fillRef>
+            <a:effectRef idx="0">
+              <a:schemeClr val="accent1"/>
+            </a:effectRef>
+            <a:fontRef idx="minor">
+              <a:schemeClr val="tx1"/>
+            </a:fontRef>
+          </p:style>
+        </p:cxnSp>
+      </p:grpSp>
+      <p:grpSp>
+        <p:nvGrpSpPr>
+          <p:cNvPr id="69" name="Group 68"/>
+          <p:cNvGrpSpPr/>
+          <p:nvPr/>
+        </p:nvGrpSpPr>
+        <p:grpSpPr>
+          <a:xfrm>
+            <a:off x="1446868" y="2416599"/>
+            <a:ext cx="627134" cy="279083"/>
+            <a:chOff x="1763543" y="1285552"/>
+            <a:chExt cx="854669" cy="378042"/>
+          </a:xfrm>
+        </p:grpSpPr>
+        <p:cxnSp>
+          <p:nvCxnSpPr>
+            <p:cNvPr id="70" name="Straight Connector 69"/>
+            <p:cNvCxnSpPr/>
+            <p:nvPr/>
+          </p:nvCxnSpPr>
+          <p:spPr>
+            <a:xfrm>
+              <a:off x="2402228" y="1448780"/>
+              <a:ext cx="215984" cy="0"/>
+            </a:xfrm>
+            <a:prstGeom prst="line">
+              <a:avLst/>
+            </a:prstGeom>
+            <a:ln w="12700">
+              <a:solidFill>
+                <a:schemeClr val="tx1"/>
+              </a:solidFill>
+              <a:prstDash val="dash"/>
+            </a:ln>
+          </p:spPr>
+          <p:style>
+            <a:lnRef idx="1">
+              <a:schemeClr val="accent1"/>
+            </a:lnRef>
+            <a:fillRef idx="0">
+              <a:schemeClr val="accent1"/>
+            </a:fillRef>
+            <a:effectRef idx="0">
+              <a:schemeClr val="accent1"/>
+            </a:effectRef>
+            <a:fontRef idx="minor">
+              <a:schemeClr val="tx1"/>
+            </a:fontRef>
+          </p:style>
+        </p:cxnSp>
+        <p:sp>
+          <p:nvSpPr>
+            <p:cNvPr id="71" name="Pie 70"/>
+            <p:cNvSpPr/>
+            <p:nvPr/>
+          </p:nvSpPr>
+          <p:spPr>
+            <a:xfrm rot="10637019">
+              <a:off x="1763543" y="1285552"/>
+              <a:ext cx="630080" cy="378042"/>
+            </a:xfrm>
+            <a:prstGeom prst="pie">
+              <a:avLst>
+                <a:gd name="adj1" fmla="val 9399009"/>
+                <a:gd name="adj2" fmla="val 12147037"/>
+              </a:avLst>
+            </a:prstGeom>
+            <a:solidFill>
+              <a:schemeClr val="bg1"/>
+            </a:solidFill>
+            <a:ln>
+              <a:solidFill>
+                <a:schemeClr val="tx1"/>
+              </a:solidFill>
+            </a:ln>
+          </p:spPr>
+          <p:style>
+            <a:lnRef idx="2">
+              <a:schemeClr val="accent1">
+                <a:shade val="50000"/>
+              </a:schemeClr>
+            </a:lnRef>
+            <a:fillRef idx="1">
+              <a:schemeClr val="accent1"/>
+            </a:fillRef>
+            <a:effectRef idx="0">
+              <a:schemeClr val="accent1"/>
+            </a:effectRef>
+            <a:fontRef idx="minor">
+              <a:schemeClr val="lt1"/>
+            </a:fontRef>
+          </p:style>
+          <p:txBody>
+            <a:bodyPr rtlCol="0" anchor="ctr"/>
+            <a:lstStyle/>
+            <a:p>
+              <a:pPr algn="ctr"/>
+              <a:endParaRPr lang="en-US">
+                <a:solidFill>
+                  <a:schemeClr val="tx1"/>
+                </a:solidFill>
+              </a:endParaRPr>
+            </a:p>
+          </p:txBody>
+        </p:sp>
+        <p:sp>
+          <p:nvSpPr>
+            <p:cNvPr id="72" name="Oval 71"/>
+            <p:cNvSpPr/>
+            <p:nvPr/>
+          </p:nvSpPr>
+          <p:spPr>
+            <a:xfrm>
+              <a:off x="2325418" y="1412776"/>
+              <a:ext cx="72048" cy="72008"/>
+            </a:xfrm>
+            <a:prstGeom prst="ellipse">
+              <a:avLst/>
+            </a:prstGeom>
+            <a:ln>
+              <a:solidFill>
+                <a:schemeClr val="tx1"/>
+              </a:solidFill>
+            </a:ln>
+          </p:spPr>
+          <p:style>
+            <a:lnRef idx="2">
+              <a:schemeClr val="accent1">
+                <a:shade val="50000"/>
+              </a:schemeClr>
+            </a:lnRef>
+            <a:fillRef idx="1">
+              <a:schemeClr val="accent1"/>
+            </a:fillRef>
+            <a:effectRef idx="0">
+              <a:schemeClr val="accent1"/>
+            </a:effectRef>
+            <a:fontRef idx="minor">
+              <a:schemeClr val="lt1"/>
+            </a:fontRef>
+          </p:style>
+          <p:txBody>
+            <a:bodyPr rtlCol="0" anchor="ctr"/>
+            <a:lstStyle/>
+            <a:p>
+              <a:pPr algn="ctr"/>
+              <a:endParaRPr lang="en-US"/>
+            </a:p>
+          </p:txBody>
+        </p:sp>
+        <p:sp>
+          <p:nvSpPr>
+            <p:cNvPr id="73" name="Freeform 72"/>
+            <p:cNvSpPr/>
+            <p:nvPr/>
+          </p:nvSpPr>
+          <p:spPr>
+            <a:xfrm>
+              <a:off x="2278892" y="1295400"/>
+              <a:ext cx="57150" cy="66675"/>
+            </a:xfrm>
+            <a:custGeom>
+              <a:avLst/>
+              <a:gdLst>
+                <a:gd name="connsiteX0" fmla="*/ 0 w 57150"/>
+                <a:gd name="connsiteY0" fmla="*/ 66675 h 66675"/>
+                <a:gd name="connsiteX1" fmla="*/ 28575 w 57150"/>
+                <a:gd name="connsiteY1" fmla="*/ 57150 h 66675"/>
+                <a:gd name="connsiteX2" fmla="*/ 57150 w 57150"/>
+                <a:gd name="connsiteY2" fmla="*/ 23813 h 66675"/>
+                <a:gd name="connsiteX3" fmla="*/ 42862 w 57150"/>
+                <a:gd name="connsiteY3" fmla="*/ 0 h 66675"/>
+              </a:gdLst>
+              <a:ahLst/>
+              <a:cxnLst>
+                <a:cxn ang="0">
+                  <a:pos x="connsiteX0" y="connsiteY0"/>
+                </a:cxn>
+                <a:cxn ang="0">
+                  <a:pos x="connsiteX1" y="connsiteY1"/>
+                </a:cxn>
+                <a:cxn ang="0">
+                  <a:pos x="connsiteX2" y="connsiteY2"/>
+                </a:cxn>
+                <a:cxn ang="0">
+                  <a:pos x="connsiteX3" y="connsiteY3"/>
+                </a:cxn>
+              </a:cxnLst>
+              <a:rect l="l" t="t" r="r" b="b"/>
+              <a:pathLst>
+                <a:path w="57150" h="66675">
+                  <a:moveTo>
+                    <a:pt x="0" y="66675"/>
+                  </a:moveTo>
+                  <a:cubicBezTo>
+                    <a:pt x="9525" y="63500"/>
+                    <a:pt x="19798" y="62026"/>
+                    <a:pt x="28575" y="57150"/>
+                  </a:cubicBezTo>
+                  <a:cubicBezTo>
+                    <a:pt x="37103" y="52412"/>
+                    <a:pt x="52224" y="30381"/>
+                    <a:pt x="57150" y="23813"/>
+                  </a:cubicBezTo>
+                  <a:cubicBezTo>
+                    <a:pt x="45656" y="6571"/>
+                    <a:pt x="50185" y="14645"/>
+                    <a:pt x="42862" y="0"/>
+                  </a:cubicBezTo>
+                </a:path>
+              </a:pathLst>
+            </a:custGeom>
+            <a:noFill/>
+            <a:ln w="19050">
+              <a:solidFill>
+                <a:schemeClr val="tx1"/>
+              </a:solidFill>
+            </a:ln>
+          </p:spPr>
+          <p:style>
+            <a:lnRef idx="2">
+              <a:schemeClr val="accent1">
+                <a:shade val="50000"/>
+              </a:schemeClr>
+            </a:lnRef>
+            <a:fillRef idx="1">
+              <a:schemeClr val="accent1"/>
+            </a:fillRef>
+            <a:effectRef idx="0">
+              <a:schemeClr val="accent1"/>
+            </a:effectRef>
+            <a:fontRef idx="minor">
+              <a:schemeClr val="lt1"/>
+            </a:fontRef>
+          </p:style>
+          <p:txBody>
+            <a:bodyPr rtlCol="0" anchor="ctr"/>
+            <a:lstStyle/>
+            <a:p>
+              <a:pPr algn="ctr"/>
+              <a:endParaRPr lang="en-US"/>
+            </a:p>
+          </p:txBody>
+        </p:sp>
+        <p:sp>
+          <p:nvSpPr>
+            <p:cNvPr id="74" name="Freeform 73"/>
+            <p:cNvSpPr/>
+            <p:nvPr/>
+          </p:nvSpPr>
+          <p:spPr>
+            <a:xfrm>
+              <a:off x="2224872" y="1321147"/>
+              <a:ext cx="57150" cy="66675"/>
+            </a:xfrm>
+            <a:custGeom>
+              <a:avLst/>
+              <a:gdLst>
+                <a:gd name="connsiteX0" fmla="*/ 0 w 57150"/>
+                <a:gd name="connsiteY0" fmla="*/ 66675 h 66675"/>
+                <a:gd name="connsiteX1" fmla="*/ 28575 w 57150"/>
+                <a:gd name="connsiteY1" fmla="*/ 57150 h 66675"/>
+                <a:gd name="connsiteX2" fmla="*/ 57150 w 57150"/>
+                <a:gd name="connsiteY2" fmla="*/ 23813 h 66675"/>
+                <a:gd name="connsiteX3" fmla="*/ 42862 w 57150"/>
+                <a:gd name="connsiteY3" fmla="*/ 0 h 66675"/>
+              </a:gdLst>
+              <a:ahLst/>
+              <a:cxnLst>
+                <a:cxn ang="0">
+                  <a:pos x="connsiteX0" y="connsiteY0"/>
+                </a:cxn>
+                <a:cxn ang="0">
+                  <a:pos x="connsiteX1" y="connsiteY1"/>
+                </a:cxn>
+                <a:cxn ang="0">
+                  <a:pos x="connsiteX2" y="connsiteY2"/>
+                </a:cxn>
+                <a:cxn ang="0">
+                  <a:pos x="connsiteX3" y="connsiteY3"/>
+                </a:cxn>
+              </a:cxnLst>
+              <a:rect l="l" t="t" r="r" b="b"/>
+              <a:pathLst>
+                <a:path w="57150" h="66675">
+                  <a:moveTo>
+                    <a:pt x="0" y="66675"/>
+                  </a:moveTo>
+                  <a:cubicBezTo>
+                    <a:pt x="9525" y="63500"/>
+                    <a:pt x="19798" y="62026"/>
+                    <a:pt x="28575" y="57150"/>
+                  </a:cubicBezTo>
+                  <a:cubicBezTo>
+                    <a:pt x="37103" y="52412"/>
+                    <a:pt x="52224" y="30381"/>
+                    <a:pt x="57150" y="23813"/>
+                  </a:cubicBezTo>
+                  <a:cubicBezTo>
+                    <a:pt x="45656" y="6571"/>
+                    <a:pt x="50185" y="14645"/>
+                    <a:pt x="42862" y="0"/>
+                  </a:cubicBezTo>
+                </a:path>
+              </a:pathLst>
+            </a:custGeom>
+            <a:noFill/>
+            <a:ln w="19050">
+              <a:solidFill>
+                <a:schemeClr val="tx1"/>
+              </a:solidFill>
+            </a:ln>
+          </p:spPr>
+          <p:style>
+            <a:lnRef idx="2">
+              <a:schemeClr val="accent1">
+                <a:shade val="50000"/>
+              </a:schemeClr>
+            </a:lnRef>
+            <a:fillRef idx="1">
+              <a:schemeClr val="accent1"/>
+            </a:fillRef>
+            <a:effectRef idx="0">
+              <a:schemeClr val="accent1"/>
+            </a:effectRef>
+            <a:fontRef idx="minor">
+              <a:schemeClr val="lt1"/>
+            </a:fontRef>
+          </p:style>
+          <p:txBody>
+            <a:bodyPr rtlCol="0" anchor="ctr"/>
+            <a:lstStyle/>
+            <a:p>
+              <a:pPr algn="ctr"/>
+              <a:endParaRPr lang="en-US"/>
+            </a:p>
+          </p:txBody>
+        </p:sp>
+        <p:cxnSp>
+          <p:nvCxnSpPr>
+            <p:cNvPr id="75" name="Straight Connector 74"/>
+            <p:cNvCxnSpPr/>
+            <p:nvPr/>
+          </p:nvCxnSpPr>
+          <p:spPr>
+            <a:xfrm flipV="1">
+              <a:off x="2069692" y="1322766"/>
+              <a:ext cx="327774" cy="151807"/>
+            </a:xfrm>
+            <a:prstGeom prst="line">
+              <a:avLst/>
+            </a:prstGeom>
+            <a:ln w="19050">
+              <a:solidFill>
+                <a:schemeClr val="tx1"/>
+              </a:solidFill>
+              <a:prstDash val="solid"/>
+            </a:ln>
+          </p:spPr>
+          <p:style>
+            <a:lnRef idx="1">
+              <a:schemeClr val="accent1"/>
+            </a:lnRef>
+            <a:fillRef idx="0">
+              <a:schemeClr val="accent1"/>
+            </a:fillRef>
+            <a:effectRef idx="0">
+              <a:schemeClr val="accent1"/>
+            </a:effectRef>
+            <a:fontRef idx="minor">
+              <a:schemeClr val="tx1"/>
+            </a:fontRef>
+          </p:style>
+        </p:cxnSp>
+        <p:cxnSp>
+          <p:nvCxnSpPr>
+            <p:cNvPr id="76" name="Straight Connector 75"/>
+            <p:cNvCxnSpPr/>
+            <p:nvPr/>
+          </p:nvCxnSpPr>
+          <p:spPr>
+            <a:xfrm>
+              <a:off x="2078583" y="1478435"/>
+              <a:ext cx="318883" cy="108011"/>
+            </a:xfrm>
+            <a:prstGeom prst="line">
+              <a:avLst/>
+            </a:prstGeom>
+            <a:ln w="19050">
+              <a:solidFill>
+                <a:schemeClr val="tx1"/>
+              </a:solidFill>
+              <a:prstDash val="solid"/>
+            </a:ln>
+          </p:spPr>
+          <p:style>
+            <a:lnRef idx="1">
+              <a:schemeClr val="accent1"/>
+            </a:lnRef>
+            <a:fillRef idx="0">
+              <a:schemeClr val="accent1"/>
+            </a:fillRef>
+            <a:effectRef idx="0">
+              <a:schemeClr val="accent1"/>
+            </a:effectRef>
+            <a:fontRef idx="minor">
+              <a:schemeClr val="tx1"/>
+            </a:fontRef>
+          </p:style>
+        </p:cxnSp>
+      </p:grpSp>
+    </p:spTree>
+    <p:extLst>
+      <p:ext uri="{BB962C8B-B14F-4D97-AF65-F5344CB8AC3E}">
+        <p14:creationId xmlns:p14="http://schemas.microsoft.com/office/powerpoint/2010/main" val="2400457138"/>
       </p:ext>
     </p:extLst>
   </p:cSld>

--- a/Help/images/img_sources.pptx
+++ b/Help/images/img_sources.pptx
@@ -13,6 +13,7 @@
     <p:sldId id="257" r:id="rId7"/>
     <p:sldId id="258" r:id="rId8"/>
     <p:sldId id="260" r:id="rId9"/>
+    <p:sldId id="264" r:id="rId10"/>
   </p:sldIdLst>
   <p:sldSz cx="9144000" cy="6858000" type="screen4x3"/>
   <p:notesSz cx="6858000" cy="9144000"/>
@@ -295,7 +296,7 @@
           <a:p>
             <a:fld id="{54379204-0DE5-4A8F-A5DB-A53F02487498}" type="datetimeFigureOut">
               <a:rPr lang="en-US" smtClean="0"/>
-              <a:t>3/25/2013</a:t>
+              <a:t>4/2/2013</a:t>
             </a:fld>
             <a:endParaRPr lang="en-US"/>
           </a:p>
@@ -465,7 +466,7 @@
           <a:p>
             <a:fld id="{54379204-0DE5-4A8F-A5DB-A53F02487498}" type="datetimeFigureOut">
               <a:rPr lang="en-US" smtClean="0"/>
-              <a:t>3/25/2013</a:t>
+              <a:t>4/2/2013</a:t>
             </a:fld>
             <a:endParaRPr lang="en-US"/>
           </a:p>
@@ -645,7 +646,7 @@
           <a:p>
             <a:fld id="{54379204-0DE5-4A8F-A5DB-A53F02487498}" type="datetimeFigureOut">
               <a:rPr lang="en-US" smtClean="0"/>
-              <a:t>3/25/2013</a:t>
+              <a:t>4/2/2013</a:t>
             </a:fld>
             <a:endParaRPr lang="en-US"/>
           </a:p>
@@ -815,7 +816,7 @@
           <a:p>
             <a:fld id="{54379204-0DE5-4A8F-A5DB-A53F02487498}" type="datetimeFigureOut">
               <a:rPr lang="en-US" smtClean="0"/>
-              <a:t>3/25/2013</a:t>
+              <a:t>4/2/2013</a:t>
             </a:fld>
             <a:endParaRPr lang="en-US"/>
           </a:p>
@@ -1061,7 +1062,7 @@
           <a:p>
             <a:fld id="{54379204-0DE5-4A8F-A5DB-A53F02487498}" type="datetimeFigureOut">
               <a:rPr lang="en-US" smtClean="0"/>
-              <a:t>3/25/2013</a:t>
+              <a:t>4/2/2013</a:t>
             </a:fld>
             <a:endParaRPr lang="en-US"/>
           </a:p>
@@ -1349,7 +1350,7 @@
           <a:p>
             <a:fld id="{54379204-0DE5-4A8F-A5DB-A53F02487498}" type="datetimeFigureOut">
               <a:rPr lang="en-US" smtClean="0"/>
-              <a:t>3/25/2013</a:t>
+              <a:t>4/2/2013</a:t>
             </a:fld>
             <a:endParaRPr lang="en-US"/>
           </a:p>
@@ -1771,7 +1772,7 @@
           <a:p>
             <a:fld id="{54379204-0DE5-4A8F-A5DB-A53F02487498}" type="datetimeFigureOut">
               <a:rPr lang="en-US" smtClean="0"/>
-              <a:t>3/25/2013</a:t>
+              <a:t>4/2/2013</a:t>
             </a:fld>
             <a:endParaRPr lang="en-US"/>
           </a:p>
@@ -1889,7 +1890,7 @@
           <a:p>
             <a:fld id="{54379204-0DE5-4A8F-A5DB-A53F02487498}" type="datetimeFigureOut">
               <a:rPr lang="en-US" smtClean="0"/>
-              <a:t>3/25/2013</a:t>
+              <a:t>4/2/2013</a:t>
             </a:fld>
             <a:endParaRPr lang="en-US"/>
           </a:p>
@@ -1984,7 +1985,7 @@
           <a:p>
             <a:fld id="{54379204-0DE5-4A8F-A5DB-A53F02487498}" type="datetimeFigureOut">
               <a:rPr lang="en-US" smtClean="0"/>
-              <a:t>3/25/2013</a:t>
+              <a:t>4/2/2013</a:t>
             </a:fld>
             <a:endParaRPr lang="en-US"/>
           </a:p>
@@ -2261,7 +2262,7 @@
           <a:p>
             <a:fld id="{54379204-0DE5-4A8F-A5DB-A53F02487498}" type="datetimeFigureOut">
               <a:rPr lang="en-US" smtClean="0"/>
-              <a:t>3/25/2013</a:t>
+              <a:t>4/2/2013</a:t>
             </a:fld>
             <a:endParaRPr lang="en-US"/>
           </a:p>
@@ -2514,7 +2515,7 @@
           <a:p>
             <a:fld id="{54379204-0DE5-4A8F-A5DB-A53F02487498}" type="datetimeFigureOut">
               <a:rPr lang="en-US" smtClean="0"/>
-              <a:t>3/25/2013</a:t>
+              <a:t>4/2/2013</a:t>
             </a:fld>
             <a:endParaRPr lang="en-US"/>
           </a:p>
@@ -2727,7 +2728,7 @@
           <a:p>
             <a:fld id="{54379204-0DE5-4A8F-A5DB-A53F02487498}" type="datetimeFigureOut">
               <a:rPr lang="en-US" smtClean="0"/>
-              <a:t>3/25/2013</a:t>
+              <a:t>4/2/2013</a:t>
             </a:fld>
             <a:endParaRPr lang="en-US"/>
           </a:p>
@@ -9401,6 +9402,1621 @@
 </p:sld>
 </file>
 
+<file path=ppt/slides/slide9.xml><?xml version="1.0" encoding="utf-8"?>
+<p:sld xmlns:a="http://schemas.openxmlformats.org/drawingml/2006/main" xmlns:r="http://schemas.openxmlformats.org/officeDocument/2006/relationships" xmlns:p="http://schemas.openxmlformats.org/presentationml/2006/main">
+  <p:cSld>
+    <p:spTree>
+      <p:nvGrpSpPr>
+        <p:cNvPr id="1" name=""/>
+        <p:cNvGrpSpPr/>
+        <p:nvPr/>
+      </p:nvGrpSpPr>
+      <p:grpSpPr>
+        <a:xfrm>
+          <a:off x="0" y="0"/>
+          <a:ext cx="0" cy="0"/>
+          <a:chOff x="0" y="0"/>
+          <a:chExt cx="0" cy="0"/>
+        </a:xfrm>
+      </p:grpSpPr>
+      <p:sp>
+        <p:nvSpPr>
+          <p:cNvPr id="2" name="Title 1"/>
+          <p:cNvSpPr>
+            <a:spLocks noGrp="1"/>
+          </p:cNvSpPr>
+          <p:nvPr>
+            <p:ph type="title"/>
+          </p:nvPr>
+        </p:nvSpPr>
+        <p:spPr/>
+        <p:txBody>
+          <a:bodyPr/>
+          <a:lstStyle/>
+          <a:p>
+            <a:endParaRPr lang="en-US"/>
+          </a:p>
+        </p:txBody>
+      </p:sp>
+      <p:sp>
+        <p:nvSpPr>
+          <p:cNvPr id="3" name="Content Placeholder 2"/>
+          <p:cNvSpPr>
+            <a:spLocks noGrp="1"/>
+          </p:cNvSpPr>
+          <p:nvPr>
+            <p:ph idx="1"/>
+          </p:nvPr>
+        </p:nvSpPr>
+        <p:spPr>
+          <a:xfrm>
+            <a:off x="3923928" y="1600200"/>
+            <a:ext cx="4762872" cy="4525963"/>
+          </a:xfrm>
+        </p:spPr>
+        <p:txBody>
+          <a:bodyPr/>
+          <a:lstStyle/>
+          <a:p>
+            <a:endParaRPr lang="en-US" dirty="0"/>
+          </a:p>
+        </p:txBody>
+      </p:sp>
+      <p:sp>
+        <p:nvSpPr>
+          <p:cNvPr id="4" name="Rectangle 3"/>
+          <p:cNvSpPr/>
+          <p:nvPr/>
+        </p:nvSpPr>
+        <p:spPr>
+          <a:xfrm>
+            <a:off x="1079612" y="1988840"/>
+            <a:ext cx="916653" cy="1764196"/>
+          </a:xfrm>
+          <a:prstGeom prst="rect">
+            <a:avLst/>
+          </a:prstGeom>
+          <a:solidFill>
+            <a:srgbClr val="C3D0F0"/>
+          </a:solidFill>
+          <a:ln w="12700">
+            <a:solidFill>
+              <a:schemeClr val="tx1"/>
+            </a:solidFill>
+            <a:tailEnd type="none"/>
+          </a:ln>
+          <a:effectLst/>
+        </p:spPr>
+        <p:style>
+          <a:lnRef idx="1">
+            <a:schemeClr val="accent4"/>
+          </a:lnRef>
+          <a:fillRef idx="2">
+            <a:schemeClr val="accent4"/>
+          </a:fillRef>
+          <a:effectRef idx="1">
+            <a:schemeClr val="accent4"/>
+          </a:effectRef>
+          <a:fontRef idx="minor">
+            <a:schemeClr val="dk1"/>
+          </a:fontRef>
+        </p:style>
+        <p:txBody>
+          <a:bodyPr tIns="0" bIns="0" anchor="t" anchorCtr="0">
+            <a:noAutofit/>
+          </a:bodyPr>
+          <a:lstStyle>
+            <a:defPPr>
+              <a:defRPr lang="en-US"/>
+            </a:defPPr>
+            <a:lvl1pPr marL="0" algn="l" defTabSz="914400" rtl="0" eaLnBrk="1" latinLnBrk="0" hangingPunct="1">
+              <a:defRPr sz="1800" kern="1200">
+                <a:solidFill>
+                  <a:schemeClr val="dk1"/>
+                </a:solidFill>
+                <a:latin typeface="+mn-lt"/>
+                <a:ea typeface="+mn-ea"/>
+                <a:cs typeface="+mn-cs"/>
+              </a:defRPr>
+            </a:lvl1pPr>
+            <a:lvl2pPr marL="457200" algn="l" defTabSz="914400" rtl="0" eaLnBrk="1" latinLnBrk="0" hangingPunct="1">
+              <a:defRPr sz="1800" kern="1200">
+                <a:solidFill>
+                  <a:schemeClr val="dk1"/>
+                </a:solidFill>
+                <a:latin typeface="+mn-lt"/>
+                <a:ea typeface="+mn-ea"/>
+                <a:cs typeface="+mn-cs"/>
+              </a:defRPr>
+            </a:lvl2pPr>
+            <a:lvl3pPr marL="914400" algn="l" defTabSz="914400" rtl="0" eaLnBrk="1" latinLnBrk="0" hangingPunct="1">
+              <a:defRPr sz="1800" kern="1200">
+                <a:solidFill>
+                  <a:schemeClr val="dk1"/>
+                </a:solidFill>
+                <a:latin typeface="+mn-lt"/>
+                <a:ea typeface="+mn-ea"/>
+                <a:cs typeface="+mn-cs"/>
+              </a:defRPr>
+            </a:lvl3pPr>
+            <a:lvl4pPr marL="1371600" algn="l" defTabSz="914400" rtl="0" eaLnBrk="1" latinLnBrk="0" hangingPunct="1">
+              <a:defRPr sz="1800" kern="1200">
+                <a:solidFill>
+                  <a:schemeClr val="dk1"/>
+                </a:solidFill>
+                <a:latin typeface="+mn-lt"/>
+                <a:ea typeface="+mn-ea"/>
+                <a:cs typeface="+mn-cs"/>
+              </a:defRPr>
+            </a:lvl4pPr>
+            <a:lvl5pPr marL="1828800" algn="l" defTabSz="914400" rtl="0" eaLnBrk="1" latinLnBrk="0" hangingPunct="1">
+              <a:defRPr sz="1800" kern="1200">
+                <a:solidFill>
+                  <a:schemeClr val="dk1"/>
+                </a:solidFill>
+                <a:latin typeface="+mn-lt"/>
+                <a:ea typeface="+mn-ea"/>
+                <a:cs typeface="+mn-cs"/>
+              </a:defRPr>
+            </a:lvl5pPr>
+            <a:lvl6pPr marL="2286000" algn="l" defTabSz="914400" rtl="0" eaLnBrk="1" latinLnBrk="0" hangingPunct="1">
+              <a:defRPr sz="1800" kern="1200">
+                <a:solidFill>
+                  <a:schemeClr val="dk1"/>
+                </a:solidFill>
+                <a:latin typeface="+mn-lt"/>
+                <a:ea typeface="+mn-ea"/>
+                <a:cs typeface="+mn-cs"/>
+              </a:defRPr>
+            </a:lvl6pPr>
+            <a:lvl7pPr marL="2743200" algn="l" defTabSz="914400" rtl="0" eaLnBrk="1" latinLnBrk="0" hangingPunct="1">
+              <a:defRPr sz="1800" kern="1200">
+                <a:solidFill>
+                  <a:schemeClr val="dk1"/>
+                </a:solidFill>
+                <a:latin typeface="+mn-lt"/>
+                <a:ea typeface="+mn-ea"/>
+                <a:cs typeface="+mn-cs"/>
+              </a:defRPr>
+            </a:lvl7pPr>
+            <a:lvl8pPr marL="3200400" algn="l" defTabSz="914400" rtl="0" eaLnBrk="1" latinLnBrk="0" hangingPunct="1">
+              <a:defRPr sz="1800" kern="1200">
+                <a:solidFill>
+                  <a:schemeClr val="dk1"/>
+                </a:solidFill>
+                <a:latin typeface="+mn-lt"/>
+                <a:ea typeface="+mn-ea"/>
+                <a:cs typeface="+mn-cs"/>
+              </a:defRPr>
+            </a:lvl8pPr>
+            <a:lvl9pPr marL="3657600" algn="l" defTabSz="914400" rtl="0" eaLnBrk="1" latinLnBrk="0" hangingPunct="1">
+              <a:defRPr sz="1800" kern="1200">
+                <a:solidFill>
+                  <a:schemeClr val="dk1"/>
+                </a:solidFill>
+                <a:latin typeface="+mn-lt"/>
+                <a:ea typeface="+mn-ea"/>
+                <a:cs typeface="+mn-cs"/>
+              </a:defRPr>
+            </a:lvl9pPr>
+          </a:lstStyle>
+          <a:p>
+            <a:pPr algn="ctr" fontAlgn="base">
+              <a:spcBef>
+                <a:spcPct val="0"/>
+              </a:spcBef>
+              <a:spcAft>
+                <a:spcPct val="0"/>
+              </a:spcAft>
+            </a:pPr>
+            <a:r>
+              <a:rPr lang="fi-FI" sz="1200" b="1" i="1" dirty="0" smtClean="0">
+                <a:solidFill>
+                  <a:prstClr val="black"/>
+                </a:solidFill>
+                <a:latin typeface="Calibri" pitchFamily="34" charset="0"/>
+                <a:cs typeface="Calibri" pitchFamily="34" charset="0"/>
+              </a:rPr>
+              <a:t>component</a:t>
+            </a:r>
+            <a:r>
+              <a:rPr lang="fi-FI" sz="1200" b="1" dirty="0" smtClean="0">
+                <a:solidFill>
+                  <a:prstClr val="black"/>
+                </a:solidFill>
+                <a:latin typeface="Calibri" pitchFamily="34" charset="0"/>
+                <a:cs typeface="Calibri" pitchFamily="34" charset="0"/>
+              </a:rPr>
+              <a:t> </a:t>
+            </a:r>
+            <a:r>
+              <a:rPr lang="fi-FI" sz="1200" b="1" dirty="0" err="1" smtClean="0">
+                <a:solidFill>
+                  <a:prstClr val="black"/>
+                </a:solidFill>
+                <a:latin typeface="Calibri" pitchFamily="34" charset="0"/>
+                <a:cs typeface="Calibri" pitchFamily="34" charset="0"/>
+              </a:rPr>
+              <a:t>Foo</a:t>
+            </a:r>
+            <a:endParaRPr lang="fi-FI" sz="1200" b="1" dirty="0" smtClean="0">
+              <a:solidFill>
+                <a:prstClr val="black"/>
+              </a:solidFill>
+              <a:latin typeface="Calibri" pitchFamily="34" charset="0"/>
+              <a:cs typeface="Calibri" pitchFamily="34" charset="0"/>
+            </a:endParaRPr>
+          </a:p>
+        </p:txBody>
+      </p:sp>
+      <p:sp>
+        <p:nvSpPr>
+          <p:cNvPr id="6" name="TextBox 5"/>
+          <p:cNvSpPr txBox="1"/>
+          <p:nvPr/>
+        </p:nvSpPr>
+        <p:spPr>
+          <a:xfrm>
+            <a:off x="2159732" y="2368041"/>
+            <a:ext cx="1296144" cy="1384995"/>
+          </a:xfrm>
+          <a:prstGeom prst="rect">
+            <a:avLst/>
+          </a:prstGeom>
+          <a:noFill/>
+        </p:spPr>
+        <p:txBody>
+          <a:bodyPr wrap="square" rtlCol="0">
+            <a:spAutoFit/>
+          </a:bodyPr>
+          <a:lstStyle/>
+          <a:p>
+            <a:r>
+              <a:rPr lang="fi-FI" sz="1200" i="1" dirty="0" err="1" smtClean="0"/>
+              <a:t>master</a:t>
+            </a:r>
+            <a:r>
+              <a:rPr lang="fi-FI" sz="1200" i="1" dirty="0" smtClean="0"/>
+              <a:t>  </a:t>
+            </a:r>
+            <a:r>
+              <a:rPr lang="fi-FI" sz="1200" i="1" dirty="0" err="1" smtClean="0"/>
+              <a:t>bus</a:t>
+            </a:r>
+            <a:r>
+              <a:rPr lang="fi-FI" sz="1200" i="1" dirty="0" smtClean="0"/>
+              <a:t> </a:t>
+            </a:r>
+            <a:r>
+              <a:rPr lang="fi-FI" sz="1200" i="1" dirty="0" err="1" smtClean="0"/>
+              <a:t>interface</a:t>
+            </a:r>
+            <a:r>
+              <a:rPr lang="fi-FI" sz="1200" dirty="0" smtClean="0"/>
+              <a:t> MBIF</a:t>
+            </a:r>
+          </a:p>
+          <a:p>
+            <a:r>
+              <a:rPr lang="fi-FI" sz="1200" dirty="0"/>
+              <a:t> </a:t>
+            </a:r>
+            <a:endParaRPr lang="fi-FI" sz="1200" dirty="0" smtClean="0"/>
+          </a:p>
+          <a:p>
+            <a:endParaRPr lang="fi-FI" sz="1200" i="1" dirty="0" smtClean="0"/>
+          </a:p>
+          <a:p>
+            <a:r>
+              <a:rPr lang="fi-FI" sz="1200" i="1" dirty="0" err="1" smtClean="0"/>
+              <a:t>port</a:t>
+            </a:r>
+            <a:r>
+              <a:rPr lang="fi-FI" sz="1200" i="1" dirty="0" smtClean="0"/>
+              <a:t> </a:t>
+            </a:r>
+            <a:r>
+              <a:rPr lang="fi-FI" sz="1200" dirty="0" err="1" smtClean="0"/>
+              <a:t>Data_out</a:t>
+            </a:r>
+            <a:endParaRPr lang="fi-FI" sz="1200" dirty="0" smtClean="0"/>
+          </a:p>
+          <a:p>
+            <a:r>
+              <a:rPr lang="fi-FI" sz="1200" i="1" dirty="0" err="1" smtClean="0"/>
+              <a:t>port</a:t>
+            </a:r>
+            <a:r>
+              <a:rPr lang="fi-FI" sz="1200" i="1" dirty="0" smtClean="0"/>
+              <a:t> </a:t>
+            </a:r>
+            <a:r>
+              <a:rPr lang="fi-FI" sz="1200" dirty="0" err="1" smtClean="0"/>
+              <a:t>Req_out</a:t>
+            </a:r>
+            <a:endParaRPr lang="fi-FI" sz="1200" dirty="0" smtClean="0"/>
+          </a:p>
+          <a:p>
+            <a:r>
+              <a:rPr lang="fi-FI" sz="1200" i="1" dirty="0" err="1" smtClean="0"/>
+              <a:t>port</a:t>
+            </a:r>
+            <a:r>
+              <a:rPr lang="fi-FI" sz="1200" i="1" dirty="0" smtClean="0"/>
+              <a:t> </a:t>
+            </a:r>
+            <a:r>
+              <a:rPr lang="fi-FI" sz="1200" dirty="0" err="1" smtClean="0"/>
+              <a:t>Ack_in</a:t>
+            </a:r>
+            <a:endParaRPr lang="en-US" sz="1200" dirty="0"/>
+          </a:p>
+        </p:txBody>
+      </p:sp>
+      <p:sp>
+        <p:nvSpPr>
+          <p:cNvPr id="27" name="Freeform 26"/>
+          <p:cNvSpPr/>
+          <p:nvPr/>
+        </p:nvSpPr>
+        <p:spPr>
+          <a:xfrm>
+            <a:off x="1537938" y="2552845"/>
+            <a:ext cx="351228" cy="1038539"/>
+          </a:xfrm>
+          <a:custGeom>
+            <a:avLst/>
+            <a:gdLst>
+              <a:gd name="connsiteX0" fmla="*/ 266372 w 266372"/>
+              <a:gd name="connsiteY0" fmla="*/ 527156 h 527156"/>
+              <a:gd name="connsiteX1" fmla="*/ 50472 w 266372"/>
+              <a:gd name="connsiteY1" fmla="*/ 311256 h 527156"/>
+              <a:gd name="connsiteX2" fmla="*/ 12372 w 266372"/>
+              <a:gd name="connsiteY2" fmla="*/ 50906 h 527156"/>
+              <a:gd name="connsiteX3" fmla="*/ 221922 w 266372"/>
+              <a:gd name="connsiteY3" fmla="*/ 106 h 527156"/>
+              <a:gd name="connsiteX0" fmla="*/ 279422 w 279422"/>
+              <a:gd name="connsiteY0" fmla="*/ 529407 h 529407"/>
+              <a:gd name="connsiteX1" fmla="*/ 31772 w 279422"/>
+              <a:gd name="connsiteY1" fmla="*/ 415107 h 529407"/>
+              <a:gd name="connsiteX2" fmla="*/ 25422 w 279422"/>
+              <a:gd name="connsiteY2" fmla="*/ 53157 h 529407"/>
+              <a:gd name="connsiteX3" fmla="*/ 234972 w 279422"/>
+              <a:gd name="connsiteY3" fmla="*/ 2357 h 529407"/>
+              <a:gd name="connsiteX0" fmla="*/ 283278 w 283278"/>
+              <a:gd name="connsiteY0" fmla="*/ 527053 h 527053"/>
+              <a:gd name="connsiteX1" fmla="*/ 35628 w 283278"/>
+              <a:gd name="connsiteY1" fmla="*/ 412753 h 527053"/>
+              <a:gd name="connsiteX2" fmla="*/ 22928 w 283278"/>
+              <a:gd name="connsiteY2" fmla="*/ 146053 h 527053"/>
+              <a:gd name="connsiteX3" fmla="*/ 238828 w 283278"/>
+              <a:gd name="connsiteY3" fmla="*/ 3 h 527053"/>
+              <a:gd name="connsiteX0" fmla="*/ 277708 w 277708"/>
+              <a:gd name="connsiteY0" fmla="*/ 527053 h 527053"/>
+              <a:gd name="connsiteX1" fmla="*/ 42758 w 277708"/>
+              <a:gd name="connsiteY1" fmla="*/ 374653 h 527053"/>
+              <a:gd name="connsiteX2" fmla="*/ 17358 w 277708"/>
+              <a:gd name="connsiteY2" fmla="*/ 146053 h 527053"/>
+              <a:gd name="connsiteX3" fmla="*/ 233258 w 277708"/>
+              <a:gd name="connsiteY3" fmla="*/ 3 h 527053"/>
+              <a:gd name="connsiteX0" fmla="*/ 304252 w 304252"/>
+              <a:gd name="connsiteY0" fmla="*/ 469903 h 469903"/>
+              <a:gd name="connsiteX1" fmla="*/ 43902 w 304252"/>
+              <a:gd name="connsiteY1" fmla="*/ 374653 h 469903"/>
+              <a:gd name="connsiteX2" fmla="*/ 18502 w 304252"/>
+              <a:gd name="connsiteY2" fmla="*/ 146053 h 469903"/>
+              <a:gd name="connsiteX3" fmla="*/ 234402 w 304252"/>
+              <a:gd name="connsiteY3" fmla="*/ 3 h 469903"/>
+              <a:gd name="connsiteX0" fmla="*/ 317253 w 317253"/>
+              <a:gd name="connsiteY0" fmla="*/ 469903 h 469903"/>
+              <a:gd name="connsiteX1" fmla="*/ 31503 w 317253"/>
+              <a:gd name="connsiteY1" fmla="*/ 406403 h 469903"/>
+              <a:gd name="connsiteX2" fmla="*/ 31503 w 317253"/>
+              <a:gd name="connsiteY2" fmla="*/ 146053 h 469903"/>
+              <a:gd name="connsiteX3" fmla="*/ 247403 w 317253"/>
+              <a:gd name="connsiteY3" fmla="*/ 3 h 469903"/>
+              <a:gd name="connsiteX0" fmla="*/ 308938 w 308938"/>
+              <a:gd name="connsiteY0" fmla="*/ 469903 h 479054"/>
+              <a:gd name="connsiteX1" fmla="*/ 175589 w 308938"/>
+              <a:gd name="connsiteY1" fmla="*/ 476254 h 479054"/>
+              <a:gd name="connsiteX2" fmla="*/ 23188 w 308938"/>
+              <a:gd name="connsiteY2" fmla="*/ 406403 h 479054"/>
+              <a:gd name="connsiteX3" fmla="*/ 23188 w 308938"/>
+              <a:gd name="connsiteY3" fmla="*/ 146053 h 479054"/>
+              <a:gd name="connsiteX4" fmla="*/ 239088 w 308938"/>
+              <a:gd name="connsiteY4" fmla="*/ 3 h 479054"/>
+              <a:gd name="connsiteX0" fmla="*/ 314893 w 314893"/>
+              <a:gd name="connsiteY0" fmla="*/ 469903 h 479054"/>
+              <a:gd name="connsiteX1" fmla="*/ 181544 w 314893"/>
+              <a:gd name="connsiteY1" fmla="*/ 476254 h 479054"/>
+              <a:gd name="connsiteX2" fmla="*/ 18469 w 314893"/>
+              <a:gd name="connsiteY2" fmla="*/ 351780 h 479054"/>
+              <a:gd name="connsiteX3" fmla="*/ 29143 w 314893"/>
+              <a:gd name="connsiteY3" fmla="*/ 146053 h 479054"/>
+              <a:gd name="connsiteX4" fmla="*/ 245043 w 314893"/>
+              <a:gd name="connsiteY4" fmla="*/ 3 h 479054"/>
+              <a:gd name="connsiteX0" fmla="*/ 313023 w 313023"/>
+              <a:gd name="connsiteY0" fmla="*/ 469903 h 469903"/>
+              <a:gd name="connsiteX1" fmla="*/ 151209 w 313023"/>
+              <a:gd name="connsiteY1" fmla="*/ 465330 h 469903"/>
+              <a:gd name="connsiteX2" fmla="*/ 16599 w 313023"/>
+              <a:gd name="connsiteY2" fmla="*/ 351780 h 469903"/>
+              <a:gd name="connsiteX3" fmla="*/ 27273 w 313023"/>
+              <a:gd name="connsiteY3" fmla="*/ 146053 h 469903"/>
+              <a:gd name="connsiteX4" fmla="*/ 243173 w 313023"/>
+              <a:gd name="connsiteY4" fmla="*/ 3 h 469903"/>
+              <a:gd name="connsiteX0" fmla="*/ 305299 w 305299"/>
+              <a:gd name="connsiteY0" fmla="*/ 469903 h 469903"/>
+              <a:gd name="connsiteX1" fmla="*/ 143485 w 305299"/>
+              <a:gd name="connsiteY1" fmla="*/ 465330 h 469903"/>
+              <a:gd name="connsiteX2" fmla="*/ 8875 w 305299"/>
+              <a:gd name="connsiteY2" fmla="*/ 351780 h 469903"/>
+              <a:gd name="connsiteX3" fmla="*/ 37340 w 305299"/>
+              <a:gd name="connsiteY3" fmla="*/ 124204 h 469903"/>
+              <a:gd name="connsiteX4" fmla="*/ 235449 w 305299"/>
+              <a:gd name="connsiteY4" fmla="*/ 3 h 469903"/>
+              <a:gd name="connsiteX0" fmla="*/ 305299 w 305299"/>
+              <a:gd name="connsiteY0" fmla="*/ 469903 h 469903"/>
+              <a:gd name="connsiteX1" fmla="*/ 143485 w 305299"/>
+              <a:gd name="connsiteY1" fmla="*/ 465330 h 469903"/>
+              <a:gd name="connsiteX2" fmla="*/ 8875 w 305299"/>
+              <a:gd name="connsiteY2" fmla="*/ 308081 h 469903"/>
+              <a:gd name="connsiteX3" fmla="*/ 37340 w 305299"/>
+              <a:gd name="connsiteY3" fmla="*/ 124204 h 469903"/>
+              <a:gd name="connsiteX4" fmla="*/ 235449 w 305299"/>
+              <a:gd name="connsiteY4" fmla="*/ 3 h 469903"/>
+              <a:gd name="connsiteX0" fmla="*/ 305299 w 305299"/>
+              <a:gd name="connsiteY0" fmla="*/ 469903 h 469903"/>
+              <a:gd name="connsiteX1" fmla="*/ 8875 w 305299"/>
+              <a:gd name="connsiteY1" fmla="*/ 308081 h 469903"/>
+              <a:gd name="connsiteX2" fmla="*/ 37340 w 305299"/>
+              <a:gd name="connsiteY2" fmla="*/ 124204 h 469903"/>
+              <a:gd name="connsiteX3" fmla="*/ 235449 w 305299"/>
+              <a:gd name="connsiteY3" fmla="*/ 3 h 469903"/>
+              <a:gd name="connsiteX0" fmla="*/ 303139 w 303139"/>
+              <a:gd name="connsiteY0" fmla="*/ 469903 h 469903"/>
+              <a:gd name="connsiteX1" fmla="*/ 112157 w 303139"/>
+              <a:gd name="connsiteY1" fmla="*/ 445658 h 469903"/>
+              <a:gd name="connsiteX2" fmla="*/ 6715 w 303139"/>
+              <a:gd name="connsiteY2" fmla="*/ 308081 h 469903"/>
+              <a:gd name="connsiteX3" fmla="*/ 35180 w 303139"/>
+              <a:gd name="connsiteY3" fmla="*/ 124204 h 469903"/>
+              <a:gd name="connsiteX4" fmla="*/ 233289 w 303139"/>
+              <a:gd name="connsiteY4" fmla="*/ 3 h 469903"/>
+              <a:gd name="connsiteX0" fmla="*/ 302084 w 302084"/>
+              <a:gd name="connsiteY0" fmla="*/ 469903 h 469903"/>
+              <a:gd name="connsiteX1" fmla="*/ 96870 w 302084"/>
+              <a:gd name="connsiteY1" fmla="*/ 434734 h 469903"/>
+              <a:gd name="connsiteX2" fmla="*/ 5660 w 302084"/>
+              <a:gd name="connsiteY2" fmla="*/ 308081 h 469903"/>
+              <a:gd name="connsiteX3" fmla="*/ 34125 w 302084"/>
+              <a:gd name="connsiteY3" fmla="*/ 124204 h 469903"/>
+              <a:gd name="connsiteX4" fmla="*/ 232234 w 302084"/>
+              <a:gd name="connsiteY4" fmla="*/ 3 h 469903"/>
+              <a:gd name="connsiteX0" fmla="*/ 302084 w 302084"/>
+              <a:gd name="connsiteY0" fmla="*/ 469903 h 469903"/>
+              <a:gd name="connsiteX1" fmla="*/ 96870 w 302084"/>
+              <a:gd name="connsiteY1" fmla="*/ 450029 h 469903"/>
+              <a:gd name="connsiteX2" fmla="*/ 5660 w 302084"/>
+              <a:gd name="connsiteY2" fmla="*/ 308081 h 469903"/>
+              <a:gd name="connsiteX3" fmla="*/ 34125 w 302084"/>
+              <a:gd name="connsiteY3" fmla="*/ 124204 h 469903"/>
+              <a:gd name="connsiteX4" fmla="*/ 232234 w 302084"/>
+              <a:gd name="connsiteY4" fmla="*/ 3 h 469903"/>
+              <a:gd name="connsiteX0" fmla="*/ 262945 w 262945"/>
+              <a:gd name="connsiteY0" fmla="*/ 476458 h 476458"/>
+              <a:gd name="connsiteX1" fmla="*/ 96870 w 262945"/>
+              <a:gd name="connsiteY1" fmla="*/ 450029 h 476458"/>
+              <a:gd name="connsiteX2" fmla="*/ 5660 w 262945"/>
+              <a:gd name="connsiteY2" fmla="*/ 308081 h 476458"/>
+              <a:gd name="connsiteX3" fmla="*/ 34125 w 262945"/>
+              <a:gd name="connsiteY3" fmla="*/ 124204 h 476458"/>
+              <a:gd name="connsiteX4" fmla="*/ 232234 w 262945"/>
+              <a:gd name="connsiteY4" fmla="*/ 3 h 476458"/>
+              <a:gd name="connsiteX0" fmla="*/ 261364 w 261364"/>
+              <a:gd name="connsiteY0" fmla="*/ 476458 h 476458"/>
+              <a:gd name="connsiteX1" fmla="*/ 73940 w 261364"/>
+              <a:gd name="connsiteY1" fmla="*/ 458769 h 476458"/>
+              <a:gd name="connsiteX2" fmla="*/ 4079 w 261364"/>
+              <a:gd name="connsiteY2" fmla="*/ 308081 h 476458"/>
+              <a:gd name="connsiteX3" fmla="*/ 32544 w 261364"/>
+              <a:gd name="connsiteY3" fmla="*/ 124204 h 476458"/>
+              <a:gd name="connsiteX4" fmla="*/ 230653 w 261364"/>
+              <a:gd name="connsiteY4" fmla="*/ 3 h 476458"/>
+              <a:gd name="connsiteX0" fmla="*/ 300504 w 300504"/>
+              <a:gd name="connsiteY0" fmla="*/ 476458 h 476458"/>
+              <a:gd name="connsiteX1" fmla="*/ 73940 w 300504"/>
+              <a:gd name="connsiteY1" fmla="*/ 458769 h 476458"/>
+              <a:gd name="connsiteX2" fmla="*/ 4079 w 300504"/>
+              <a:gd name="connsiteY2" fmla="*/ 308081 h 476458"/>
+              <a:gd name="connsiteX3" fmla="*/ 32544 w 300504"/>
+              <a:gd name="connsiteY3" fmla="*/ 124204 h 476458"/>
+              <a:gd name="connsiteX4" fmla="*/ 230653 w 300504"/>
+              <a:gd name="connsiteY4" fmla="*/ 3 h 476458"/>
+              <a:gd name="connsiteX0" fmla="*/ 298659 w 298659"/>
+              <a:gd name="connsiteY0" fmla="*/ 476458 h 476458"/>
+              <a:gd name="connsiteX1" fmla="*/ 47188 w 298659"/>
+              <a:gd name="connsiteY1" fmla="*/ 432550 h 476458"/>
+              <a:gd name="connsiteX2" fmla="*/ 2234 w 298659"/>
+              <a:gd name="connsiteY2" fmla="*/ 308081 h 476458"/>
+              <a:gd name="connsiteX3" fmla="*/ 30699 w 298659"/>
+              <a:gd name="connsiteY3" fmla="*/ 124204 h 476458"/>
+              <a:gd name="connsiteX4" fmla="*/ 228808 w 298659"/>
+              <a:gd name="connsiteY4" fmla="*/ 3 h 476458"/>
+              <a:gd name="connsiteX0" fmla="*/ 318164 w 318164"/>
+              <a:gd name="connsiteY0" fmla="*/ 476458 h 476458"/>
+              <a:gd name="connsiteX1" fmla="*/ 66693 w 318164"/>
+              <a:gd name="connsiteY1" fmla="*/ 432550 h 476458"/>
+              <a:gd name="connsiteX2" fmla="*/ 390 w 318164"/>
+              <a:gd name="connsiteY2" fmla="*/ 279677 h 476458"/>
+              <a:gd name="connsiteX3" fmla="*/ 50204 w 318164"/>
+              <a:gd name="connsiteY3" fmla="*/ 124204 h 476458"/>
+              <a:gd name="connsiteX4" fmla="*/ 248313 w 318164"/>
+              <a:gd name="connsiteY4" fmla="*/ 3 h 476458"/>
+              <a:gd name="connsiteX0" fmla="*/ 317779 w 317779"/>
+              <a:gd name="connsiteY0" fmla="*/ 476462 h 476462"/>
+              <a:gd name="connsiteX1" fmla="*/ 66308 w 317779"/>
+              <a:gd name="connsiteY1" fmla="*/ 432554 h 476462"/>
+              <a:gd name="connsiteX2" fmla="*/ 5 w 317779"/>
+              <a:gd name="connsiteY2" fmla="*/ 279681 h 476462"/>
+              <a:gd name="connsiteX3" fmla="*/ 64051 w 317779"/>
+              <a:gd name="connsiteY3" fmla="*/ 73954 h 476462"/>
+              <a:gd name="connsiteX4" fmla="*/ 247928 w 317779"/>
+              <a:gd name="connsiteY4" fmla="*/ 7 h 476462"/>
+              <a:gd name="connsiteX0" fmla="*/ 319384 w 319384"/>
+              <a:gd name="connsiteY0" fmla="*/ 476462 h 476462"/>
+              <a:gd name="connsiteX1" fmla="*/ 121285 w 319384"/>
+              <a:gd name="connsiteY1" fmla="*/ 454403 h 476462"/>
+              <a:gd name="connsiteX2" fmla="*/ 1610 w 319384"/>
+              <a:gd name="connsiteY2" fmla="*/ 279681 h 476462"/>
+              <a:gd name="connsiteX3" fmla="*/ 65656 w 319384"/>
+              <a:gd name="connsiteY3" fmla="*/ 73954 h 476462"/>
+              <a:gd name="connsiteX4" fmla="*/ 249533 w 319384"/>
+              <a:gd name="connsiteY4" fmla="*/ 7 h 476462"/>
+              <a:gd name="connsiteX0" fmla="*/ 319384 w 319384"/>
+              <a:gd name="connsiteY0" fmla="*/ 476462 h 476462"/>
+              <a:gd name="connsiteX1" fmla="*/ 121285 w 319384"/>
+              <a:gd name="connsiteY1" fmla="*/ 454403 h 476462"/>
+              <a:gd name="connsiteX2" fmla="*/ 1610 w 319384"/>
+              <a:gd name="connsiteY2" fmla="*/ 279681 h 476462"/>
+              <a:gd name="connsiteX3" fmla="*/ 65656 w 319384"/>
+              <a:gd name="connsiteY3" fmla="*/ 73954 h 476462"/>
+              <a:gd name="connsiteX4" fmla="*/ 249533 w 319384"/>
+              <a:gd name="connsiteY4" fmla="*/ 7 h 476462"/>
+              <a:gd name="connsiteX0" fmla="*/ 318265 w 318265"/>
+              <a:gd name="connsiteY0" fmla="*/ 476462 h 476462"/>
+              <a:gd name="connsiteX1" fmla="*/ 91701 w 318265"/>
+              <a:gd name="connsiteY1" fmla="*/ 428184 h 476462"/>
+              <a:gd name="connsiteX2" fmla="*/ 491 w 318265"/>
+              <a:gd name="connsiteY2" fmla="*/ 279681 h 476462"/>
+              <a:gd name="connsiteX3" fmla="*/ 64537 w 318265"/>
+              <a:gd name="connsiteY3" fmla="*/ 73954 h 476462"/>
+              <a:gd name="connsiteX4" fmla="*/ 248414 w 318265"/>
+              <a:gd name="connsiteY4" fmla="*/ 7 h 476462"/>
+              <a:gd name="connsiteX0" fmla="*/ 318265 w 318265"/>
+              <a:gd name="connsiteY0" fmla="*/ 476462 h 476462"/>
+              <a:gd name="connsiteX1" fmla="*/ 91701 w 318265"/>
+              <a:gd name="connsiteY1" fmla="*/ 428184 h 476462"/>
+              <a:gd name="connsiteX2" fmla="*/ 491 w 318265"/>
+              <a:gd name="connsiteY2" fmla="*/ 279681 h 476462"/>
+              <a:gd name="connsiteX3" fmla="*/ 64537 w 318265"/>
+              <a:gd name="connsiteY3" fmla="*/ 73954 h 476462"/>
+              <a:gd name="connsiteX4" fmla="*/ 248414 w 318265"/>
+              <a:gd name="connsiteY4" fmla="*/ 7 h 476462"/>
+            </a:gdLst>
+            <a:ahLst/>
+            <a:cxnLst>
+              <a:cxn ang="0">
+                <a:pos x="connsiteX0" y="connsiteY0"/>
+              </a:cxn>
+              <a:cxn ang="0">
+                <a:pos x="connsiteX1" y="connsiteY1"/>
+              </a:cxn>
+              <a:cxn ang="0">
+                <a:pos x="connsiteX2" y="connsiteY2"/>
+              </a:cxn>
+              <a:cxn ang="0">
+                <a:pos x="connsiteX3" y="connsiteY3"/>
+              </a:cxn>
+              <a:cxn ang="0">
+                <a:pos x="connsiteX4" y="connsiteY4"/>
+              </a:cxn>
+            </a:cxnLst>
+            <a:rect l="l" t="t" r="r" b="b"/>
+            <a:pathLst>
+              <a:path w="318265" h="476462">
+                <a:moveTo>
+                  <a:pt x="318265" y="476462"/>
+                </a:moveTo>
+                <a:cubicBezTo>
+                  <a:pt x="281691" y="460040"/>
+                  <a:pt x="176686" y="477003"/>
+                  <a:pt x="91701" y="428184"/>
+                </a:cubicBezTo>
+                <a:cubicBezTo>
+                  <a:pt x="42297" y="401214"/>
+                  <a:pt x="5018" y="338719"/>
+                  <a:pt x="491" y="279681"/>
+                </a:cubicBezTo>
+                <a:cubicBezTo>
+                  <a:pt x="-4036" y="220643"/>
+                  <a:pt x="23217" y="120566"/>
+                  <a:pt x="64537" y="73954"/>
+                </a:cubicBezTo>
+                <a:cubicBezTo>
+                  <a:pt x="105857" y="27342"/>
+                  <a:pt x="157926" y="-522"/>
+                  <a:pt x="248414" y="7"/>
+                </a:cubicBezTo>
+              </a:path>
+            </a:pathLst>
+          </a:custGeom>
+          <a:noFill/>
+          <a:ln w="12700">
+            <a:prstDash val="sysDash"/>
+          </a:ln>
+        </p:spPr>
+        <p:style>
+          <a:lnRef idx="2">
+            <a:schemeClr val="accent1">
+              <a:shade val="50000"/>
+            </a:schemeClr>
+          </a:lnRef>
+          <a:fillRef idx="1">
+            <a:schemeClr val="accent1"/>
+          </a:fillRef>
+          <a:effectRef idx="0">
+            <a:schemeClr val="accent1"/>
+          </a:effectRef>
+          <a:fontRef idx="minor">
+            <a:schemeClr val="lt1"/>
+          </a:fontRef>
+        </p:style>
+        <p:txBody>
+          <a:bodyPr rtlCol="0" anchor="ctr"/>
+          <a:lstStyle/>
+          <a:p>
+            <a:pPr algn="ctr"/>
+            <a:endParaRPr lang="en-US" dirty="0"/>
+          </a:p>
+        </p:txBody>
+      </p:sp>
+      <p:sp>
+        <p:nvSpPr>
+          <p:cNvPr id="29" name="Freeform 28"/>
+          <p:cNvSpPr/>
+          <p:nvPr/>
+        </p:nvSpPr>
+        <p:spPr>
+          <a:xfrm>
+            <a:off x="1676169" y="2619198"/>
+            <a:ext cx="212997" cy="797825"/>
+          </a:xfrm>
+          <a:custGeom>
+            <a:avLst/>
+            <a:gdLst>
+              <a:gd name="connsiteX0" fmla="*/ 266372 w 266372"/>
+              <a:gd name="connsiteY0" fmla="*/ 527156 h 527156"/>
+              <a:gd name="connsiteX1" fmla="*/ 50472 w 266372"/>
+              <a:gd name="connsiteY1" fmla="*/ 311256 h 527156"/>
+              <a:gd name="connsiteX2" fmla="*/ 12372 w 266372"/>
+              <a:gd name="connsiteY2" fmla="*/ 50906 h 527156"/>
+              <a:gd name="connsiteX3" fmla="*/ 221922 w 266372"/>
+              <a:gd name="connsiteY3" fmla="*/ 106 h 527156"/>
+              <a:gd name="connsiteX0" fmla="*/ 279422 w 279422"/>
+              <a:gd name="connsiteY0" fmla="*/ 529407 h 529407"/>
+              <a:gd name="connsiteX1" fmla="*/ 31772 w 279422"/>
+              <a:gd name="connsiteY1" fmla="*/ 415107 h 529407"/>
+              <a:gd name="connsiteX2" fmla="*/ 25422 w 279422"/>
+              <a:gd name="connsiteY2" fmla="*/ 53157 h 529407"/>
+              <a:gd name="connsiteX3" fmla="*/ 234972 w 279422"/>
+              <a:gd name="connsiteY3" fmla="*/ 2357 h 529407"/>
+              <a:gd name="connsiteX0" fmla="*/ 283278 w 283278"/>
+              <a:gd name="connsiteY0" fmla="*/ 527053 h 527053"/>
+              <a:gd name="connsiteX1" fmla="*/ 35628 w 283278"/>
+              <a:gd name="connsiteY1" fmla="*/ 412753 h 527053"/>
+              <a:gd name="connsiteX2" fmla="*/ 22928 w 283278"/>
+              <a:gd name="connsiteY2" fmla="*/ 146053 h 527053"/>
+              <a:gd name="connsiteX3" fmla="*/ 238828 w 283278"/>
+              <a:gd name="connsiteY3" fmla="*/ 3 h 527053"/>
+              <a:gd name="connsiteX0" fmla="*/ 277708 w 277708"/>
+              <a:gd name="connsiteY0" fmla="*/ 527053 h 527053"/>
+              <a:gd name="connsiteX1" fmla="*/ 42758 w 277708"/>
+              <a:gd name="connsiteY1" fmla="*/ 374653 h 527053"/>
+              <a:gd name="connsiteX2" fmla="*/ 17358 w 277708"/>
+              <a:gd name="connsiteY2" fmla="*/ 146053 h 527053"/>
+              <a:gd name="connsiteX3" fmla="*/ 233258 w 277708"/>
+              <a:gd name="connsiteY3" fmla="*/ 3 h 527053"/>
+              <a:gd name="connsiteX0" fmla="*/ 304252 w 304252"/>
+              <a:gd name="connsiteY0" fmla="*/ 469903 h 469903"/>
+              <a:gd name="connsiteX1" fmla="*/ 43902 w 304252"/>
+              <a:gd name="connsiteY1" fmla="*/ 374653 h 469903"/>
+              <a:gd name="connsiteX2" fmla="*/ 18502 w 304252"/>
+              <a:gd name="connsiteY2" fmla="*/ 146053 h 469903"/>
+              <a:gd name="connsiteX3" fmla="*/ 234402 w 304252"/>
+              <a:gd name="connsiteY3" fmla="*/ 3 h 469903"/>
+              <a:gd name="connsiteX0" fmla="*/ 317253 w 317253"/>
+              <a:gd name="connsiteY0" fmla="*/ 469903 h 469903"/>
+              <a:gd name="connsiteX1" fmla="*/ 31503 w 317253"/>
+              <a:gd name="connsiteY1" fmla="*/ 406403 h 469903"/>
+              <a:gd name="connsiteX2" fmla="*/ 31503 w 317253"/>
+              <a:gd name="connsiteY2" fmla="*/ 146053 h 469903"/>
+              <a:gd name="connsiteX3" fmla="*/ 247403 w 317253"/>
+              <a:gd name="connsiteY3" fmla="*/ 3 h 469903"/>
+              <a:gd name="connsiteX0" fmla="*/ 308938 w 308938"/>
+              <a:gd name="connsiteY0" fmla="*/ 469903 h 479054"/>
+              <a:gd name="connsiteX1" fmla="*/ 175589 w 308938"/>
+              <a:gd name="connsiteY1" fmla="*/ 476254 h 479054"/>
+              <a:gd name="connsiteX2" fmla="*/ 23188 w 308938"/>
+              <a:gd name="connsiteY2" fmla="*/ 406403 h 479054"/>
+              <a:gd name="connsiteX3" fmla="*/ 23188 w 308938"/>
+              <a:gd name="connsiteY3" fmla="*/ 146053 h 479054"/>
+              <a:gd name="connsiteX4" fmla="*/ 239088 w 308938"/>
+              <a:gd name="connsiteY4" fmla="*/ 3 h 479054"/>
+              <a:gd name="connsiteX0" fmla="*/ 314893 w 314893"/>
+              <a:gd name="connsiteY0" fmla="*/ 469903 h 479054"/>
+              <a:gd name="connsiteX1" fmla="*/ 181544 w 314893"/>
+              <a:gd name="connsiteY1" fmla="*/ 476254 h 479054"/>
+              <a:gd name="connsiteX2" fmla="*/ 18469 w 314893"/>
+              <a:gd name="connsiteY2" fmla="*/ 351780 h 479054"/>
+              <a:gd name="connsiteX3" fmla="*/ 29143 w 314893"/>
+              <a:gd name="connsiteY3" fmla="*/ 146053 h 479054"/>
+              <a:gd name="connsiteX4" fmla="*/ 245043 w 314893"/>
+              <a:gd name="connsiteY4" fmla="*/ 3 h 479054"/>
+              <a:gd name="connsiteX0" fmla="*/ 313023 w 313023"/>
+              <a:gd name="connsiteY0" fmla="*/ 469903 h 469903"/>
+              <a:gd name="connsiteX1" fmla="*/ 151209 w 313023"/>
+              <a:gd name="connsiteY1" fmla="*/ 465330 h 469903"/>
+              <a:gd name="connsiteX2" fmla="*/ 16599 w 313023"/>
+              <a:gd name="connsiteY2" fmla="*/ 351780 h 469903"/>
+              <a:gd name="connsiteX3" fmla="*/ 27273 w 313023"/>
+              <a:gd name="connsiteY3" fmla="*/ 146053 h 469903"/>
+              <a:gd name="connsiteX4" fmla="*/ 243173 w 313023"/>
+              <a:gd name="connsiteY4" fmla="*/ 3 h 469903"/>
+              <a:gd name="connsiteX0" fmla="*/ 305299 w 305299"/>
+              <a:gd name="connsiteY0" fmla="*/ 469903 h 469903"/>
+              <a:gd name="connsiteX1" fmla="*/ 143485 w 305299"/>
+              <a:gd name="connsiteY1" fmla="*/ 465330 h 469903"/>
+              <a:gd name="connsiteX2" fmla="*/ 8875 w 305299"/>
+              <a:gd name="connsiteY2" fmla="*/ 351780 h 469903"/>
+              <a:gd name="connsiteX3" fmla="*/ 37340 w 305299"/>
+              <a:gd name="connsiteY3" fmla="*/ 124204 h 469903"/>
+              <a:gd name="connsiteX4" fmla="*/ 235449 w 305299"/>
+              <a:gd name="connsiteY4" fmla="*/ 3 h 469903"/>
+              <a:gd name="connsiteX0" fmla="*/ 305299 w 305299"/>
+              <a:gd name="connsiteY0" fmla="*/ 469903 h 469903"/>
+              <a:gd name="connsiteX1" fmla="*/ 143485 w 305299"/>
+              <a:gd name="connsiteY1" fmla="*/ 465330 h 469903"/>
+              <a:gd name="connsiteX2" fmla="*/ 8875 w 305299"/>
+              <a:gd name="connsiteY2" fmla="*/ 308081 h 469903"/>
+              <a:gd name="connsiteX3" fmla="*/ 37340 w 305299"/>
+              <a:gd name="connsiteY3" fmla="*/ 124204 h 469903"/>
+              <a:gd name="connsiteX4" fmla="*/ 235449 w 305299"/>
+              <a:gd name="connsiteY4" fmla="*/ 3 h 469903"/>
+              <a:gd name="connsiteX0" fmla="*/ 305299 w 305299"/>
+              <a:gd name="connsiteY0" fmla="*/ 469903 h 469903"/>
+              <a:gd name="connsiteX1" fmla="*/ 8875 w 305299"/>
+              <a:gd name="connsiteY1" fmla="*/ 308081 h 469903"/>
+              <a:gd name="connsiteX2" fmla="*/ 37340 w 305299"/>
+              <a:gd name="connsiteY2" fmla="*/ 124204 h 469903"/>
+              <a:gd name="connsiteX3" fmla="*/ 235449 w 305299"/>
+              <a:gd name="connsiteY3" fmla="*/ 3 h 469903"/>
+              <a:gd name="connsiteX0" fmla="*/ 303139 w 303139"/>
+              <a:gd name="connsiteY0" fmla="*/ 469903 h 469903"/>
+              <a:gd name="connsiteX1" fmla="*/ 112157 w 303139"/>
+              <a:gd name="connsiteY1" fmla="*/ 445658 h 469903"/>
+              <a:gd name="connsiteX2" fmla="*/ 6715 w 303139"/>
+              <a:gd name="connsiteY2" fmla="*/ 308081 h 469903"/>
+              <a:gd name="connsiteX3" fmla="*/ 35180 w 303139"/>
+              <a:gd name="connsiteY3" fmla="*/ 124204 h 469903"/>
+              <a:gd name="connsiteX4" fmla="*/ 233289 w 303139"/>
+              <a:gd name="connsiteY4" fmla="*/ 3 h 469903"/>
+              <a:gd name="connsiteX0" fmla="*/ 302084 w 302084"/>
+              <a:gd name="connsiteY0" fmla="*/ 469903 h 469903"/>
+              <a:gd name="connsiteX1" fmla="*/ 96870 w 302084"/>
+              <a:gd name="connsiteY1" fmla="*/ 434734 h 469903"/>
+              <a:gd name="connsiteX2" fmla="*/ 5660 w 302084"/>
+              <a:gd name="connsiteY2" fmla="*/ 308081 h 469903"/>
+              <a:gd name="connsiteX3" fmla="*/ 34125 w 302084"/>
+              <a:gd name="connsiteY3" fmla="*/ 124204 h 469903"/>
+              <a:gd name="connsiteX4" fmla="*/ 232234 w 302084"/>
+              <a:gd name="connsiteY4" fmla="*/ 3 h 469903"/>
+              <a:gd name="connsiteX0" fmla="*/ 302084 w 302084"/>
+              <a:gd name="connsiteY0" fmla="*/ 469903 h 469903"/>
+              <a:gd name="connsiteX1" fmla="*/ 96870 w 302084"/>
+              <a:gd name="connsiteY1" fmla="*/ 450029 h 469903"/>
+              <a:gd name="connsiteX2" fmla="*/ 5660 w 302084"/>
+              <a:gd name="connsiteY2" fmla="*/ 308081 h 469903"/>
+              <a:gd name="connsiteX3" fmla="*/ 34125 w 302084"/>
+              <a:gd name="connsiteY3" fmla="*/ 124204 h 469903"/>
+              <a:gd name="connsiteX4" fmla="*/ 232234 w 302084"/>
+              <a:gd name="connsiteY4" fmla="*/ 3 h 469903"/>
+              <a:gd name="connsiteX0" fmla="*/ 262945 w 262945"/>
+              <a:gd name="connsiteY0" fmla="*/ 476458 h 476458"/>
+              <a:gd name="connsiteX1" fmla="*/ 96870 w 262945"/>
+              <a:gd name="connsiteY1" fmla="*/ 450029 h 476458"/>
+              <a:gd name="connsiteX2" fmla="*/ 5660 w 262945"/>
+              <a:gd name="connsiteY2" fmla="*/ 308081 h 476458"/>
+              <a:gd name="connsiteX3" fmla="*/ 34125 w 262945"/>
+              <a:gd name="connsiteY3" fmla="*/ 124204 h 476458"/>
+              <a:gd name="connsiteX4" fmla="*/ 232234 w 262945"/>
+              <a:gd name="connsiteY4" fmla="*/ 3 h 476458"/>
+              <a:gd name="connsiteX0" fmla="*/ 261364 w 261364"/>
+              <a:gd name="connsiteY0" fmla="*/ 476458 h 476458"/>
+              <a:gd name="connsiteX1" fmla="*/ 73940 w 261364"/>
+              <a:gd name="connsiteY1" fmla="*/ 458769 h 476458"/>
+              <a:gd name="connsiteX2" fmla="*/ 4079 w 261364"/>
+              <a:gd name="connsiteY2" fmla="*/ 308081 h 476458"/>
+              <a:gd name="connsiteX3" fmla="*/ 32544 w 261364"/>
+              <a:gd name="connsiteY3" fmla="*/ 124204 h 476458"/>
+              <a:gd name="connsiteX4" fmla="*/ 230653 w 261364"/>
+              <a:gd name="connsiteY4" fmla="*/ 3 h 476458"/>
+              <a:gd name="connsiteX0" fmla="*/ 300504 w 300504"/>
+              <a:gd name="connsiteY0" fmla="*/ 476458 h 476458"/>
+              <a:gd name="connsiteX1" fmla="*/ 73940 w 300504"/>
+              <a:gd name="connsiteY1" fmla="*/ 458769 h 476458"/>
+              <a:gd name="connsiteX2" fmla="*/ 4079 w 300504"/>
+              <a:gd name="connsiteY2" fmla="*/ 308081 h 476458"/>
+              <a:gd name="connsiteX3" fmla="*/ 32544 w 300504"/>
+              <a:gd name="connsiteY3" fmla="*/ 124204 h 476458"/>
+              <a:gd name="connsiteX4" fmla="*/ 230653 w 300504"/>
+              <a:gd name="connsiteY4" fmla="*/ 3 h 476458"/>
+              <a:gd name="connsiteX0" fmla="*/ 298659 w 298659"/>
+              <a:gd name="connsiteY0" fmla="*/ 476458 h 476458"/>
+              <a:gd name="connsiteX1" fmla="*/ 47188 w 298659"/>
+              <a:gd name="connsiteY1" fmla="*/ 432550 h 476458"/>
+              <a:gd name="connsiteX2" fmla="*/ 2234 w 298659"/>
+              <a:gd name="connsiteY2" fmla="*/ 308081 h 476458"/>
+              <a:gd name="connsiteX3" fmla="*/ 30699 w 298659"/>
+              <a:gd name="connsiteY3" fmla="*/ 124204 h 476458"/>
+              <a:gd name="connsiteX4" fmla="*/ 228808 w 298659"/>
+              <a:gd name="connsiteY4" fmla="*/ 3 h 476458"/>
+              <a:gd name="connsiteX0" fmla="*/ 318164 w 318164"/>
+              <a:gd name="connsiteY0" fmla="*/ 476458 h 476458"/>
+              <a:gd name="connsiteX1" fmla="*/ 66693 w 318164"/>
+              <a:gd name="connsiteY1" fmla="*/ 432550 h 476458"/>
+              <a:gd name="connsiteX2" fmla="*/ 390 w 318164"/>
+              <a:gd name="connsiteY2" fmla="*/ 279677 h 476458"/>
+              <a:gd name="connsiteX3" fmla="*/ 50204 w 318164"/>
+              <a:gd name="connsiteY3" fmla="*/ 124204 h 476458"/>
+              <a:gd name="connsiteX4" fmla="*/ 248313 w 318164"/>
+              <a:gd name="connsiteY4" fmla="*/ 3 h 476458"/>
+              <a:gd name="connsiteX0" fmla="*/ 317779 w 317779"/>
+              <a:gd name="connsiteY0" fmla="*/ 476462 h 476462"/>
+              <a:gd name="connsiteX1" fmla="*/ 66308 w 317779"/>
+              <a:gd name="connsiteY1" fmla="*/ 432554 h 476462"/>
+              <a:gd name="connsiteX2" fmla="*/ 5 w 317779"/>
+              <a:gd name="connsiteY2" fmla="*/ 279681 h 476462"/>
+              <a:gd name="connsiteX3" fmla="*/ 64051 w 317779"/>
+              <a:gd name="connsiteY3" fmla="*/ 73954 h 476462"/>
+              <a:gd name="connsiteX4" fmla="*/ 247928 w 317779"/>
+              <a:gd name="connsiteY4" fmla="*/ 7 h 476462"/>
+              <a:gd name="connsiteX0" fmla="*/ 319384 w 319384"/>
+              <a:gd name="connsiteY0" fmla="*/ 476462 h 476462"/>
+              <a:gd name="connsiteX1" fmla="*/ 121285 w 319384"/>
+              <a:gd name="connsiteY1" fmla="*/ 454403 h 476462"/>
+              <a:gd name="connsiteX2" fmla="*/ 1610 w 319384"/>
+              <a:gd name="connsiteY2" fmla="*/ 279681 h 476462"/>
+              <a:gd name="connsiteX3" fmla="*/ 65656 w 319384"/>
+              <a:gd name="connsiteY3" fmla="*/ 73954 h 476462"/>
+              <a:gd name="connsiteX4" fmla="*/ 249533 w 319384"/>
+              <a:gd name="connsiteY4" fmla="*/ 7 h 476462"/>
+              <a:gd name="connsiteX0" fmla="*/ 319384 w 319384"/>
+              <a:gd name="connsiteY0" fmla="*/ 476462 h 476462"/>
+              <a:gd name="connsiteX1" fmla="*/ 121285 w 319384"/>
+              <a:gd name="connsiteY1" fmla="*/ 454403 h 476462"/>
+              <a:gd name="connsiteX2" fmla="*/ 1610 w 319384"/>
+              <a:gd name="connsiteY2" fmla="*/ 279681 h 476462"/>
+              <a:gd name="connsiteX3" fmla="*/ 65656 w 319384"/>
+              <a:gd name="connsiteY3" fmla="*/ 73954 h 476462"/>
+              <a:gd name="connsiteX4" fmla="*/ 249533 w 319384"/>
+              <a:gd name="connsiteY4" fmla="*/ 7 h 476462"/>
+              <a:gd name="connsiteX0" fmla="*/ 318265 w 318265"/>
+              <a:gd name="connsiteY0" fmla="*/ 476462 h 476462"/>
+              <a:gd name="connsiteX1" fmla="*/ 91701 w 318265"/>
+              <a:gd name="connsiteY1" fmla="*/ 428184 h 476462"/>
+              <a:gd name="connsiteX2" fmla="*/ 491 w 318265"/>
+              <a:gd name="connsiteY2" fmla="*/ 279681 h 476462"/>
+              <a:gd name="connsiteX3" fmla="*/ 64537 w 318265"/>
+              <a:gd name="connsiteY3" fmla="*/ 73954 h 476462"/>
+              <a:gd name="connsiteX4" fmla="*/ 248414 w 318265"/>
+              <a:gd name="connsiteY4" fmla="*/ 7 h 476462"/>
+              <a:gd name="connsiteX0" fmla="*/ 318265 w 318265"/>
+              <a:gd name="connsiteY0" fmla="*/ 476462 h 476462"/>
+              <a:gd name="connsiteX1" fmla="*/ 91701 w 318265"/>
+              <a:gd name="connsiteY1" fmla="*/ 428184 h 476462"/>
+              <a:gd name="connsiteX2" fmla="*/ 491 w 318265"/>
+              <a:gd name="connsiteY2" fmla="*/ 279681 h 476462"/>
+              <a:gd name="connsiteX3" fmla="*/ 64537 w 318265"/>
+              <a:gd name="connsiteY3" fmla="*/ 73954 h 476462"/>
+              <a:gd name="connsiteX4" fmla="*/ 248414 w 318265"/>
+              <a:gd name="connsiteY4" fmla="*/ 7 h 476462"/>
+            </a:gdLst>
+            <a:ahLst/>
+            <a:cxnLst>
+              <a:cxn ang="0">
+                <a:pos x="connsiteX0" y="connsiteY0"/>
+              </a:cxn>
+              <a:cxn ang="0">
+                <a:pos x="connsiteX1" y="connsiteY1"/>
+              </a:cxn>
+              <a:cxn ang="0">
+                <a:pos x="connsiteX2" y="connsiteY2"/>
+              </a:cxn>
+              <a:cxn ang="0">
+                <a:pos x="connsiteX3" y="connsiteY3"/>
+              </a:cxn>
+              <a:cxn ang="0">
+                <a:pos x="connsiteX4" y="connsiteY4"/>
+              </a:cxn>
+            </a:cxnLst>
+            <a:rect l="l" t="t" r="r" b="b"/>
+            <a:pathLst>
+              <a:path w="318265" h="476462">
+                <a:moveTo>
+                  <a:pt x="318265" y="476462"/>
+                </a:moveTo>
+                <a:cubicBezTo>
+                  <a:pt x="281691" y="460040"/>
+                  <a:pt x="176686" y="477003"/>
+                  <a:pt x="91701" y="428184"/>
+                </a:cubicBezTo>
+                <a:cubicBezTo>
+                  <a:pt x="42297" y="401214"/>
+                  <a:pt x="5018" y="338719"/>
+                  <a:pt x="491" y="279681"/>
+                </a:cubicBezTo>
+                <a:cubicBezTo>
+                  <a:pt x="-4036" y="220643"/>
+                  <a:pt x="23217" y="120566"/>
+                  <a:pt x="64537" y="73954"/>
+                </a:cubicBezTo>
+                <a:cubicBezTo>
+                  <a:pt x="105857" y="27342"/>
+                  <a:pt x="157926" y="-522"/>
+                  <a:pt x="248414" y="7"/>
+                </a:cubicBezTo>
+              </a:path>
+            </a:pathLst>
+          </a:custGeom>
+          <a:noFill/>
+          <a:ln w="12700">
+            <a:prstDash val="sysDash"/>
+          </a:ln>
+        </p:spPr>
+        <p:style>
+          <a:lnRef idx="2">
+            <a:schemeClr val="accent1">
+              <a:shade val="50000"/>
+            </a:schemeClr>
+          </a:lnRef>
+          <a:fillRef idx="1">
+            <a:schemeClr val="accent1"/>
+          </a:fillRef>
+          <a:effectRef idx="0">
+            <a:schemeClr val="accent1"/>
+          </a:effectRef>
+          <a:fontRef idx="minor">
+            <a:schemeClr val="lt1"/>
+          </a:fontRef>
+        </p:style>
+        <p:txBody>
+          <a:bodyPr rtlCol="0" anchor="ctr"/>
+          <a:lstStyle/>
+          <a:p>
+            <a:pPr algn="ctr"/>
+            <a:endParaRPr lang="en-US" dirty="0"/>
+          </a:p>
+        </p:txBody>
+      </p:sp>
+      <p:sp>
+        <p:nvSpPr>
+          <p:cNvPr id="31" name="TextBox 30"/>
+          <p:cNvSpPr txBox="1"/>
+          <p:nvPr/>
+        </p:nvSpPr>
+        <p:spPr>
+          <a:xfrm>
+            <a:off x="1147431" y="2924944"/>
+            <a:ext cx="508245" cy="461665"/>
+          </a:xfrm>
+          <a:prstGeom prst="rect">
+            <a:avLst/>
+          </a:prstGeom>
+          <a:noFill/>
+        </p:spPr>
+        <p:txBody>
+          <a:bodyPr wrap="square" lIns="0" rIns="0" rtlCol="0">
+            <a:spAutoFit/>
+          </a:bodyPr>
+          <a:lstStyle/>
+          <a:p>
+            <a:r>
+              <a:rPr lang="fi-FI" sz="1200" i="1" dirty="0" err="1" smtClean="0"/>
+              <a:t>port</a:t>
+            </a:r>
+            <a:r>
+              <a:rPr lang="fi-FI" sz="1200" i="1" dirty="0" smtClean="0"/>
+              <a:t> </a:t>
+            </a:r>
+            <a:r>
+              <a:rPr lang="fi-FI" sz="1200" i="1" dirty="0" err="1" smtClean="0"/>
+              <a:t>maps</a:t>
+            </a:r>
+            <a:endParaRPr lang="en-US" sz="1200" i="1" dirty="0"/>
+          </a:p>
+        </p:txBody>
+      </p:sp>
+      <p:sp>
+        <p:nvSpPr>
+          <p:cNvPr id="30" name="Freeform 29"/>
+          <p:cNvSpPr/>
+          <p:nvPr/>
+        </p:nvSpPr>
+        <p:spPr>
+          <a:xfrm>
+            <a:off x="1729603" y="2700784"/>
+            <a:ext cx="142097" cy="519269"/>
+          </a:xfrm>
+          <a:custGeom>
+            <a:avLst/>
+            <a:gdLst>
+              <a:gd name="connsiteX0" fmla="*/ 266372 w 266372"/>
+              <a:gd name="connsiteY0" fmla="*/ 527156 h 527156"/>
+              <a:gd name="connsiteX1" fmla="*/ 50472 w 266372"/>
+              <a:gd name="connsiteY1" fmla="*/ 311256 h 527156"/>
+              <a:gd name="connsiteX2" fmla="*/ 12372 w 266372"/>
+              <a:gd name="connsiteY2" fmla="*/ 50906 h 527156"/>
+              <a:gd name="connsiteX3" fmla="*/ 221922 w 266372"/>
+              <a:gd name="connsiteY3" fmla="*/ 106 h 527156"/>
+              <a:gd name="connsiteX0" fmla="*/ 279422 w 279422"/>
+              <a:gd name="connsiteY0" fmla="*/ 529407 h 529407"/>
+              <a:gd name="connsiteX1" fmla="*/ 31772 w 279422"/>
+              <a:gd name="connsiteY1" fmla="*/ 415107 h 529407"/>
+              <a:gd name="connsiteX2" fmla="*/ 25422 w 279422"/>
+              <a:gd name="connsiteY2" fmla="*/ 53157 h 529407"/>
+              <a:gd name="connsiteX3" fmla="*/ 234972 w 279422"/>
+              <a:gd name="connsiteY3" fmla="*/ 2357 h 529407"/>
+              <a:gd name="connsiteX0" fmla="*/ 283278 w 283278"/>
+              <a:gd name="connsiteY0" fmla="*/ 527053 h 527053"/>
+              <a:gd name="connsiteX1" fmla="*/ 35628 w 283278"/>
+              <a:gd name="connsiteY1" fmla="*/ 412753 h 527053"/>
+              <a:gd name="connsiteX2" fmla="*/ 22928 w 283278"/>
+              <a:gd name="connsiteY2" fmla="*/ 146053 h 527053"/>
+              <a:gd name="connsiteX3" fmla="*/ 238828 w 283278"/>
+              <a:gd name="connsiteY3" fmla="*/ 3 h 527053"/>
+              <a:gd name="connsiteX0" fmla="*/ 277708 w 277708"/>
+              <a:gd name="connsiteY0" fmla="*/ 527053 h 527053"/>
+              <a:gd name="connsiteX1" fmla="*/ 42758 w 277708"/>
+              <a:gd name="connsiteY1" fmla="*/ 374653 h 527053"/>
+              <a:gd name="connsiteX2" fmla="*/ 17358 w 277708"/>
+              <a:gd name="connsiteY2" fmla="*/ 146053 h 527053"/>
+              <a:gd name="connsiteX3" fmla="*/ 233258 w 277708"/>
+              <a:gd name="connsiteY3" fmla="*/ 3 h 527053"/>
+              <a:gd name="connsiteX0" fmla="*/ 304252 w 304252"/>
+              <a:gd name="connsiteY0" fmla="*/ 469903 h 469903"/>
+              <a:gd name="connsiteX1" fmla="*/ 43902 w 304252"/>
+              <a:gd name="connsiteY1" fmla="*/ 374653 h 469903"/>
+              <a:gd name="connsiteX2" fmla="*/ 18502 w 304252"/>
+              <a:gd name="connsiteY2" fmla="*/ 146053 h 469903"/>
+              <a:gd name="connsiteX3" fmla="*/ 234402 w 304252"/>
+              <a:gd name="connsiteY3" fmla="*/ 3 h 469903"/>
+              <a:gd name="connsiteX0" fmla="*/ 317253 w 317253"/>
+              <a:gd name="connsiteY0" fmla="*/ 469903 h 469903"/>
+              <a:gd name="connsiteX1" fmla="*/ 31503 w 317253"/>
+              <a:gd name="connsiteY1" fmla="*/ 406403 h 469903"/>
+              <a:gd name="connsiteX2" fmla="*/ 31503 w 317253"/>
+              <a:gd name="connsiteY2" fmla="*/ 146053 h 469903"/>
+              <a:gd name="connsiteX3" fmla="*/ 247403 w 317253"/>
+              <a:gd name="connsiteY3" fmla="*/ 3 h 469903"/>
+              <a:gd name="connsiteX0" fmla="*/ 308938 w 308938"/>
+              <a:gd name="connsiteY0" fmla="*/ 469903 h 479054"/>
+              <a:gd name="connsiteX1" fmla="*/ 175589 w 308938"/>
+              <a:gd name="connsiteY1" fmla="*/ 476254 h 479054"/>
+              <a:gd name="connsiteX2" fmla="*/ 23188 w 308938"/>
+              <a:gd name="connsiteY2" fmla="*/ 406403 h 479054"/>
+              <a:gd name="connsiteX3" fmla="*/ 23188 w 308938"/>
+              <a:gd name="connsiteY3" fmla="*/ 146053 h 479054"/>
+              <a:gd name="connsiteX4" fmla="*/ 239088 w 308938"/>
+              <a:gd name="connsiteY4" fmla="*/ 3 h 479054"/>
+              <a:gd name="connsiteX0" fmla="*/ 314893 w 314893"/>
+              <a:gd name="connsiteY0" fmla="*/ 469903 h 479054"/>
+              <a:gd name="connsiteX1" fmla="*/ 181544 w 314893"/>
+              <a:gd name="connsiteY1" fmla="*/ 476254 h 479054"/>
+              <a:gd name="connsiteX2" fmla="*/ 18469 w 314893"/>
+              <a:gd name="connsiteY2" fmla="*/ 351780 h 479054"/>
+              <a:gd name="connsiteX3" fmla="*/ 29143 w 314893"/>
+              <a:gd name="connsiteY3" fmla="*/ 146053 h 479054"/>
+              <a:gd name="connsiteX4" fmla="*/ 245043 w 314893"/>
+              <a:gd name="connsiteY4" fmla="*/ 3 h 479054"/>
+              <a:gd name="connsiteX0" fmla="*/ 313023 w 313023"/>
+              <a:gd name="connsiteY0" fmla="*/ 469903 h 469903"/>
+              <a:gd name="connsiteX1" fmla="*/ 151209 w 313023"/>
+              <a:gd name="connsiteY1" fmla="*/ 465330 h 469903"/>
+              <a:gd name="connsiteX2" fmla="*/ 16599 w 313023"/>
+              <a:gd name="connsiteY2" fmla="*/ 351780 h 469903"/>
+              <a:gd name="connsiteX3" fmla="*/ 27273 w 313023"/>
+              <a:gd name="connsiteY3" fmla="*/ 146053 h 469903"/>
+              <a:gd name="connsiteX4" fmla="*/ 243173 w 313023"/>
+              <a:gd name="connsiteY4" fmla="*/ 3 h 469903"/>
+              <a:gd name="connsiteX0" fmla="*/ 305299 w 305299"/>
+              <a:gd name="connsiteY0" fmla="*/ 469903 h 469903"/>
+              <a:gd name="connsiteX1" fmla="*/ 143485 w 305299"/>
+              <a:gd name="connsiteY1" fmla="*/ 465330 h 469903"/>
+              <a:gd name="connsiteX2" fmla="*/ 8875 w 305299"/>
+              <a:gd name="connsiteY2" fmla="*/ 351780 h 469903"/>
+              <a:gd name="connsiteX3" fmla="*/ 37340 w 305299"/>
+              <a:gd name="connsiteY3" fmla="*/ 124204 h 469903"/>
+              <a:gd name="connsiteX4" fmla="*/ 235449 w 305299"/>
+              <a:gd name="connsiteY4" fmla="*/ 3 h 469903"/>
+              <a:gd name="connsiteX0" fmla="*/ 305299 w 305299"/>
+              <a:gd name="connsiteY0" fmla="*/ 469903 h 469903"/>
+              <a:gd name="connsiteX1" fmla="*/ 143485 w 305299"/>
+              <a:gd name="connsiteY1" fmla="*/ 465330 h 469903"/>
+              <a:gd name="connsiteX2" fmla="*/ 8875 w 305299"/>
+              <a:gd name="connsiteY2" fmla="*/ 308081 h 469903"/>
+              <a:gd name="connsiteX3" fmla="*/ 37340 w 305299"/>
+              <a:gd name="connsiteY3" fmla="*/ 124204 h 469903"/>
+              <a:gd name="connsiteX4" fmla="*/ 235449 w 305299"/>
+              <a:gd name="connsiteY4" fmla="*/ 3 h 469903"/>
+              <a:gd name="connsiteX0" fmla="*/ 305299 w 305299"/>
+              <a:gd name="connsiteY0" fmla="*/ 469903 h 469903"/>
+              <a:gd name="connsiteX1" fmla="*/ 8875 w 305299"/>
+              <a:gd name="connsiteY1" fmla="*/ 308081 h 469903"/>
+              <a:gd name="connsiteX2" fmla="*/ 37340 w 305299"/>
+              <a:gd name="connsiteY2" fmla="*/ 124204 h 469903"/>
+              <a:gd name="connsiteX3" fmla="*/ 235449 w 305299"/>
+              <a:gd name="connsiteY3" fmla="*/ 3 h 469903"/>
+              <a:gd name="connsiteX0" fmla="*/ 303139 w 303139"/>
+              <a:gd name="connsiteY0" fmla="*/ 469903 h 469903"/>
+              <a:gd name="connsiteX1" fmla="*/ 112157 w 303139"/>
+              <a:gd name="connsiteY1" fmla="*/ 445658 h 469903"/>
+              <a:gd name="connsiteX2" fmla="*/ 6715 w 303139"/>
+              <a:gd name="connsiteY2" fmla="*/ 308081 h 469903"/>
+              <a:gd name="connsiteX3" fmla="*/ 35180 w 303139"/>
+              <a:gd name="connsiteY3" fmla="*/ 124204 h 469903"/>
+              <a:gd name="connsiteX4" fmla="*/ 233289 w 303139"/>
+              <a:gd name="connsiteY4" fmla="*/ 3 h 469903"/>
+              <a:gd name="connsiteX0" fmla="*/ 302084 w 302084"/>
+              <a:gd name="connsiteY0" fmla="*/ 469903 h 469903"/>
+              <a:gd name="connsiteX1" fmla="*/ 96870 w 302084"/>
+              <a:gd name="connsiteY1" fmla="*/ 434734 h 469903"/>
+              <a:gd name="connsiteX2" fmla="*/ 5660 w 302084"/>
+              <a:gd name="connsiteY2" fmla="*/ 308081 h 469903"/>
+              <a:gd name="connsiteX3" fmla="*/ 34125 w 302084"/>
+              <a:gd name="connsiteY3" fmla="*/ 124204 h 469903"/>
+              <a:gd name="connsiteX4" fmla="*/ 232234 w 302084"/>
+              <a:gd name="connsiteY4" fmla="*/ 3 h 469903"/>
+              <a:gd name="connsiteX0" fmla="*/ 302084 w 302084"/>
+              <a:gd name="connsiteY0" fmla="*/ 469903 h 469903"/>
+              <a:gd name="connsiteX1" fmla="*/ 96870 w 302084"/>
+              <a:gd name="connsiteY1" fmla="*/ 450029 h 469903"/>
+              <a:gd name="connsiteX2" fmla="*/ 5660 w 302084"/>
+              <a:gd name="connsiteY2" fmla="*/ 308081 h 469903"/>
+              <a:gd name="connsiteX3" fmla="*/ 34125 w 302084"/>
+              <a:gd name="connsiteY3" fmla="*/ 124204 h 469903"/>
+              <a:gd name="connsiteX4" fmla="*/ 232234 w 302084"/>
+              <a:gd name="connsiteY4" fmla="*/ 3 h 469903"/>
+              <a:gd name="connsiteX0" fmla="*/ 262945 w 262945"/>
+              <a:gd name="connsiteY0" fmla="*/ 476458 h 476458"/>
+              <a:gd name="connsiteX1" fmla="*/ 96870 w 262945"/>
+              <a:gd name="connsiteY1" fmla="*/ 450029 h 476458"/>
+              <a:gd name="connsiteX2" fmla="*/ 5660 w 262945"/>
+              <a:gd name="connsiteY2" fmla="*/ 308081 h 476458"/>
+              <a:gd name="connsiteX3" fmla="*/ 34125 w 262945"/>
+              <a:gd name="connsiteY3" fmla="*/ 124204 h 476458"/>
+              <a:gd name="connsiteX4" fmla="*/ 232234 w 262945"/>
+              <a:gd name="connsiteY4" fmla="*/ 3 h 476458"/>
+              <a:gd name="connsiteX0" fmla="*/ 261364 w 261364"/>
+              <a:gd name="connsiteY0" fmla="*/ 476458 h 476458"/>
+              <a:gd name="connsiteX1" fmla="*/ 73940 w 261364"/>
+              <a:gd name="connsiteY1" fmla="*/ 458769 h 476458"/>
+              <a:gd name="connsiteX2" fmla="*/ 4079 w 261364"/>
+              <a:gd name="connsiteY2" fmla="*/ 308081 h 476458"/>
+              <a:gd name="connsiteX3" fmla="*/ 32544 w 261364"/>
+              <a:gd name="connsiteY3" fmla="*/ 124204 h 476458"/>
+              <a:gd name="connsiteX4" fmla="*/ 230653 w 261364"/>
+              <a:gd name="connsiteY4" fmla="*/ 3 h 476458"/>
+              <a:gd name="connsiteX0" fmla="*/ 300504 w 300504"/>
+              <a:gd name="connsiteY0" fmla="*/ 476458 h 476458"/>
+              <a:gd name="connsiteX1" fmla="*/ 73940 w 300504"/>
+              <a:gd name="connsiteY1" fmla="*/ 458769 h 476458"/>
+              <a:gd name="connsiteX2" fmla="*/ 4079 w 300504"/>
+              <a:gd name="connsiteY2" fmla="*/ 308081 h 476458"/>
+              <a:gd name="connsiteX3" fmla="*/ 32544 w 300504"/>
+              <a:gd name="connsiteY3" fmla="*/ 124204 h 476458"/>
+              <a:gd name="connsiteX4" fmla="*/ 230653 w 300504"/>
+              <a:gd name="connsiteY4" fmla="*/ 3 h 476458"/>
+              <a:gd name="connsiteX0" fmla="*/ 298659 w 298659"/>
+              <a:gd name="connsiteY0" fmla="*/ 476458 h 476458"/>
+              <a:gd name="connsiteX1" fmla="*/ 47188 w 298659"/>
+              <a:gd name="connsiteY1" fmla="*/ 432550 h 476458"/>
+              <a:gd name="connsiteX2" fmla="*/ 2234 w 298659"/>
+              <a:gd name="connsiteY2" fmla="*/ 308081 h 476458"/>
+              <a:gd name="connsiteX3" fmla="*/ 30699 w 298659"/>
+              <a:gd name="connsiteY3" fmla="*/ 124204 h 476458"/>
+              <a:gd name="connsiteX4" fmla="*/ 228808 w 298659"/>
+              <a:gd name="connsiteY4" fmla="*/ 3 h 476458"/>
+              <a:gd name="connsiteX0" fmla="*/ 318164 w 318164"/>
+              <a:gd name="connsiteY0" fmla="*/ 476458 h 476458"/>
+              <a:gd name="connsiteX1" fmla="*/ 66693 w 318164"/>
+              <a:gd name="connsiteY1" fmla="*/ 432550 h 476458"/>
+              <a:gd name="connsiteX2" fmla="*/ 390 w 318164"/>
+              <a:gd name="connsiteY2" fmla="*/ 279677 h 476458"/>
+              <a:gd name="connsiteX3" fmla="*/ 50204 w 318164"/>
+              <a:gd name="connsiteY3" fmla="*/ 124204 h 476458"/>
+              <a:gd name="connsiteX4" fmla="*/ 248313 w 318164"/>
+              <a:gd name="connsiteY4" fmla="*/ 3 h 476458"/>
+              <a:gd name="connsiteX0" fmla="*/ 317779 w 317779"/>
+              <a:gd name="connsiteY0" fmla="*/ 476462 h 476462"/>
+              <a:gd name="connsiteX1" fmla="*/ 66308 w 317779"/>
+              <a:gd name="connsiteY1" fmla="*/ 432554 h 476462"/>
+              <a:gd name="connsiteX2" fmla="*/ 5 w 317779"/>
+              <a:gd name="connsiteY2" fmla="*/ 279681 h 476462"/>
+              <a:gd name="connsiteX3" fmla="*/ 64051 w 317779"/>
+              <a:gd name="connsiteY3" fmla="*/ 73954 h 476462"/>
+              <a:gd name="connsiteX4" fmla="*/ 247928 w 317779"/>
+              <a:gd name="connsiteY4" fmla="*/ 7 h 476462"/>
+              <a:gd name="connsiteX0" fmla="*/ 319384 w 319384"/>
+              <a:gd name="connsiteY0" fmla="*/ 476462 h 476462"/>
+              <a:gd name="connsiteX1" fmla="*/ 121285 w 319384"/>
+              <a:gd name="connsiteY1" fmla="*/ 454403 h 476462"/>
+              <a:gd name="connsiteX2" fmla="*/ 1610 w 319384"/>
+              <a:gd name="connsiteY2" fmla="*/ 279681 h 476462"/>
+              <a:gd name="connsiteX3" fmla="*/ 65656 w 319384"/>
+              <a:gd name="connsiteY3" fmla="*/ 73954 h 476462"/>
+              <a:gd name="connsiteX4" fmla="*/ 249533 w 319384"/>
+              <a:gd name="connsiteY4" fmla="*/ 7 h 476462"/>
+              <a:gd name="connsiteX0" fmla="*/ 319384 w 319384"/>
+              <a:gd name="connsiteY0" fmla="*/ 476462 h 476462"/>
+              <a:gd name="connsiteX1" fmla="*/ 121285 w 319384"/>
+              <a:gd name="connsiteY1" fmla="*/ 454403 h 476462"/>
+              <a:gd name="connsiteX2" fmla="*/ 1610 w 319384"/>
+              <a:gd name="connsiteY2" fmla="*/ 279681 h 476462"/>
+              <a:gd name="connsiteX3" fmla="*/ 65656 w 319384"/>
+              <a:gd name="connsiteY3" fmla="*/ 73954 h 476462"/>
+              <a:gd name="connsiteX4" fmla="*/ 249533 w 319384"/>
+              <a:gd name="connsiteY4" fmla="*/ 7 h 476462"/>
+              <a:gd name="connsiteX0" fmla="*/ 318265 w 318265"/>
+              <a:gd name="connsiteY0" fmla="*/ 476462 h 476462"/>
+              <a:gd name="connsiteX1" fmla="*/ 91701 w 318265"/>
+              <a:gd name="connsiteY1" fmla="*/ 428184 h 476462"/>
+              <a:gd name="connsiteX2" fmla="*/ 491 w 318265"/>
+              <a:gd name="connsiteY2" fmla="*/ 279681 h 476462"/>
+              <a:gd name="connsiteX3" fmla="*/ 64537 w 318265"/>
+              <a:gd name="connsiteY3" fmla="*/ 73954 h 476462"/>
+              <a:gd name="connsiteX4" fmla="*/ 248414 w 318265"/>
+              <a:gd name="connsiteY4" fmla="*/ 7 h 476462"/>
+              <a:gd name="connsiteX0" fmla="*/ 318265 w 318265"/>
+              <a:gd name="connsiteY0" fmla="*/ 476462 h 476462"/>
+              <a:gd name="connsiteX1" fmla="*/ 91701 w 318265"/>
+              <a:gd name="connsiteY1" fmla="*/ 428184 h 476462"/>
+              <a:gd name="connsiteX2" fmla="*/ 491 w 318265"/>
+              <a:gd name="connsiteY2" fmla="*/ 279681 h 476462"/>
+              <a:gd name="connsiteX3" fmla="*/ 64537 w 318265"/>
+              <a:gd name="connsiteY3" fmla="*/ 73954 h 476462"/>
+              <a:gd name="connsiteX4" fmla="*/ 248414 w 318265"/>
+              <a:gd name="connsiteY4" fmla="*/ 7 h 476462"/>
+            </a:gdLst>
+            <a:ahLst/>
+            <a:cxnLst>
+              <a:cxn ang="0">
+                <a:pos x="connsiteX0" y="connsiteY0"/>
+              </a:cxn>
+              <a:cxn ang="0">
+                <a:pos x="connsiteX1" y="connsiteY1"/>
+              </a:cxn>
+              <a:cxn ang="0">
+                <a:pos x="connsiteX2" y="connsiteY2"/>
+              </a:cxn>
+              <a:cxn ang="0">
+                <a:pos x="connsiteX3" y="connsiteY3"/>
+              </a:cxn>
+              <a:cxn ang="0">
+                <a:pos x="connsiteX4" y="connsiteY4"/>
+              </a:cxn>
+            </a:cxnLst>
+            <a:rect l="l" t="t" r="r" b="b"/>
+            <a:pathLst>
+              <a:path w="318265" h="476462">
+                <a:moveTo>
+                  <a:pt x="318265" y="476462"/>
+                </a:moveTo>
+                <a:cubicBezTo>
+                  <a:pt x="281691" y="460040"/>
+                  <a:pt x="176686" y="477003"/>
+                  <a:pt x="91701" y="428184"/>
+                </a:cubicBezTo>
+                <a:cubicBezTo>
+                  <a:pt x="42297" y="401214"/>
+                  <a:pt x="5018" y="338719"/>
+                  <a:pt x="491" y="279681"/>
+                </a:cubicBezTo>
+                <a:cubicBezTo>
+                  <a:pt x="-4036" y="220643"/>
+                  <a:pt x="23217" y="120566"/>
+                  <a:pt x="64537" y="73954"/>
+                </a:cubicBezTo>
+                <a:cubicBezTo>
+                  <a:pt x="105857" y="27342"/>
+                  <a:pt x="157926" y="-522"/>
+                  <a:pt x="248414" y="7"/>
+                </a:cubicBezTo>
+              </a:path>
+            </a:pathLst>
+          </a:custGeom>
+          <a:noFill/>
+          <a:ln w="12700">
+            <a:prstDash val="sysDash"/>
+          </a:ln>
+        </p:spPr>
+        <p:style>
+          <a:lnRef idx="2">
+            <a:schemeClr val="accent1">
+              <a:shade val="50000"/>
+            </a:schemeClr>
+          </a:lnRef>
+          <a:fillRef idx="1">
+            <a:schemeClr val="accent1"/>
+          </a:fillRef>
+          <a:effectRef idx="0">
+            <a:schemeClr val="accent1"/>
+          </a:effectRef>
+          <a:fontRef idx="minor">
+            <a:schemeClr val="lt1"/>
+          </a:fontRef>
+        </p:style>
+        <p:txBody>
+          <a:bodyPr rtlCol="0" anchor="ctr"/>
+          <a:lstStyle/>
+          <a:p>
+            <a:pPr algn="ctr"/>
+            <a:endParaRPr lang="en-US" dirty="0"/>
+          </a:p>
+        </p:txBody>
+      </p:sp>
+      <p:sp>
+        <p:nvSpPr>
+          <p:cNvPr id="5" name="Flowchart: Off-page Connector 4"/>
+          <p:cNvSpPr/>
+          <p:nvPr/>
+        </p:nvSpPr>
+        <p:spPr>
+          <a:xfrm rot="16200000" flipH="1">
+            <a:off x="1799672" y="2439199"/>
+            <a:ext cx="360040" cy="360000"/>
+          </a:xfrm>
+          <a:prstGeom prst="flowChartOffpageConnector">
+            <a:avLst/>
+          </a:prstGeom>
+          <a:solidFill>
+            <a:srgbClr val="00B050"/>
+          </a:solidFill>
+          <a:ln>
+            <a:solidFill>
+              <a:schemeClr val="tx1"/>
+            </a:solidFill>
+          </a:ln>
+        </p:spPr>
+        <p:style>
+          <a:lnRef idx="2">
+            <a:schemeClr val="accent1">
+              <a:shade val="50000"/>
+            </a:schemeClr>
+          </a:lnRef>
+          <a:fillRef idx="1">
+            <a:schemeClr val="accent1"/>
+          </a:fillRef>
+          <a:effectRef idx="0">
+            <a:schemeClr val="accent1"/>
+          </a:effectRef>
+          <a:fontRef idx="minor">
+            <a:schemeClr val="lt1"/>
+          </a:fontRef>
+        </p:style>
+        <p:txBody>
+          <a:bodyPr rtlCol="0" anchor="ctr"/>
+          <a:lstStyle/>
+          <a:p>
+            <a:pPr algn="ctr"/>
+            <a:endParaRPr lang="en-US" sz="1200"/>
+          </a:p>
+        </p:txBody>
+      </p:sp>
+      <p:sp>
+        <p:nvSpPr>
+          <p:cNvPr id="20" name="Flowchart: Off-page Connector 19"/>
+          <p:cNvSpPr/>
+          <p:nvPr/>
+        </p:nvSpPr>
+        <p:spPr>
+          <a:xfrm rot="16200000" flipH="1">
+            <a:off x="1949733" y="3092987"/>
+            <a:ext cx="95962" cy="252028"/>
+          </a:xfrm>
+          <a:prstGeom prst="flowChartOffpageConnector">
+            <a:avLst/>
+          </a:prstGeom>
+          <a:solidFill>
+            <a:schemeClr val="tx1"/>
+          </a:solidFill>
+          <a:ln>
+            <a:solidFill>
+              <a:schemeClr val="tx1"/>
+            </a:solidFill>
+          </a:ln>
+        </p:spPr>
+        <p:style>
+          <a:lnRef idx="2">
+            <a:schemeClr val="accent1">
+              <a:shade val="50000"/>
+            </a:schemeClr>
+          </a:lnRef>
+          <a:fillRef idx="1">
+            <a:schemeClr val="accent1"/>
+          </a:fillRef>
+          <a:effectRef idx="0">
+            <a:schemeClr val="accent1"/>
+          </a:effectRef>
+          <a:fontRef idx="minor">
+            <a:schemeClr val="lt1"/>
+          </a:fontRef>
+        </p:style>
+        <p:txBody>
+          <a:bodyPr rtlCol="0" anchor="ctr"/>
+          <a:lstStyle/>
+          <a:p>
+            <a:pPr algn="ctr"/>
+            <a:endParaRPr lang="en-US" sz="1200"/>
+          </a:p>
+        </p:txBody>
+      </p:sp>
+      <p:sp>
+        <p:nvSpPr>
+          <p:cNvPr id="21" name="Flowchart: Off-page Connector 20"/>
+          <p:cNvSpPr/>
+          <p:nvPr/>
+        </p:nvSpPr>
+        <p:spPr>
+          <a:xfrm rot="16200000" flipH="1">
+            <a:off x="1949733" y="3291009"/>
+            <a:ext cx="95962" cy="252028"/>
+          </a:xfrm>
+          <a:prstGeom prst="flowChartOffpageConnector">
+            <a:avLst/>
+          </a:prstGeom>
+          <a:solidFill>
+            <a:schemeClr val="tx1"/>
+          </a:solidFill>
+          <a:ln>
+            <a:solidFill>
+              <a:schemeClr val="tx1"/>
+            </a:solidFill>
+          </a:ln>
+        </p:spPr>
+        <p:style>
+          <a:lnRef idx="2">
+            <a:schemeClr val="accent1">
+              <a:shade val="50000"/>
+            </a:schemeClr>
+          </a:lnRef>
+          <a:fillRef idx="1">
+            <a:schemeClr val="accent1"/>
+          </a:fillRef>
+          <a:effectRef idx="0">
+            <a:schemeClr val="accent1"/>
+          </a:effectRef>
+          <a:fontRef idx="minor">
+            <a:schemeClr val="lt1"/>
+          </a:fontRef>
+        </p:style>
+        <p:txBody>
+          <a:bodyPr rtlCol="0" anchor="ctr"/>
+          <a:lstStyle/>
+          <a:p>
+            <a:pPr algn="ctr"/>
+            <a:endParaRPr lang="en-US" sz="1200"/>
+          </a:p>
+        </p:txBody>
+      </p:sp>
+      <p:sp>
+        <p:nvSpPr>
+          <p:cNvPr id="23" name="Flowchart: Off-page Connector 22"/>
+          <p:cNvSpPr/>
+          <p:nvPr/>
+        </p:nvSpPr>
+        <p:spPr>
+          <a:xfrm rot="16200000" flipV="1">
+            <a:off x="1913729" y="3471029"/>
+            <a:ext cx="95962" cy="252028"/>
+          </a:xfrm>
+          <a:prstGeom prst="flowChartOffpageConnector">
+            <a:avLst/>
+          </a:prstGeom>
+          <a:solidFill>
+            <a:schemeClr val="tx1"/>
+          </a:solidFill>
+          <a:ln>
+            <a:solidFill>
+              <a:schemeClr val="tx1"/>
+            </a:solidFill>
+          </a:ln>
+        </p:spPr>
+        <p:style>
+          <a:lnRef idx="2">
+            <a:schemeClr val="accent1">
+              <a:shade val="50000"/>
+            </a:schemeClr>
+          </a:lnRef>
+          <a:fillRef idx="1">
+            <a:schemeClr val="accent1"/>
+          </a:fillRef>
+          <a:effectRef idx="0">
+            <a:schemeClr val="accent1"/>
+          </a:effectRef>
+          <a:fontRef idx="minor">
+            <a:schemeClr val="lt1"/>
+          </a:fontRef>
+        </p:style>
+        <p:txBody>
+          <a:bodyPr rtlCol="0" anchor="ctr"/>
+          <a:lstStyle/>
+          <a:p>
+            <a:pPr algn="ctr"/>
+            <a:endParaRPr lang="en-US" sz="1200"/>
+          </a:p>
+        </p:txBody>
+      </p:sp>
+      <p:sp>
+        <p:nvSpPr>
+          <p:cNvPr id="32" name="TextBox 31"/>
+          <p:cNvSpPr txBox="1"/>
+          <p:nvPr/>
+        </p:nvSpPr>
+        <p:spPr>
+          <a:xfrm>
+            <a:off x="2312132" y="2870938"/>
+            <a:ext cx="495672" cy="276999"/>
+          </a:xfrm>
+          <a:prstGeom prst="rect">
+            <a:avLst/>
+          </a:prstGeom>
+          <a:noFill/>
+        </p:spPr>
+        <p:txBody>
+          <a:bodyPr wrap="square" rtlCol="0">
+            <a:spAutoFit/>
+          </a:bodyPr>
+          <a:lstStyle/>
+          <a:p>
+            <a:r>
+              <a:rPr lang="fi-FI" sz="1200" dirty="0" smtClean="0"/>
+              <a:t>=</a:t>
+            </a:r>
+            <a:endParaRPr lang="en-US" sz="1200" dirty="0"/>
+          </a:p>
+        </p:txBody>
+      </p:sp>
+    </p:spTree>
+    <p:extLst>
+      <p:ext uri="{BB962C8B-B14F-4D97-AF65-F5344CB8AC3E}">
+        <p14:creationId xmlns:p14="http://schemas.microsoft.com/office/powerpoint/2010/main" val="1953917506"/>
+      </p:ext>
+    </p:extLst>
+  </p:cSld>
+  <p:clrMapOvr>
+    <a:masterClrMapping/>
+  </p:clrMapOvr>
+  <p:timing>
+    <p:tnLst>
+      <p:par>
+        <p:cTn id="1" dur="indefinite" restart="never" nodeType="tmRoot"/>
+      </p:par>
+    </p:tnLst>
+  </p:timing>
+</p:sld>
+</file>
+
 <file path=ppt/theme/theme1.xml><?xml version="1.0" encoding="utf-8"?>
 <a:theme xmlns:a="http://schemas.openxmlformats.org/drawingml/2006/main" name="Office Theme">
   <a:themeElements>
